--- a/Nuclear_Fuel_Performance/NE533_Spring2025/Module3/Lec15_PCI.pptx
+++ b/Nuclear_Fuel_Performance/NE533_Spring2025/Module3/Lec15_PCI.pptx
@@ -322,7 +322,7 @@
             </a:pPr>
             <a:fld id="{D6F3A803-A045-354B-887A-01433CE46FC2}" type="datetime1">
               <a:rPr lang="en-US" smtClean="0"/>
-              <a:t>3/27/25</a:t>
+              <a:t>3/31/25</a:t>
             </a:fld>
             <a:endParaRPr lang="en-US"/>
           </a:p>
@@ -515,7 +515,7 @@
             </a:pPr>
             <a:fld id="{A8B33C1D-C2E2-1049-AA3F-CD6E91052752}" type="datetime1">
               <a:rPr lang="en-US" smtClean="0"/>
-              <a:t>3/27/25</a:t>
+              <a:t>3/31/25</a:t>
             </a:fld>
             <a:endParaRPr lang="en-US"/>
           </a:p>
@@ -717,7 +717,7 @@
             </a:pPr>
             <a:fld id="{2791AD68-B60C-4542-BDDD-2074DE6DE828}" type="datetime1">
               <a:rPr lang="en-US" smtClean="0"/>
-              <a:t>3/27/25</a:t>
+              <a:t>3/31/25</a:t>
             </a:fld>
             <a:endParaRPr lang="en-US"/>
           </a:p>
@@ -919,7 +919,7 @@
             </a:pPr>
             <a:fld id="{C5BD04BF-9DC2-6341-92B2-BD109A2EF3B1}" type="datetime1">
               <a:rPr lang="en-US" smtClean="0"/>
-              <a:t>3/27/25</a:t>
+              <a:t>3/31/25</a:t>
             </a:fld>
             <a:endParaRPr lang="en-US"/>
           </a:p>
@@ -1189,7 +1189,7 @@
             </a:pPr>
             <a:fld id="{FB0FFBC7-3028-644D-986B-D9855CB74B38}" type="datetime1">
               <a:rPr lang="en-US" smtClean="0"/>
-              <a:t>3/27/25</a:t>
+              <a:t>3/31/25</a:t>
             </a:fld>
             <a:endParaRPr lang="en-US"/>
           </a:p>
@@ -1504,7 +1504,7 @@
             </a:pPr>
             <a:fld id="{2C3B8AE4-01F5-CC42-9C62-61BC6528368B}" type="datetime1">
               <a:rPr lang="en-US" smtClean="0"/>
-              <a:t>3/27/25</a:t>
+              <a:t>3/31/25</a:t>
             </a:fld>
             <a:endParaRPr lang="en-US"/>
           </a:p>
@@ -1947,7 +1947,7 @@
             </a:pPr>
             <a:fld id="{77E49314-4A78-2444-9569-44EB70168344}" type="datetime1">
               <a:rPr lang="en-US" smtClean="0"/>
-              <a:t>3/27/25</a:t>
+              <a:t>3/31/25</a:t>
             </a:fld>
             <a:endParaRPr lang="en-US"/>
           </a:p>
@@ -2092,7 +2092,7 @@
             </a:pPr>
             <a:fld id="{5BC22837-4683-B242-B000-BCEE30621787}" type="datetime1">
               <a:rPr lang="en-US" smtClean="0"/>
-              <a:t>3/27/25</a:t>
+              <a:t>3/31/25</a:t>
             </a:fld>
             <a:endParaRPr lang="en-US"/>
           </a:p>
@@ -2211,7 +2211,7 @@
             </a:pPr>
             <a:fld id="{DCDAE926-7EF1-0B40-B57E-417D188A609C}" type="datetime1">
               <a:rPr lang="en-US" smtClean="0"/>
-              <a:t>3/27/25</a:t>
+              <a:t>3/31/25</a:t>
             </a:fld>
             <a:endParaRPr lang="en-US"/>
           </a:p>
@@ -2510,7 +2510,7 @@
             </a:pPr>
             <a:fld id="{518D107B-B9C7-5B41-A168-55258AB95F52}" type="datetime1">
               <a:rPr lang="en-US" smtClean="0"/>
-              <a:t>3/27/25</a:t>
+              <a:t>3/31/25</a:t>
             </a:fld>
             <a:endParaRPr lang="en-US"/>
           </a:p>
@@ -2794,7 +2794,7 @@
             </a:pPr>
             <a:fld id="{3AD92D36-EE82-3142-B011-9831FB5E702F}" type="datetime1">
               <a:rPr lang="en-US" smtClean="0"/>
-              <a:t>3/27/25</a:t>
+              <a:t>3/31/25</a:t>
             </a:fld>
             <a:endParaRPr lang="en-US"/>
           </a:p>
@@ -2935,7 +2935,7 @@
               </a14:hiddenLine>
             </a:ext>
             <a:ext uri="{FAA26D3D-D897-4be2-8F04-BA451C77F1D7}">
-              <ma14:placeholderFlag xmlns:ma14="http://schemas.microsoft.com/office/mac/drawingml/2011/main" xmlns="" val="1"/>
+              <ma14:placeholderFlag xmlns="" xmlns:ma14="http://schemas.microsoft.com/office/mac/drawingml/2011/main" val="1"/>
             </a:ext>
           </a:extLst>
         </p:spPr>
@@ -3003,7 +3003,7 @@
               </a14:hiddenLine>
             </a:ext>
             <a:ext uri="{FAA26D3D-D897-4be2-8F04-BA451C77F1D7}">
-              <ma14:placeholderFlag xmlns:ma14="http://schemas.microsoft.com/office/mac/drawingml/2011/main" xmlns="" val="1"/>
+              <ma14:placeholderFlag xmlns="" xmlns:ma14="http://schemas.microsoft.com/office/mac/drawingml/2011/main" val="1"/>
             </a:ext>
           </a:extLst>
         </p:spPr>
@@ -3099,7 +3099,7 @@
             </a:pPr>
             <a:fld id="{3EE08B4B-7256-494F-A90D-3891BD685F4A}" type="datetime1">
               <a:rPr lang="en-US" smtClean="0"/>
-              <a:t>3/27/25</a:t>
+              <a:t>3/31/25</a:t>
             </a:fld>
             <a:endParaRPr lang="en-US" dirty="0"/>
           </a:p>
@@ -6182,106 +6182,59 @@
           <a:p>
             <a:r>
               <a:rPr lang="en-US" sz="2000" dirty="0"/>
-              <a:t>Concept of creep</a:t>
+              <a:t>Zircaloy creep equations</a:t>
+            </a:r>
+          </a:p>
+          <a:p>
+            <a:r>
+              <a:rPr lang="en-US" sz="2000" dirty="0"/>
+              <a:t>Zircaloy cladding creep over time</a:t>
             </a:r>
           </a:p>
           <a:p>
             <a:pPr lvl="1"/>
             <a:r>
               <a:rPr lang="en-US" sz="2000" dirty="0"/>
-              <a:t>plastic deformation over time when </a:t>
-            </a:r>
-            <a:r>
-              <a:rPr lang="en-US" sz="2000" dirty="0" err="1"/>
-              <a:t>σ</a:t>
-            </a:r>
+              <a:t>creeps down due to water pressure, reduces gap, elongates</a:t>
+            </a:r>
+          </a:p>
+          <a:p>
+            <a:pPr lvl="1"/>
             <a:r>
               <a:rPr lang="en-US" sz="2000" dirty="0"/>
-              <a:t> &lt; </a:t>
-            </a:r>
-            <a:r>
-              <a:rPr lang="en-US" sz="2000" dirty="0" err="1"/>
-              <a:t>σ</a:t>
-            </a:r>
-            <a:r>
-              <a:rPr lang="en-US" sz="2000" baseline="-25000" dirty="0" err="1"/>
-              <a:t>y</a:t>
-            </a:r>
+              <a:t>creeps out due to fuel expansion, shortens</a:t>
+            </a:r>
+          </a:p>
+          <a:p>
             <a:r>
               <a:rPr lang="en-US" sz="2000" dirty="0"/>
-              <a:t> </a:t>
+              <a:t>Zr mechanical properties sensitive to radiation</a:t>
             </a:r>
           </a:p>
           <a:p>
             <a:r>
               <a:rPr lang="en-US" sz="2000" dirty="0"/>
-              <a:t>Three main kinds of creep:</a:t>
+              <a:t>Dislocation channel cleaning leads to plasticity in highly irradiation Zr</a:t>
+            </a:r>
+          </a:p>
+          <a:p>
+            <a:r>
+              <a:rPr lang="en-US" sz="2000" dirty="0"/>
+              <a:t>PCMI can lead to SCC</a:t>
             </a:r>
           </a:p>
           <a:p>
             <a:pPr lvl="1"/>
             <a:r>
               <a:rPr lang="en-US" sz="2000" dirty="0"/>
-              <a:t>Nabarro-Herring, Coble, Dislocation</a:t>
+              <a:t>A corrosive environment, a susceptible material, sufficient stress, and sufficient time</a:t>
             </a:r>
           </a:p>
           <a:p>
             <a:r>
               <a:rPr lang="en-US" sz="2000" dirty="0"/>
-              <a:t>Fracture can change the dimensions of the fuel</a:t>
-            </a:r>
-          </a:p>
-          <a:p>
-            <a:r>
-              <a:rPr lang="en-US" sz="2000" dirty="0"/>
-              <a:t>Zirconium cladding</a:t>
-            </a:r>
-          </a:p>
-          <a:p>
-            <a:pPr lvl="1"/>
-            <a:r>
-              <a:rPr lang="en-US" sz="2000" dirty="0"/>
-              <a:t>good: low cross section, good kth, resistant to void swelling, cheap, etc.</a:t>
-            </a:r>
-          </a:p>
-          <a:p>
-            <a:pPr lvl="1"/>
-            <a:r>
-              <a:rPr lang="en-US" sz="2000" dirty="0"/>
-              <a:t>bad: high T steam corrosion, hydrides, anisotropic</a:t>
-            </a:r>
-          </a:p>
-          <a:p>
-            <a:r>
-              <a:rPr lang="en-US" sz="2000" dirty="0"/>
-              <a:t>Zirconium fabrication/processing affects microstructure</a:t>
-            </a:r>
-          </a:p>
-          <a:p>
-            <a:r>
-              <a:rPr lang="en-US" sz="2000" dirty="0"/>
-              <a:t>Irradiation growth of Zr</a:t>
-            </a:r>
-          </a:p>
-          <a:p>
-            <a:pPr lvl="1"/>
-            <a:r>
-              <a:rPr lang="en-US" sz="2000" dirty="0"/>
-              <a:t>interstitials and vacancies preferentially align causing expansion in </a:t>
-            </a:r>
-            <a:r>
-              <a:rPr lang="en-US" sz="2000" i="1" dirty="0"/>
-              <a:t>a</a:t>
-            </a:r>
-            <a:r>
-              <a:rPr lang="en-US" sz="2000" dirty="0"/>
-              <a:t> and contraction in </a:t>
-            </a:r>
-            <a:r>
-              <a:rPr lang="en-US" sz="2000" i="1" dirty="0"/>
-              <a:t>c</a:t>
-            </a:r>
-            <a:endParaRPr lang="en-US" sz="2000" dirty="0"/>
+              <a:t>Talked through the basics of the corrosive environment</a:t>
+            </a:r>
           </a:p>
         </p:txBody>
       </p:sp>
@@ -6330,477 +6283,6 @@
   <p:clrMapOvr>
     <a:masterClrMapping/>
   </p:clrMapOvr>
-  <p:timing>
-    <p:tnLst>
-      <p:par>
-        <p:cTn id="1" dur="indefinite" restart="never" nodeType="tmRoot">
-          <p:childTnLst>
-            <p:seq concurrent="1" nextAc="seek">
-              <p:cTn id="2" dur="indefinite" nodeType="mainSeq">
-                <p:childTnLst>
-                  <p:par>
-                    <p:cTn id="3" fill="hold">
-                      <p:stCondLst>
-                        <p:cond delay="indefinite"/>
-                      </p:stCondLst>
-                      <p:childTnLst>
-                        <p:par>
-                          <p:cTn id="4" fill="hold">
-                            <p:stCondLst>
-                              <p:cond delay="0"/>
-                            </p:stCondLst>
-                            <p:childTnLst>
-                              <p:par>
-                                <p:cTn id="5" presetID="1" presetClass="entr" presetSubtype="0" fill="hold" nodeType="clickEffect">
-                                  <p:stCondLst>
-                                    <p:cond delay="0"/>
-                                  </p:stCondLst>
-                                  <p:childTnLst>
-                                    <p:set>
-                                      <p:cBhvr>
-                                        <p:cTn id="6" dur="1" fill="hold">
-                                          <p:stCondLst>
-                                            <p:cond delay="0"/>
-                                          </p:stCondLst>
-                                        </p:cTn>
-                                        <p:tgtEl>
-                                          <p:spTgt spid="3">
-                                            <p:txEl>
-                                              <p:pRg st="2" end="2"/>
-                                            </p:txEl>
-                                          </p:spTgt>
-                                        </p:tgtEl>
-                                        <p:attrNameLst>
-                                          <p:attrName>style.visibility</p:attrName>
-                                        </p:attrNameLst>
-                                      </p:cBhvr>
-                                      <p:to>
-                                        <p:strVal val="visible"/>
-                                      </p:to>
-                                    </p:set>
-                                  </p:childTnLst>
-                                </p:cTn>
-                              </p:par>
-                            </p:childTnLst>
-                          </p:cTn>
-                        </p:par>
-                      </p:childTnLst>
-                    </p:cTn>
-                  </p:par>
-                  <p:par>
-                    <p:cTn id="7" fill="hold">
-                      <p:stCondLst>
-                        <p:cond delay="indefinite"/>
-                      </p:stCondLst>
-                      <p:childTnLst>
-                        <p:par>
-                          <p:cTn id="8" fill="hold">
-                            <p:stCondLst>
-                              <p:cond delay="0"/>
-                            </p:stCondLst>
-                            <p:childTnLst>
-                              <p:par>
-                                <p:cTn id="9" presetID="1" presetClass="entr" presetSubtype="0" fill="hold" nodeType="clickEffect">
-                                  <p:stCondLst>
-                                    <p:cond delay="0"/>
-                                  </p:stCondLst>
-                                  <p:childTnLst>
-                                    <p:set>
-                                      <p:cBhvr>
-                                        <p:cTn id="10" dur="1" fill="hold">
-                                          <p:stCondLst>
-                                            <p:cond delay="0"/>
-                                          </p:stCondLst>
-                                        </p:cTn>
-                                        <p:tgtEl>
-                                          <p:spTgt spid="3">
-                                            <p:txEl>
-                                              <p:pRg st="3" end="3"/>
-                                            </p:txEl>
-                                          </p:spTgt>
-                                        </p:tgtEl>
-                                        <p:attrNameLst>
-                                          <p:attrName>style.visibility</p:attrName>
-                                        </p:attrNameLst>
-                                      </p:cBhvr>
-                                      <p:to>
-                                        <p:strVal val="visible"/>
-                                      </p:to>
-                                    </p:set>
-                                  </p:childTnLst>
-                                </p:cTn>
-                              </p:par>
-                            </p:childTnLst>
-                          </p:cTn>
-                        </p:par>
-                      </p:childTnLst>
-                    </p:cTn>
-                  </p:par>
-                  <p:par>
-                    <p:cTn id="11" fill="hold">
-                      <p:stCondLst>
-                        <p:cond delay="indefinite"/>
-                      </p:stCondLst>
-                      <p:childTnLst>
-                        <p:par>
-                          <p:cTn id="12" fill="hold">
-                            <p:stCondLst>
-                              <p:cond delay="0"/>
-                            </p:stCondLst>
-                            <p:childTnLst>
-                              <p:par>
-                                <p:cTn id="13" presetID="1" presetClass="entr" presetSubtype="0" fill="hold" nodeType="clickEffect">
-                                  <p:stCondLst>
-                                    <p:cond delay="0"/>
-                                  </p:stCondLst>
-                                  <p:childTnLst>
-                                    <p:set>
-                                      <p:cBhvr>
-                                        <p:cTn id="14" dur="1" fill="hold">
-                                          <p:stCondLst>
-                                            <p:cond delay="0"/>
-                                          </p:stCondLst>
-                                        </p:cTn>
-                                        <p:tgtEl>
-                                          <p:spTgt spid="3">
-                                            <p:txEl>
-                                              <p:pRg st="4" end="4"/>
-                                            </p:txEl>
-                                          </p:spTgt>
-                                        </p:tgtEl>
-                                        <p:attrNameLst>
-                                          <p:attrName>style.visibility</p:attrName>
-                                        </p:attrNameLst>
-                                      </p:cBhvr>
-                                      <p:to>
-                                        <p:strVal val="visible"/>
-                                      </p:to>
-                                    </p:set>
-                                  </p:childTnLst>
-                                </p:cTn>
-                              </p:par>
-                            </p:childTnLst>
-                          </p:cTn>
-                        </p:par>
-                      </p:childTnLst>
-                    </p:cTn>
-                  </p:par>
-                  <p:par>
-                    <p:cTn id="15" fill="hold">
-                      <p:stCondLst>
-                        <p:cond delay="indefinite"/>
-                      </p:stCondLst>
-                      <p:childTnLst>
-                        <p:par>
-                          <p:cTn id="16" fill="hold">
-                            <p:stCondLst>
-                              <p:cond delay="0"/>
-                            </p:stCondLst>
-                            <p:childTnLst>
-                              <p:par>
-                                <p:cTn id="17" presetID="1" presetClass="entr" presetSubtype="0" fill="hold" nodeType="clickEffect">
-                                  <p:stCondLst>
-                                    <p:cond delay="0"/>
-                                  </p:stCondLst>
-                                  <p:childTnLst>
-                                    <p:set>
-                                      <p:cBhvr>
-                                        <p:cTn id="18" dur="1" fill="hold">
-                                          <p:stCondLst>
-                                            <p:cond delay="0"/>
-                                          </p:stCondLst>
-                                        </p:cTn>
-                                        <p:tgtEl>
-                                          <p:spTgt spid="3">
-                                            <p:txEl>
-                                              <p:pRg st="5" end="5"/>
-                                            </p:txEl>
-                                          </p:spTgt>
-                                        </p:tgtEl>
-                                        <p:attrNameLst>
-                                          <p:attrName>style.visibility</p:attrName>
-                                        </p:attrNameLst>
-                                      </p:cBhvr>
-                                      <p:to>
-                                        <p:strVal val="visible"/>
-                                      </p:to>
-                                    </p:set>
-                                  </p:childTnLst>
-                                </p:cTn>
-                              </p:par>
-                            </p:childTnLst>
-                          </p:cTn>
-                        </p:par>
-                      </p:childTnLst>
-                    </p:cTn>
-                  </p:par>
-                  <p:par>
-                    <p:cTn id="19" fill="hold">
-                      <p:stCondLst>
-                        <p:cond delay="indefinite"/>
-                      </p:stCondLst>
-                      <p:childTnLst>
-                        <p:par>
-                          <p:cTn id="20" fill="hold">
-                            <p:stCondLst>
-                              <p:cond delay="0"/>
-                            </p:stCondLst>
-                            <p:childTnLst>
-                              <p:par>
-                                <p:cTn id="21" presetID="1" presetClass="entr" presetSubtype="0" fill="hold" nodeType="clickEffect">
-                                  <p:stCondLst>
-                                    <p:cond delay="0"/>
-                                  </p:stCondLst>
-                                  <p:childTnLst>
-                                    <p:set>
-                                      <p:cBhvr>
-                                        <p:cTn id="22" dur="1" fill="hold">
-                                          <p:stCondLst>
-                                            <p:cond delay="0"/>
-                                          </p:stCondLst>
-                                        </p:cTn>
-                                        <p:tgtEl>
-                                          <p:spTgt spid="3">
-                                            <p:txEl>
-                                              <p:pRg st="6" end="6"/>
-                                            </p:txEl>
-                                          </p:spTgt>
-                                        </p:tgtEl>
-                                        <p:attrNameLst>
-                                          <p:attrName>style.visibility</p:attrName>
-                                        </p:attrNameLst>
-                                      </p:cBhvr>
-                                      <p:to>
-                                        <p:strVal val="visible"/>
-                                      </p:to>
-                                    </p:set>
-                                  </p:childTnLst>
-                                </p:cTn>
-                              </p:par>
-                            </p:childTnLst>
-                          </p:cTn>
-                        </p:par>
-                      </p:childTnLst>
-                    </p:cTn>
-                  </p:par>
-                  <p:par>
-                    <p:cTn id="23" fill="hold">
-                      <p:stCondLst>
-                        <p:cond delay="indefinite"/>
-                      </p:stCondLst>
-                      <p:childTnLst>
-                        <p:par>
-                          <p:cTn id="24" fill="hold">
-                            <p:stCondLst>
-                              <p:cond delay="0"/>
-                            </p:stCondLst>
-                            <p:childTnLst>
-                              <p:par>
-                                <p:cTn id="25" presetID="1" presetClass="entr" presetSubtype="0" fill="hold" nodeType="clickEffect">
-                                  <p:stCondLst>
-                                    <p:cond delay="0"/>
-                                  </p:stCondLst>
-                                  <p:childTnLst>
-                                    <p:set>
-                                      <p:cBhvr>
-                                        <p:cTn id="26" dur="1" fill="hold">
-                                          <p:stCondLst>
-                                            <p:cond delay="0"/>
-                                          </p:stCondLst>
-                                        </p:cTn>
-                                        <p:tgtEl>
-                                          <p:spTgt spid="3">
-                                            <p:txEl>
-                                              <p:pRg st="7" end="7"/>
-                                            </p:txEl>
-                                          </p:spTgt>
-                                        </p:tgtEl>
-                                        <p:attrNameLst>
-                                          <p:attrName>style.visibility</p:attrName>
-                                        </p:attrNameLst>
-                                      </p:cBhvr>
-                                      <p:to>
-                                        <p:strVal val="visible"/>
-                                      </p:to>
-                                    </p:set>
-                                  </p:childTnLst>
-                                </p:cTn>
-                              </p:par>
-                            </p:childTnLst>
-                          </p:cTn>
-                        </p:par>
-                      </p:childTnLst>
-                    </p:cTn>
-                  </p:par>
-                  <p:par>
-                    <p:cTn id="27" fill="hold">
-                      <p:stCondLst>
-                        <p:cond delay="indefinite"/>
-                      </p:stCondLst>
-                      <p:childTnLst>
-                        <p:par>
-                          <p:cTn id="28" fill="hold">
-                            <p:stCondLst>
-                              <p:cond delay="0"/>
-                            </p:stCondLst>
-                            <p:childTnLst>
-                              <p:par>
-                                <p:cTn id="29" presetID="1" presetClass="entr" presetSubtype="0" fill="hold" nodeType="clickEffect">
-                                  <p:stCondLst>
-                                    <p:cond delay="0"/>
-                                  </p:stCondLst>
-                                  <p:childTnLst>
-                                    <p:set>
-                                      <p:cBhvr>
-                                        <p:cTn id="30" dur="1" fill="hold">
-                                          <p:stCondLst>
-                                            <p:cond delay="0"/>
-                                          </p:stCondLst>
-                                        </p:cTn>
-                                        <p:tgtEl>
-                                          <p:spTgt spid="3">
-                                            <p:txEl>
-                                              <p:pRg st="8" end="8"/>
-                                            </p:txEl>
-                                          </p:spTgt>
-                                        </p:tgtEl>
-                                        <p:attrNameLst>
-                                          <p:attrName>style.visibility</p:attrName>
-                                        </p:attrNameLst>
-                                      </p:cBhvr>
-                                      <p:to>
-                                        <p:strVal val="visible"/>
-                                      </p:to>
-                                    </p:set>
-                                  </p:childTnLst>
-                                </p:cTn>
-                              </p:par>
-                            </p:childTnLst>
-                          </p:cTn>
-                        </p:par>
-                      </p:childTnLst>
-                    </p:cTn>
-                  </p:par>
-                  <p:par>
-                    <p:cTn id="31" fill="hold">
-                      <p:stCondLst>
-                        <p:cond delay="indefinite"/>
-                      </p:stCondLst>
-                      <p:childTnLst>
-                        <p:par>
-                          <p:cTn id="32" fill="hold">
-                            <p:stCondLst>
-                              <p:cond delay="0"/>
-                            </p:stCondLst>
-                            <p:childTnLst>
-                              <p:par>
-                                <p:cTn id="33" presetID="1" presetClass="entr" presetSubtype="0" fill="hold" nodeType="clickEffect">
-                                  <p:stCondLst>
-                                    <p:cond delay="0"/>
-                                  </p:stCondLst>
-                                  <p:childTnLst>
-                                    <p:set>
-                                      <p:cBhvr>
-                                        <p:cTn id="34" dur="1" fill="hold">
-                                          <p:stCondLst>
-                                            <p:cond delay="0"/>
-                                          </p:stCondLst>
-                                        </p:cTn>
-                                        <p:tgtEl>
-                                          <p:spTgt spid="3">
-                                            <p:txEl>
-                                              <p:pRg st="9" end="9"/>
-                                            </p:txEl>
-                                          </p:spTgt>
-                                        </p:tgtEl>
-                                        <p:attrNameLst>
-                                          <p:attrName>style.visibility</p:attrName>
-                                        </p:attrNameLst>
-                                      </p:cBhvr>
-                                      <p:to>
-                                        <p:strVal val="visible"/>
-                                      </p:to>
-                                    </p:set>
-                                  </p:childTnLst>
-                                </p:cTn>
-                              </p:par>
-                            </p:childTnLst>
-                          </p:cTn>
-                        </p:par>
-                      </p:childTnLst>
-                    </p:cTn>
-                  </p:par>
-                  <p:par>
-                    <p:cTn id="35" fill="hold">
-                      <p:stCondLst>
-                        <p:cond delay="indefinite"/>
-                      </p:stCondLst>
-                      <p:childTnLst>
-                        <p:par>
-                          <p:cTn id="36" fill="hold">
-                            <p:stCondLst>
-                              <p:cond delay="0"/>
-                            </p:stCondLst>
-                            <p:childTnLst>
-                              <p:par>
-                                <p:cTn id="37" presetID="1" presetClass="entr" presetSubtype="0" fill="hold" nodeType="clickEffect">
-                                  <p:stCondLst>
-                                    <p:cond delay="0"/>
-                                  </p:stCondLst>
-                                  <p:childTnLst>
-                                    <p:set>
-                                      <p:cBhvr>
-                                        <p:cTn id="38" dur="1" fill="hold">
-                                          <p:stCondLst>
-                                            <p:cond delay="0"/>
-                                          </p:stCondLst>
-                                        </p:cTn>
-                                        <p:tgtEl>
-                                          <p:spTgt spid="3">
-                                            <p:txEl>
-                                              <p:pRg st="10" end="10"/>
-                                            </p:txEl>
-                                          </p:spTgt>
-                                        </p:tgtEl>
-                                        <p:attrNameLst>
-                                          <p:attrName>style.visibility</p:attrName>
-                                        </p:attrNameLst>
-                                      </p:cBhvr>
-                                      <p:to>
-                                        <p:strVal val="visible"/>
-                                      </p:to>
-                                    </p:set>
-                                  </p:childTnLst>
-                                </p:cTn>
-                              </p:par>
-                            </p:childTnLst>
-                          </p:cTn>
-                        </p:par>
-                      </p:childTnLst>
-                    </p:cTn>
-                  </p:par>
-                </p:childTnLst>
-              </p:cTn>
-              <p:prevCondLst>
-                <p:cond evt="onPrev" delay="0">
-                  <p:tgtEl>
-                    <p:sldTgt/>
-                  </p:tgtEl>
-                </p:cond>
-              </p:prevCondLst>
-              <p:nextCondLst>
-                <p:cond evt="onNext" delay="0">
-                  <p:tgtEl>
-                    <p:sldTgt/>
-                  </p:tgtEl>
-                </p:cond>
-              </p:nextCondLst>
-            </p:seq>
-          </p:childTnLst>
-        </p:cTn>
-      </p:par>
-    </p:tnLst>
-  </p:timing>
 </p:sld>
 </file>
 

--- a/Nuclear_Fuel_Performance/NE533_Spring2025/Module3/Lec15_PCI.pptx
+++ b/Nuclear_Fuel_Performance/NE533_Spring2025/Module3/Lec15_PCI.pptx
@@ -6,28 +6,30 @@
   </p:sldMasterIdLst>
   <p:sldIdLst>
     <p:sldId id="537" r:id="rId2"/>
-    <p:sldId id="575" r:id="rId3"/>
-    <p:sldId id="550" r:id="rId4"/>
-    <p:sldId id="544" r:id="rId5"/>
-    <p:sldId id="551" r:id="rId6"/>
-    <p:sldId id="545" r:id="rId7"/>
-    <p:sldId id="554" r:id="rId8"/>
-    <p:sldId id="556" r:id="rId9"/>
-    <p:sldId id="557" r:id="rId10"/>
-    <p:sldId id="558" r:id="rId11"/>
-    <p:sldId id="559" r:id="rId12"/>
-    <p:sldId id="560" r:id="rId13"/>
-    <p:sldId id="561" r:id="rId14"/>
-    <p:sldId id="562" r:id="rId15"/>
-    <p:sldId id="563" r:id="rId16"/>
-    <p:sldId id="564" r:id="rId17"/>
-    <p:sldId id="565" r:id="rId18"/>
-    <p:sldId id="566" r:id="rId19"/>
-    <p:sldId id="570" r:id="rId20"/>
-    <p:sldId id="571" r:id="rId21"/>
+    <p:sldId id="279" r:id="rId3"/>
+    <p:sldId id="587" r:id="rId4"/>
+    <p:sldId id="575" r:id="rId5"/>
+    <p:sldId id="550" r:id="rId6"/>
+    <p:sldId id="544" r:id="rId7"/>
+    <p:sldId id="551" r:id="rId8"/>
+    <p:sldId id="545" r:id="rId9"/>
+    <p:sldId id="554" r:id="rId10"/>
+    <p:sldId id="556" r:id="rId11"/>
+    <p:sldId id="557" r:id="rId12"/>
+    <p:sldId id="558" r:id="rId13"/>
+    <p:sldId id="559" r:id="rId14"/>
+    <p:sldId id="560" r:id="rId15"/>
+    <p:sldId id="561" r:id="rId16"/>
+    <p:sldId id="562" r:id="rId17"/>
+    <p:sldId id="563" r:id="rId18"/>
+    <p:sldId id="564" r:id="rId19"/>
+    <p:sldId id="565" r:id="rId20"/>
+    <p:sldId id="566" r:id="rId21"/>
     <p:sldId id="568" r:id="rId22"/>
     <p:sldId id="572" r:id="rId23"/>
     <p:sldId id="553" r:id="rId24"/>
+    <p:sldId id="570" r:id="rId25"/>
+    <p:sldId id="571" r:id="rId26"/>
   </p:sldIdLst>
   <p:sldSz cx="12192000" cy="6858000"/>
   <p:notesSz cx="6858000" cy="9144000"/>
@@ -322,7 +324,7 @@
             </a:pPr>
             <a:fld id="{D6F3A803-A045-354B-887A-01433CE46FC2}" type="datetime1">
               <a:rPr lang="en-US" smtClean="0"/>
-              <a:t>3/31/25</a:t>
+              <a:t>4/1/25</a:t>
             </a:fld>
             <a:endParaRPr lang="en-US"/>
           </a:p>
@@ -515,7 +517,7 @@
             </a:pPr>
             <a:fld id="{A8B33C1D-C2E2-1049-AA3F-CD6E91052752}" type="datetime1">
               <a:rPr lang="en-US" smtClean="0"/>
-              <a:t>3/31/25</a:t>
+              <a:t>4/1/25</a:t>
             </a:fld>
             <a:endParaRPr lang="en-US"/>
           </a:p>
@@ -717,7 +719,7 @@
             </a:pPr>
             <a:fld id="{2791AD68-B60C-4542-BDDD-2074DE6DE828}" type="datetime1">
               <a:rPr lang="en-US" smtClean="0"/>
-              <a:t>3/31/25</a:t>
+              <a:t>4/1/25</a:t>
             </a:fld>
             <a:endParaRPr lang="en-US"/>
           </a:p>
@@ -919,7 +921,7 @@
             </a:pPr>
             <a:fld id="{C5BD04BF-9DC2-6341-92B2-BD109A2EF3B1}" type="datetime1">
               <a:rPr lang="en-US" smtClean="0"/>
-              <a:t>3/31/25</a:t>
+              <a:t>4/1/25</a:t>
             </a:fld>
             <a:endParaRPr lang="en-US"/>
           </a:p>
@@ -1189,7 +1191,7 @@
             </a:pPr>
             <a:fld id="{FB0FFBC7-3028-644D-986B-D9855CB74B38}" type="datetime1">
               <a:rPr lang="en-US" smtClean="0"/>
-              <a:t>3/31/25</a:t>
+              <a:t>4/1/25</a:t>
             </a:fld>
             <a:endParaRPr lang="en-US"/>
           </a:p>
@@ -1504,7 +1506,7 @@
             </a:pPr>
             <a:fld id="{2C3B8AE4-01F5-CC42-9C62-61BC6528368B}" type="datetime1">
               <a:rPr lang="en-US" smtClean="0"/>
-              <a:t>3/31/25</a:t>
+              <a:t>4/1/25</a:t>
             </a:fld>
             <a:endParaRPr lang="en-US"/>
           </a:p>
@@ -1947,7 +1949,7 @@
             </a:pPr>
             <a:fld id="{77E49314-4A78-2444-9569-44EB70168344}" type="datetime1">
               <a:rPr lang="en-US" smtClean="0"/>
-              <a:t>3/31/25</a:t>
+              <a:t>4/1/25</a:t>
             </a:fld>
             <a:endParaRPr lang="en-US"/>
           </a:p>
@@ -2092,7 +2094,7 @@
             </a:pPr>
             <a:fld id="{5BC22837-4683-B242-B000-BCEE30621787}" type="datetime1">
               <a:rPr lang="en-US" smtClean="0"/>
-              <a:t>3/31/25</a:t>
+              <a:t>4/1/25</a:t>
             </a:fld>
             <a:endParaRPr lang="en-US"/>
           </a:p>
@@ -2211,7 +2213,7 @@
             </a:pPr>
             <a:fld id="{DCDAE926-7EF1-0B40-B57E-417D188A609C}" type="datetime1">
               <a:rPr lang="en-US" smtClean="0"/>
-              <a:t>3/31/25</a:t>
+              <a:t>4/1/25</a:t>
             </a:fld>
             <a:endParaRPr lang="en-US"/>
           </a:p>
@@ -2510,7 +2512,7 @@
             </a:pPr>
             <a:fld id="{518D107B-B9C7-5B41-A168-55258AB95F52}" type="datetime1">
               <a:rPr lang="en-US" smtClean="0"/>
-              <a:t>3/31/25</a:t>
+              <a:t>4/1/25</a:t>
             </a:fld>
             <a:endParaRPr lang="en-US"/>
           </a:p>
@@ -2794,7 +2796,7 @@
             </a:pPr>
             <a:fld id="{3AD92D36-EE82-3142-B011-9831FB5E702F}" type="datetime1">
               <a:rPr lang="en-US" smtClean="0"/>
-              <a:t>3/31/25</a:t>
+              <a:t>4/1/25</a:t>
             </a:fld>
             <a:endParaRPr lang="en-US"/>
           </a:p>
@@ -2935,7 +2937,7 @@
               </a14:hiddenLine>
             </a:ext>
             <a:ext uri="{FAA26D3D-D897-4be2-8F04-BA451C77F1D7}">
-              <ma14:placeholderFlag xmlns="" xmlns:ma14="http://schemas.microsoft.com/office/mac/drawingml/2011/main" val="1"/>
+              <ma14:placeholderFlag xmlns:ma14="http://schemas.microsoft.com/office/mac/drawingml/2011/main" xmlns="" val="1"/>
             </a:ext>
           </a:extLst>
         </p:spPr>
@@ -3003,7 +3005,7 @@
               </a14:hiddenLine>
             </a:ext>
             <a:ext uri="{FAA26D3D-D897-4be2-8F04-BA451C77F1D7}">
-              <ma14:placeholderFlag xmlns="" xmlns:ma14="http://schemas.microsoft.com/office/mac/drawingml/2011/main" val="1"/>
+              <ma14:placeholderFlag xmlns:ma14="http://schemas.microsoft.com/office/mac/drawingml/2011/main" xmlns="" val="1"/>
             </a:ext>
           </a:extLst>
         </p:spPr>
@@ -3099,7 +3101,7 @@
             </a:pPr>
             <a:fld id="{3EE08B4B-7256-494F-A90D-3891BD685F4A}" type="datetime1">
               <a:rPr lang="en-US" smtClean="0"/>
-              <a:t>3/31/25</a:t>
+              <a:t>4/1/25</a:t>
             </a:fld>
             <a:endParaRPr lang="en-US" dirty="0"/>
           </a:p>
@@ -3801,7 +3803,7 @@
           <p:cNvPr id="2" name="Title 1">
             <a:extLst>
               <a:ext uri="{FF2B5EF4-FFF2-40B4-BE49-F238E27FC236}">
-                <a16:creationId xmlns:a16="http://schemas.microsoft.com/office/drawing/2014/main" id="{87FA1C80-A2D9-C641-ABFE-DF709C05FB61}"/>
+                <a16:creationId xmlns:a16="http://schemas.microsoft.com/office/drawing/2014/main" id="{A4BEE184-821E-A447-870D-9DF2A30482D5}"/>
               </a:ext>
             </a:extLst>
           </p:cNvPr>
@@ -3819,7 +3821,7 @@
           <a:p>
             <a:r>
               <a:rPr lang="en-US" dirty="0"/>
-              <a:t>Missing Pellet Surface</a:t>
+              <a:t>Pellet Deformation</a:t>
             </a:r>
           </a:p>
         </p:txBody>
@@ -3829,7 +3831,7 @@
           <p:cNvPr id="3" name="Content Placeholder 2">
             <a:extLst>
               <a:ext uri="{FF2B5EF4-FFF2-40B4-BE49-F238E27FC236}">
-                <a16:creationId xmlns:a16="http://schemas.microsoft.com/office/drawing/2014/main" id="{54DFB008-190A-DB4D-B1DD-21E4F4729B22}"/>
+                <a16:creationId xmlns:a16="http://schemas.microsoft.com/office/drawing/2014/main" id="{694A868B-4CD2-2946-8ECF-2646D5B9B02F}"/>
               </a:ext>
             </a:extLst>
           </p:cNvPr>
@@ -3843,7 +3845,7 @@
         <p:spPr>
           <a:xfrm>
             <a:off x="609600" y="2160495"/>
-            <a:ext cx="7583940" cy="3965670"/>
+            <a:ext cx="7252252" cy="3965670"/>
           </a:xfrm>
         </p:spPr>
         <p:txBody>
@@ -3852,26 +3854,37 @@
           <a:p>
             <a:r>
               <a:rPr lang="en-US" sz="2000" dirty="0"/>
-              <a:t>Several failures have been experienced in LWRs in the early 2000s due to physical defects in the fuel, often due to chipping, which is often referred to as a Missing Pellet Surface (MPS)</a:t>
+              <a:t>The large thermal gradients in the radial direction, and a lesser extent in the axial direction, contribute to non-uniform thermal expansion, which results in a shape that resembles an hourglass</a:t>
             </a:r>
           </a:p>
           <a:p>
             <a:r>
               <a:rPr lang="en-US" sz="2000" dirty="0"/>
-              <a:t>The cladding eventually creeps down onto the fuel, except in the vicinity of the MPS</a:t>
-            </a:r>
-          </a:p>
-          <a:p>
+              <a:t>Pellet cracking due to thermal stresses further contributes to the </a:t>
+            </a:r>
+            <a:r>
+              <a:rPr lang="en-US" sz="2000" dirty="0" err="1"/>
+              <a:t>hourglassing</a:t>
+            </a:r>
             <a:r>
               <a:rPr lang="en-US" sz="2000" dirty="0"/>
-              <a:t>A local stress concentration is experienced in the cladding adjacent to the MPS as a result of the bending moment that is induced by non-uniform contact coupled with an expanding pellet</a:t>
+              <a:t> effect</a:t>
             </a:r>
           </a:p>
           <a:p>
             <a:r>
               <a:rPr lang="en-US" sz="2000" dirty="0"/>
-              <a:t>The increased local concentration of corrosive fission product species together with enhanced local stresses elevates the risk for SCC failure</a:t>
-            </a:r>
+              <a:t>The edges of cylindrical pellets induce large local stress concentrations in the cladding when the pellet-clad gap closes, leading to enhanced risk of perforation</a:t>
+            </a:r>
+          </a:p>
+          <a:p>
+            <a:endParaRPr lang="en-US" sz="2000" dirty="0"/>
+          </a:p>
+          <a:p>
+            <a:endParaRPr lang="en-US" sz="2000" dirty="0"/>
+          </a:p>
+          <a:p>
+            <a:endParaRPr lang="en-US" sz="2000" dirty="0"/>
           </a:p>
         </p:txBody>
       </p:sp>
@@ -3880,7 +3893,7 @@
           <p:cNvPr id="4" name="Slide Number Placeholder 3">
             <a:extLst>
               <a:ext uri="{FF2B5EF4-FFF2-40B4-BE49-F238E27FC236}">
-                <a16:creationId xmlns:a16="http://schemas.microsoft.com/office/drawing/2014/main" id="{8BD3A7B8-AAE7-D345-824A-C66A32331538}"/>
+                <a16:creationId xmlns:a16="http://schemas.microsoft.com/office/drawing/2014/main" id="{1FC349F8-C0D3-FD4D-9EA4-98CFD5016C8E}"/>
               </a:ext>
             </a:extLst>
           </p:cNvPr>
@@ -3915,7 +3928,7 @@
           <p:cNvPr id="5" name="Picture 4">
             <a:extLst>
               <a:ext uri="{FF2B5EF4-FFF2-40B4-BE49-F238E27FC236}">
-                <a16:creationId xmlns:a16="http://schemas.microsoft.com/office/drawing/2014/main" id="{981E96FC-10BC-C946-BBD8-67F80C59EE41}"/>
+                <a16:creationId xmlns:a16="http://schemas.microsoft.com/office/drawing/2014/main" id="{EC2346A4-55DC-004A-AD2E-A8F77E8BD434}"/>
               </a:ext>
             </a:extLst>
           </p:cNvPr>
@@ -3931,124 +3944,19 @@
           </a:stretch>
         </p:blipFill>
         <p:spPr>
-          <a:xfrm rot="5400000">
-            <a:off x="6974976" y="2855722"/>
-            <a:ext cx="5825988" cy="1914772"/>
+          <a:xfrm>
+            <a:off x="8010939" y="2549480"/>
+            <a:ext cx="4092438" cy="2463314"/>
           </a:xfrm>
           <a:prstGeom prst="rect">
             <a:avLst/>
           </a:prstGeom>
         </p:spPr>
       </p:pic>
-      <p:sp>
-        <p:nvSpPr>
-          <p:cNvPr id="6" name="TextBox 5">
-            <a:extLst>
-              <a:ext uri="{FF2B5EF4-FFF2-40B4-BE49-F238E27FC236}">
-                <a16:creationId xmlns:a16="http://schemas.microsoft.com/office/drawing/2014/main" id="{5A6CD551-5772-C14D-B4EF-4EA0C3D1E8F7}"/>
-              </a:ext>
-            </a:extLst>
-          </p:cNvPr>
-          <p:cNvSpPr txBox="1"/>
-          <p:nvPr/>
-        </p:nvSpPr>
-        <p:spPr>
-          <a:xfrm>
-            <a:off x="11161643" y="1689652"/>
-            <a:ext cx="785192" cy="377687"/>
-          </a:xfrm>
-          <a:prstGeom prst="rect">
-            <a:avLst/>
-          </a:prstGeom>
-          <a:noFill/>
-        </p:spPr>
-        <p:txBody>
-          <a:bodyPr wrap="square" rtlCol="0">
-            <a:spAutoFit/>
-          </a:bodyPr>
-          <a:lstStyle/>
-          <a:p>
-            <a:r>
-              <a:rPr lang="en-US" dirty="0"/>
-              <a:t>PWR</a:t>
-            </a:r>
-          </a:p>
-        </p:txBody>
-      </p:sp>
-      <p:sp>
-        <p:nvSpPr>
-          <p:cNvPr id="7" name="TextBox 6">
-            <a:extLst>
-              <a:ext uri="{FF2B5EF4-FFF2-40B4-BE49-F238E27FC236}">
-                <a16:creationId xmlns:a16="http://schemas.microsoft.com/office/drawing/2014/main" id="{BAA969E6-C69F-B34D-82A5-650D9BA499AA}"/>
-              </a:ext>
-            </a:extLst>
-          </p:cNvPr>
-          <p:cNvSpPr txBox="1"/>
-          <p:nvPr/>
-        </p:nvSpPr>
-        <p:spPr>
-          <a:xfrm>
-            <a:off x="11161643" y="3765643"/>
-            <a:ext cx="785192" cy="377687"/>
-          </a:xfrm>
-          <a:prstGeom prst="rect">
-            <a:avLst/>
-          </a:prstGeom>
-          <a:noFill/>
-        </p:spPr>
-        <p:txBody>
-          <a:bodyPr wrap="square" rtlCol="0">
-            <a:spAutoFit/>
-          </a:bodyPr>
-          <a:lstStyle/>
-          <a:p>
-            <a:r>
-              <a:rPr lang="en-US" dirty="0"/>
-              <a:t>BWR</a:t>
-            </a:r>
-          </a:p>
-        </p:txBody>
-      </p:sp>
-      <p:sp>
-        <p:nvSpPr>
-          <p:cNvPr id="8" name="TextBox 7">
-            <a:extLst>
-              <a:ext uri="{FF2B5EF4-FFF2-40B4-BE49-F238E27FC236}">
-                <a16:creationId xmlns:a16="http://schemas.microsoft.com/office/drawing/2014/main" id="{0DF07BC7-F14D-6445-AC4E-C3AD2C4F4B63}"/>
-              </a:ext>
-            </a:extLst>
-          </p:cNvPr>
-          <p:cNvSpPr txBox="1"/>
-          <p:nvPr/>
-        </p:nvSpPr>
-        <p:spPr>
-          <a:xfrm>
-            <a:off x="11161643" y="5463947"/>
-            <a:ext cx="785192" cy="377687"/>
-          </a:xfrm>
-          <a:prstGeom prst="rect">
-            <a:avLst/>
-          </a:prstGeom>
-          <a:noFill/>
-        </p:spPr>
-        <p:txBody>
-          <a:bodyPr wrap="square" rtlCol="0">
-            <a:spAutoFit/>
-          </a:bodyPr>
-          <a:lstStyle/>
-          <a:p>
-            <a:r>
-              <a:rPr lang="en-US" dirty="0"/>
-              <a:t>PHWR</a:t>
-            </a:r>
-          </a:p>
-        </p:txBody>
-      </p:sp>
     </p:spTree>
     <p:extLst>
       <p:ext uri="{BB962C8B-B14F-4D97-AF65-F5344CB8AC3E}">
-        <p14:creationId xmlns:p14="http://schemas.microsoft.com/office/powerpoint/2010/main" val="1471129304"/>
+        <p14:creationId xmlns:p14="http://schemas.microsoft.com/office/powerpoint/2010/main" val="1904569693"/>
       </p:ext>
     </p:extLst>
   </p:cSld>
@@ -4080,7 +3988,7 @@
           <p:cNvPr id="2" name="Title 1">
             <a:extLst>
               <a:ext uri="{FF2B5EF4-FFF2-40B4-BE49-F238E27FC236}">
-                <a16:creationId xmlns:a16="http://schemas.microsoft.com/office/drawing/2014/main" id="{0555DD9A-1220-1144-BD8B-042CC9EB6602}"/>
+                <a16:creationId xmlns:a16="http://schemas.microsoft.com/office/drawing/2014/main" id="{8A42F25B-C8A4-F641-A634-875FBE6E01A6}"/>
               </a:ext>
             </a:extLst>
           </p:cNvPr>
@@ -4098,7 +4006,7 @@
           <a:p>
             <a:r>
               <a:rPr lang="en-US" dirty="0"/>
-              <a:t>Sufficient Time</a:t>
+              <a:t>Fuel Cracking</a:t>
             </a:r>
           </a:p>
         </p:txBody>
@@ -4108,7 +4016,7 @@
           <p:cNvPr id="3" name="Content Placeholder 2">
             <a:extLst>
               <a:ext uri="{FF2B5EF4-FFF2-40B4-BE49-F238E27FC236}">
-                <a16:creationId xmlns:a16="http://schemas.microsoft.com/office/drawing/2014/main" id="{566F8C05-B768-114A-A48F-B6FF7320AEF1}"/>
+                <a16:creationId xmlns:a16="http://schemas.microsoft.com/office/drawing/2014/main" id="{97747485-D423-B94B-B6F5-C61417765EBA}"/>
               </a:ext>
             </a:extLst>
           </p:cNvPr>
@@ -4131,52 +4039,27 @@
           <a:p>
             <a:r>
               <a:rPr lang="en-US" sz="2000" dirty="0"/>
-              <a:t>A sufficient duration of time is required for SCC to develop in the cladding</a:t>
+              <a:t>Fuel pellets experience varying degrees of fracture due to large internal stresses induced by thermal expansion that exceed the fracture strength of UO2</a:t>
             </a:r>
           </a:p>
           <a:p>
             <a:r>
               <a:rPr lang="en-US" sz="2000" dirty="0"/>
-              <a:t>The SCC process can be divided into four stages:</a:t>
-            </a:r>
-          </a:p>
-          <a:p>
-            <a:pPr lvl="1"/>
+              <a:t>The fracture strength varies from 80 to 150 MPa and is strongly influenced by pellet microstructure, such as porosity, pore size, and grain size</a:t>
+            </a:r>
+          </a:p>
+          <a:p>
             <a:r>
               <a:rPr lang="en-US" sz="2000" dirty="0"/>
-              <a:t>Development of the corrosive environment and the surface conditions required for SCC to initiate,</a:t>
-            </a:r>
-          </a:p>
-          <a:p>
-            <a:pPr lvl="1"/>
-            <a:r>
-              <a:rPr lang="en-US" sz="2000" dirty="0"/>
-              <a:t>Initiation of SCC,</a:t>
-            </a:r>
-          </a:p>
-          <a:p>
-            <a:pPr lvl="1"/>
-            <a:r>
-              <a:rPr lang="en-US" sz="2000" dirty="0"/>
-              <a:t>Propagation of SCC, and</a:t>
-            </a:r>
-          </a:p>
-          <a:p>
-            <a:pPr lvl="1"/>
-            <a:r>
-              <a:rPr lang="en-US" sz="2000" dirty="0"/>
-              <a:t>Failure</a:t>
-            </a:r>
-          </a:p>
-          <a:p>
-            <a:r>
-              <a:rPr lang="en-US" sz="2000" dirty="0"/>
-              <a:t>The SCC-induced crack will typically propagate through the majority of the cladding wall, and then the remaining ligament typically fails by ductile shear</a:t>
+              <a:t>The number of fuel cracks generally increases with larger thermal gradients, thus the number of cracks in the fuel increases with respect to linear power</a:t>
             </a:r>
           </a:p>
           <a:p>
             <a:endParaRPr lang="en-US" sz="2000" dirty="0"/>
           </a:p>
+          <a:p>
+            <a:endParaRPr lang="en-US" sz="2000" dirty="0"/>
+          </a:p>
         </p:txBody>
       </p:sp>
       <p:sp>
@@ -4184,7 +4067,7 @@
           <p:cNvPr id="4" name="Slide Number Placeholder 3">
             <a:extLst>
               <a:ext uri="{FF2B5EF4-FFF2-40B4-BE49-F238E27FC236}">
-                <a16:creationId xmlns:a16="http://schemas.microsoft.com/office/drawing/2014/main" id="{FBBB87AF-7527-7942-835A-F119283D17F3}"/>
+                <a16:creationId xmlns:a16="http://schemas.microsoft.com/office/drawing/2014/main" id="{B58601DF-55A3-C14C-AE85-F5A5C4F23FDF}"/>
               </a:ext>
             </a:extLst>
           </p:cNvPr>
@@ -4209,6 +4092,484 @@
                 <a:defRPr/>
               </a:pPr>
               <a:t>11</a:t>
+            </a:fld>
+            <a:endParaRPr lang="en-US"/>
+          </a:p>
+        </p:txBody>
+      </p:sp>
+      <p:pic>
+        <p:nvPicPr>
+          <p:cNvPr id="5" name="Picture 4">
+            <a:extLst>
+              <a:ext uri="{FF2B5EF4-FFF2-40B4-BE49-F238E27FC236}">
+                <a16:creationId xmlns:a16="http://schemas.microsoft.com/office/drawing/2014/main" id="{DAF5BD17-C14B-EA43-8F32-8978059CBE8C}"/>
+              </a:ext>
+            </a:extLst>
+          </p:cNvPr>
+          <p:cNvPicPr>
+            <a:picLocks noChangeAspect="1"/>
+          </p:cNvPicPr>
+          <p:nvPr/>
+        </p:nvPicPr>
+        <p:blipFill>
+          <a:blip r:embed="rId2"/>
+          <a:stretch>
+            <a:fillRect/>
+          </a:stretch>
+        </p:blipFill>
+        <p:spPr>
+          <a:xfrm>
+            <a:off x="6963465" y="2567608"/>
+            <a:ext cx="5003800" cy="2895600"/>
+          </a:xfrm>
+          <a:prstGeom prst="rect">
+            <a:avLst/>
+          </a:prstGeom>
+        </p:spPr>
+      </p:pic>
+    </p:spTree>
+    <p:extLst>
+      <p:ext uri="{BB962C8B-B14F-4D97-AF65-F5344CB8AC3E}">
+        <p14:creationId xmlns:p14="http://schemas.microsoft.com/office/powerpoint/2010/main" val="4198640679"/>
+      </p:ext>
+    </p:extLst>
+  </p:cSld>
+  <p:clrMapOvr>
+    <a:masterClrMapping/>
+  </p:clrMapOvr>
+</p:sld>
+</file>
+
+<file path=ppt/slides/slide12.xml><?xml version="1.0" encoding="utf-8"?>
+<p:sld xmlns:a="http://schemas.openxmlformats.org/drawingml/2006/main" xmlns:r="http://schemas.openxmlformats.org/officeDocument/2006/relationships" xmlns:p="http://schemas.openxmlformats.org/presentationml/2006/main">
+  <p:cSld>
+    <p:spTree>
+      <p:nvGrpSpPr>
+        <p:cNvPr id="1" name=""/>
+        <p:cNvGrpSpPr/>
+        <p:nvPr/>
+      </p:nvGrpSpPr>
+      <p:grpSpPr>
+        <a:xfrm>
+          <a:off x="0" y="0"/>
+          <a:ext cx="0" cy="0"/>
+          <a:chOff x="0" y="0"/>
+          <a:chExt cx="0" cy="0"/>
+        </a:xfrm>
+      </p:grpSpPr>
+      <p:sp>
+        <p:nvSpPr>
+          <p:cNvPr id="2" name="Title 1">
+            <a:extLst>
+              <a:ext uri="{FF2B5EF4-FFF2-40B4-BE49-F238E27FC236}">
+                <a16:creationId xmlns:a16="http://schemas.microsoft.com/office/drawing/2014/main" id="{87FA1C80-A2D9-C641-ABFE-DF709C05FB61}"/>
+              </a:ext>
+            </a:extLst>
+          </p:cNvPr>
+          <p:cNvSpPr>
+            <a:spLocks noGrp="1"/>
+          </p:cNvSpPr>
+          <p:nvPr>
+            <p:ph type="title"/>
+          </p:nvPr>
+        </p:nvSpPr>
+        <p:spPr/>
+        <p:txBody>
+          <a:bodyPr/>
+          <a:lstStyle/>
+          <a:p>
+            <a:r>
+              <a:rPr lang="en-US" dirty="0"/>
+              <a:t>Missing Pellet Surface</a:t>
+            </a:r>
+          </a:p>
+        </p:txBody>
+      </p:sp>
+      <p:sp>
+        <p:nvSpPr>
+          <p:cNvPr id="3" name="Content Placeholder 2">
+            <a:extLst>
+              <a:ext uri="{FF2B5EF4-FFF2-40B4-BE49-F238E27FC236}">
+                <a16:creationId xmlns:a16="http://schemas.microsoft.com/office/drawing/2014/main" id="{54DFB008-190A-DB4D-B1DD-21E4F4729B22}"/>
+              </a:ext>
+            </a:extLst>
+          </p:cNvPr>
+          <p:cNvSpPr>
+            <a:spLocks noGrp="1"/>
+          </p:cNvSpPr>
+          <p:nvPr>
+            <p:ph idx="1"/>
+          </p:nvPr>
+        </p:nvSpPr>
+        <p:spPr>
+          <a:xfrm>
+            <a:off x="609600" y="2160495"/>
+            <a:ext cx="7583940" cy="3965670"/>
+          </a:xfrm>
+        </p:spPr>
+        <p:txBody>
+          <a:bodyPr/>
+          <a:lstStyle/>
+          <a:p>
+            <a:r>
+              <a:rPr lang="en-US" sz="2000" dirty="0"/>
+              <a:t>Several failures have been experienced in LWRs in the early 2000s due to physical defects in the fuel, often due to chipping, which is often referred to as a Missing Pellet Surface (MPS)</a:t>
+            </a:r>
+          </a:p>
+          <a:p>
+            <a:r>
+              <a:rPr lang="en-US" sz="2000" dirty="0"/>
+              <a:t>The cladding eventually creeps down onto the fuel, except in the vicinity of the MPS</a:t>
+            </a:r>
+          </a:p>
+          <a:p>
+            <a:r>
+              <a:rPr lang="en-US" sz="2000" dirty="0"/>
+              <a:t>A local stress concentration is experienced in the cladding adjacent to the MPS as a result of the bending moment that is induced by non-uniform contact coupled with an expanding pellet</a:t>
+            </a:r>
+          </a:p>
+          <a:p>
+            <a:r>
+              <a:rPr lang="en-US" sz="2000" dirty="0"/>
+              <a:t>The increased local concentration of corrosive fission product species together with enhanced local stresses elevates the risk for SCC failure</a:t>
+            </a:r>
+          </a:p>
+        </p:txBody>
+      </p:sp>
+      <p:sp>
+        <p:nvSpPr>
+          <p:cNvPr id="4" name="Slide Number Placeholder 3">
+            <a:extLst>
+              <a:ext uri="{FF2B5EF4-FFF2-40B4-BE49-F238E27FC236}">
+                <a16:creationId xmlns:a16="http://schemas.microsoft.com/office/drawing/2014/main" id="{8BD3A7B8-AAE7-D345-824A-C66A32331538}"/>
+              </a:ext>
+            </a:extLst>
+          </p:cNvPr>
+          <p:cNvSpPr>
+            <a:spLocks noGrp="1"/>
+          </p:cNvSpPr>
+          <p:nvPr>
+            <p:ph type="sldNum" sz="quarter" idx="12"/>
+          </p:nvPr>
+        </p:nvSpPr>
+        <p:spPr/>
+        <p:txBody>
+          <a:bodyPr/>
+          <a:lstStyle/>
+          <a:p>
+            <a:pPr>
+              <a:defRPr/>
+            </a:pPr>
+            <a:fld id="{3FF2C605-4958-CF43-AA48-80339EFDB0AF}" type="slidenum">
+              <a:rPr lang="en-US" smtClean="0"/>
+              <a:pPr>
+                <a:defRPr/>
+              </a:pPr>
+              <a:t>12</a:t>
+            </a:fld>
+            <a:endParaRPr lang="en-US"/>
+          </a:p>
+        </p:txBody>
+      </p:sp>
+      <p:pic>
+        <p:nvPicPr>
+          <p:cNvPr id="5" name="Picture 4">
+            <a:extLst>
+              <a:ext uri="{FF2B5EF4-FFF2-40B4-BE49-F238E27FC236}">
+                <a16:creationId xmlns:a16="http://schemas.microsoft.com/office/drawing/2014/main" id="{981E96FC-10BC-C946-BBD8-67F80C59EE41}"/>
+              </a:ext>
+            </a:extLst>
+          </p:cNvPr>
+          <p:cNvPicPr>
+            <a:picLocks noChangeAspect="1"/>
+          </p:cNvPicPr>
+          <p:nvPr/>
+        </p:nvPicPr>
+        <p:blipFill>
+          <a:blip r:embed="rId2"/>
+          <a:stretch>
+            <a:fillRect/>
+          </a:stretch>
+        </p:blipFill>
+        <p:spPr>
+          <a:xfrm rot="5400000">
+            <a:off x="6974976" y="2855722"/>
+            <a:ext cx="5825988" cy="1914772"/>
+          </a:xfrm>
+          <a:prstGeom prst="rect">
+            <a:avLst/>
+          </a:prstGeom>
+        </p:spPr>
+      </p:pic>
+      <p:sp>
+        <p:nvSpPr>
+          <p:cNvPr id="6" name="TextBox 5">
+            <a:extLst>
+              <a:ext uri="{FF2B5EF4-FFF2-40B4-BE49-F238E27FC236}">
+                <a16:creationId xmlns:a16="http://schemas.microsoft.com/office/drawing/2014/main" id="{5A6CD551-5772-C14D-B4EF-4EA0C3D1E8F7}"/>
+              </a:ext>
+            </a:extLst>
+          </p:cNvPr>
+          <p:cNvSpPr txBox="1"/>
+          <p:nvPr/>
+        </p:nvSpPr>
+        <p:spPr>
+          <a:xfrm>
+            <a:off x="11161643" y="1689652"/>
+            <a:ext cx="785192" cy="377687"/>
+          </a:xfrm>
+          <a:prstGeom prst="rect">
+            <a:avLst/>
+          </a:prstGeom>
+          <a:noFill/>
+        </p:spPr>
+        <p:txBody>
+          <a:bodyPr wrap="square" rtlCol="0">
+            <a:spAutoFit/>
+          </a:bodyPr>
+          <a:lstStyle/>
+          <a:p>
+            <a:r>
+              <a:rPr lang="en-US" dirty="0"/>
+              <a:t>PWR</a:t>
+            </a:r>
+          </a:p>
+        </p:txBody>
+      </p:sp>
+      <p:sp>
+        <p:nvSpPr>
+          <p:cNvPr id="7" name="TextBox 6">
+            <a:extLst>
+              <a:ext uri="{FF2B5EF4-FFF2-40B4-BE49-F238E27FC236}">
+                <a16:creationId xmlns:a16="http://schemas.microsoft.com/office/drawing/2014/main" id="{BAA969E6-C69F-B34D-82A5-650D9BA499AA}"/>
+              </a:ext>
+            </a:extLst>
+          </p:cNvPr>
+          <p:cNvSpPr txBox="1"/>
+          <p:nvPr/>
+        </p:nvSpPr>
+        <p:spPr>
+          <a:xfrm>
+            <a:off x="11161643" y="3765643"/>
+            <a:ext cx="785192" cy="377687"/>
+          </a:xfrm>
+          <a:prstGeom prst="rect">
+            <a:avLst/>
+          </a:prstGeom>
+          <a:noFill/>
+        </p:spPr>
+        <p:txBody>
+          <a:bodyPr wrap="square" rtlCol="0">
+            <a:spAutoFit/>
+          </a:bodyPr>
+          <a:lstStyle/>
+          <a:p>
+            <a:r>
+              <a:rPr lang="en-US" dirty="0"/>
+              <a:t>BWR</a:t>
+            </a:r>
+          </a:p>
+        </p:txBody>
+      </p:sp>
+      <p:sp>
+        <p:nvSpPr>
+          <p:cNvPr id="8" name="TextBox 7">
+            <a:extLst>
+              <a:ext uri="{FF2B5EF4-FFF2-40B4-BE49-F238E27FC236}">
+                <a16:creationId xmlns:a16="http://schemas.microsoft.com/office/drawing/2014/main" id="{0DF07BC7-F14D-6445-AC4E-C3AD2C4F4B63}"/>
+              </a:ext>
+            </a:extLst>
+          </p:cNvPr>
+          <p:cNvSpPr txBox="1"/>
+          <p:nvPr/>
+        </p:nvSpPr>
+        <p:spPr>
+          <a:xfrm>
+            <a:off x="11161643" y="5463947"/>
+            <a:ext cx="785192" cy="377687"/>
+          </a:xfrm>
+          <a:prstGeom prst="rect">
+            <a:avLst/>
+          </a:prstGeom>
+          <a:noFill/>
+        </p:spPr>
+        <p:txBody>
+          <a:bodyPr wrap="square" rtlCol="0">
+            <a:spAutoFit/>
+          </a:bodyPr>
+          <a:lstStyle/>
+          <a:p>
+            <a:r>
+              <a:rPr lang="en-US" dirty="0"/>
+              <a:t>PHWR</a:t>
+            </a:r>
+          </a:p>
+        </p:txBody>
+      </p:sp>
+    </p:spTree>
+    <p:extLst>
+      <p:ext uri="{BB962C8B-B14F-4D97-AF65-F5344CB8AC3E}">
+        <p14:creationId xmlns:p14="http://schemas.microsoft.com/office/powerpoint/2010/main" val="1471129304"/>
+      </p:ext>
+    </p:extLst>
+  </p:cSld>
+  <p:clrMapOvr>
+    <a:masterClrMapping/>
+  </p:clrMapOvr>
+</p:sld>
+</file>
+
+<file path=ppt/slides/slide13.xml><?xml version="1.0" encoding="utf-8"?>
+<p:sld xmlns:a="http://schemas.openxmlformats.org/drawingml/2006/main" xmlns:r="http://schemas.openxmlformats.org/officeDocument/2006/relationships" xmlns:p="http://schemas.openxmlformats.org/presentationml/2006/main">
+  <p:cSld>
+    <p:spTree>
+      <p:nvGrpSpPr>
+        <p:cNvPr id="1" name=""/>
+        <p:cNvGrpSpPr/>
+        <p:nvPr/>
+      </p:nvGrpSpPr>
+      <p:grpSpPr>
+        <a:xfrm>
+          <a:off x="0" y="0"/>
+          <a:ext cx="0" cy="0"/>
+          <a:chOff x="0" y="0"/>
+          <a:chExt cx="0" cy="0"/>
+        </a:xfrm>
+      </p:grpSpPr>
+      <p:sp>
+        <p:nvSpPr>
+          <p:cNvPr id="2" name="Title 1">
+            <a:extLst>
+              <a:ext uri="{FF2B5EF4-FFF2-40B4-BE49-F238E27FC236}">
+                <a16:creationId xmlns:a16="http://schemas.microsoft.com/office/drawing/2014/main" id="{0555DD9A-1220-1144-BD8B-042CC9EB6602}"/>
+              </a:ext>
+            </a:extLst>
+          </p:cNvPr>
+          <p:cNvSpPr>
+            <a:spLocks noGrp="1"/>
+          </p:cNvSpPr>
+          <p:nvPr>
+            <p:ph type="title"/>
+          </p:nvPr>
+        </p:nvSpPr>
+        <p:spPr/>
+        <p:txBody>
+          <a:bodyPr/>
+          <a:lstStyle/>
+          <a:p>
+            <a:r>
+              <a:rPr lang="en-US" dirty="0"/>
+              <a:t>Sufficient Time</a:t>
+            </a:r>
+          </a:p>
+        </p:txBody>
+      </p:sp>
+      <p:sp>
+        <p:nvSpPr>
+          <p:cNvPr id="3" name="Content Placeholder 2">
+            <a:extLst>
+              <a:ext uri="{FF2B5EF4-FFF2-40B4-BE49-F238E27FC236}">
+                <a16:creationId xmlns:a16="http://schemas.microsoft.com/office/drawing/2014/main" id="{566F8C05-B768-114A-A48F-B6FF7320AEF1}"/>
+              </a:ext>
+            </a:extLst>
+          </p:cNvPr>
+          <p:cNvSpPr>
+            <a:spLocks noGrp="1"/>
+          </p:cNvSpPr>
+          <p:nvPr>
+            <p:ph idx="1"/>
+          </p:nvPr>
+        </p:nvSpPr>
+        <p:spPr>
+          <a:xfrm>
+            <a:off x="609600" y="2160495"/>
+            <a:ext cx="6496878" cy="3965670"/>
+          </a:xfrm>
+        </p:spPr>
+        <p:txBody>
+          <a:bodyPr/>
+          <a:lstStyle/>
+          <a:p>
+            <a:r>
+              <a:rPr lang="en-US" sz="2000" dirty="0"/>
+              <a:t>A sufficient duration of time is required for SCC to develop in the cladding</a:t>
+            </a:r>
+          </a:p>
+          <a:p>
+            <a:r>
+              <a:rPr lang="en-US" sz="2000" dirty="0"/>
+              <a:t>The SCC process can be divided into four stages:</a:t>
+            </a:r>
+          </a:p>
+          <a:p>
+            <a:pPr lvl="1"/>
+            <a:r>
+              <a:rPr lang="en-US" sz="2000" dirty="0"/>
+              <a:t>Development of the corrosive environment and the surface conditions required for SCC to initiate,</a:t>
+            </a:r>
+          </a:p>
+          <a:p>
+            <a:pPr lvl="1"/>
+            <a:r>
+              <a:rPr lang="en-US" sz="2000" dirty="0"/>
+              <a:t>Initiation of SCC,</a:t>
+            </a:r>
+          </a:p>
+          <a:p>
+            <a:pPr lvl="1"/>
+            <a:r>
+              <a:rPr lang="en-US" sz="2000" dirty="0"/>
+              <a:t>Propagation of SCC, and</a:t>
+            </a:r>
+          </a:p>
+          <a:p>
+            <a:pPr lvl="1"/>
+            <a:r>
+              <a:rPr lang="en-US" sz="2000" dirty="0"/>
+              <a:t>Failure</a:t>
+            </a:r>
+          </a:p>
+          <a:p>
+            <a:r>
+              <a:rPr lang="en-US" sz="2000" dirty="0"/>
+              <a:t>The SCC-induced crack will typically propagate through the majority of the cladding wall, and then the remaining ligament typically fails by ductile shear</a:t>
+            </a:r>
+          </a:p>
+          <a:p>
+            <a:endParaRPr lang="en-US" sz="2000" dirty="0"/>
+          </a:p>
+        </p:txBody>
+      </p:sp>
+      <p:sp>
+        <p:nvSpPr>
+          <p:cNvPr id="4" name="Slide Number Placeholder 3">
+            <a:extLst>
+              <a:ext uri="{FF2B5EF4-FFF2-40B4-BE49-F238E27FC236}">
+                <a16:creationId xmlns:a16="http://schemas.microsoft.com/office/drawing/2014/main" id="{FBBB87AF-7527-7942-835A-F119283D17F3}"/>
+              </a:ext>
+            </a:extLst>
+          </p:cNvPr>
+          <p:cNvSpPr>
+            <a:spLocks noGrp="1"/>
+          </p:cNvSpPr>
+          <p:nvPr>
+            <p:ph type="sldNum" sz="quarter" idx="12"/>
+          </p:nvPr>
+        </p:nvSpPr>
+        <p:spPr/>
+        <p:txBody>
+          <a:bodyPr/>
+          <a:lstStyle/>
+          <a:p>
+            <a:pPr>
+              <a:defRPr/>
+            </a:pPr>
+            <a:fld id="{3FF2C605-4958-CF43-AA48-80339EFDB0AF}" type="slidenum">
+              <a:rPr lang="en-US" smtClean="0"/>
+              <a:pPr>
+                <a:defRPr/>
+              </a:pPr>
+              <a:t>13</a:t>
             </a:fld>
             <a:endParaRPr lang="en-US"/>
           </a:p>
@@ -4257,7 +4618,7 @@
 </p:sld>
 </file>
 
-<file path=ppt/slides/slide12.xml><?xml version="1.0" encoding="utf-8"?>
+<file path=ppt/slides/slide14.xml><?xml version="1.0" encoding="utf-8"?>
 <p:sld xmlns:a="http://schemas.openxmlformats.org/drawingml/2006/main" xmlns:r="http://schemas.openxmlformats.org/officeDocument/2006/relationships" xmlns:p="http://schemas.openxmlformats.org/presentationml/2006/main">
   <p:cSld>
     <p:spTree>
@@ -4342,7 +4703,7 @@
           <a:p>
             <a:r>
               <a:rPr lang="en-US" sz="2000" dirty="0"/>
-              <a:t>The local burnup in the rim region can be 2–3 times greater than the integral burnup in highly irradiated fuel, which means that the local concentrations of fission and activation products in the rim region are considerably higher, which have a direct influence on the fuel surface chemistry</a:t>
+              <a:t>The local burnup in the rim region can be 2–3 times greater than the average burnup in highly irradiated fuel, which means that the local concentrations of fission and activation products in the rim region are considerably higher, which have a direct influence on the fuel surface chemistry</a:t>
             </a:r>
           </a:p>
           <a:p>
@@ -4388,7 +4749,7 @@
               <a:pPr>
                 <a:defRPr/>
               </a:pPr>
-              <a:t>12</a:t>
+              <a:t>14</a:t>
             </a:fld>
             <a:endParaRPr lang="en-US"/>
           </a:p>
@@ -4437,7 +4798,7 @@
 </p:sld>
 </file>
 
-<file path=ppt/slides/slide13.xml><?xml version="1.0" encoding="utf-8"?>
+<file path=ppt/slides/slide15.xml><?xml version="1.0" encoding="utf-8"?>
 <p:sld xmlns:a="http://schemas.openxmlformats.org/drawingml/2006/main" xmlns:r="http://schemas.openxmlformats.org/officeDocument/2006/relationships" xmlns:p="http://schemas.openxmlformats.org/presentationml/2006/main">
   <p:cSld>
     <p:spTree>
@@ -4565,7 +4926,7 @@
               <a:pPr>
                 <a:defRPr/>
               </a:pPr>
-              <a:t>13</a:t>
+              <a:t>15</a:t>
             </a:fld>
             <a:endParaRPr lang="en-US"/>
           </a:p>
@@ -4613,7 +4974,7 @@
 </p:sld>
 </file>
 
-<file path=ppt/slides/slide14.xml><?xml version="1.0" encoding="utf-8"?>
+<file path=ppt/slides/slide16.xml><?xml version="1.0" encoding="utf-8"?>
 <p:sld xmlns:a="http://schemas.openxmlformats.org/drawingml/2006/main" xmlns:r="http://schemas.openxmlformats.org/officeDocument/2006/relationships" xmlns:p="http://schemas.openxmlformats.org/presentationml/2006/main">
   <p:cSld>
     <p:spTree>
@@ -4692,7 +5053,7 @@
           <a:p>
             <a:r>
               <a:rPr lang="en-US" sz="2000" dirty="0"/>
-              <a:t>Microhardness measurements show a reciprocal trend of the strength with porosity</a:t>
+              <a:t>Microhardness measurements show an inverse trend of the strength with porosity</a:t>
             </a:r>
           </a:p>
           <a:p>
@@ -4735,7 +5096,7 @@
               <a:pPr>
                 <a:defRPr/>
               </a:pPr>
-              <a:t>14</a:t>
+              <a:t>16</a:t>
             </a:fld>
             <a:endParaRPr lang="en-US"/>
           </a:p>
@@ -4784,7 +5145,7 @@
 </p:sld>
 </file>
 
-<file path=ppt/slides/slide15.xml><?xml version="1.0" encoding="utf-8"?>
+<file path=ppt/slides/slide17.xml><?xml version="1.0" encoding="utf-8"?>
 <p:sld xmlns:a="http://schemas.openxmlformats.org/drawingml/2006/main" xmlns:r="http://schemas.openxmlformats.org/officeDocument/2006/relationships" xmlns:p="http://schemas.openxmlformats.org/presentationml/2006/main">
   <p:cSld>
     <p:spTree>
@@ -4863,7 +5224,7 @@
           <a:p>
             <a:r>
               <a:rPr lang="en-US" dirty="0"/>
-              <a:t>Although the formation of the HBS promotes local fission gas retention, the absolute amount of fission gases that are released to the gap increases with burnup</a:t>
+              <a:t>Although the formation of the HBS promotes local fission gas retention, the fraction of fission gases that are released to the gap still increases with burnup</a:t>
             </a:r>
           </a:p>
           <a:p>
@@ -4903,7 +5264,7 @@
               <a:pPr>
                 <a:defRPr/>
               </a:pPr>
-              <a:t>15</a:t>
+              <a:t>17</a:t>
             </a:fld>
             <a:endParaRPr lang="en-US"/>
           </a:p>
@@ -4952,680 +5313,6 @@
 </p:sld>
 </file>
 
-<file path=ppt/slides/slide16.xml><?xml version="1.0" encoding="utf-8"?>
-<p:sld xmlns:a="http://schemas.openxmlformats.org/drawingml/2006/main" xmlns:r="http://schemas.openxmlformats.org/officeDocument/2006/relationships" xmlns:p="http://schemas.openxmlformats.org/presentationml/2006/main">
-  <p:cSld>
-    <p:spTree>
-      <p:nvGrpSpPr>
-        <p:cNvPr id="1" name=""/>
-        <p:cNvGrpSpPr/>
-        <p:nvPr/>
-      </p:nvGrpSpPr>
-      <p:grpSpPr>
-        <a:xfrm>
-          <a:off x="0" y="0"/>
-          <a:ext cx="0" cy="0"/>
-          <a:chOff x="0" y="0"/>
-          <a:chExt cx="0" cy="0"/>
-        </a:xfrm>
-      </p:grpSpPr>
-      <p:sp>
-        <p:nvSpPr>
-          <p:cNvPr id="2" name="Title 1">
-            <a:extLst>
-              <a:ext uri="{FF2B5EF4-FFF2-40B4-BE49-F238E27FC236}">
-                <a16:creationId xmlns:a16="http://schemas.microsoft.com/office/drawing/2014/main" id="{DA774063-561C-7B43-A6EC-B0A56677ECFB}"/>
-              </a:ext>
-            </a:extLst>
-          </p:cNvPr>
-          <p:cNvSpPr>
-            <a:spLocks noGrp="1"/>
-          </p:cNvSpPr>
-          <p:nvPr>
-            <p:ph type="title"/>
-          </p:nvPr>
-        </p:nvSpPr>
-        <p:spPr/>
-        <p:txBody>
-          <a:bodyPr/>
-          <a:lstStyle/>
-          <a:p>
-            <a:r>
-              <a:rPr lang="en-US" dirty="0"/>
-              <a:t>Incubation Time</a:t>
-            </a:r>
-          </a:p>
-        </p:txBody>
-      </p:sp>
-      <p:sp>
-        <p:nvSpPr>
-          <p:cNvPr id="3" name="Content Placeholder 2">
-            <a:extLst>
-              <a:ext uri="{FF2B5EF4-FFF2-40B4-BE49-F238E27FC236}">
-                <a16:creationId xmlns:a16="http://schemas.microsoft.com/office/drawing/2014/main" id="{D3CB08B0-934B-B34B-A890-0A932C4E7E43}"/>
-              </a:ext>
-            </a:extLst>
-          </p:cNvPr>
-          <p:cNvSpPr>
-            <a:spLocks noGrp="1"/>
-          </p:cNvSpPr>
-          <p:nvPr>
-            <p:ph idx="1"/>
-          </p:nvPr>
-        </p:nvSpPr>
-        <p:spPr>
-          <a:xfrm>
-            <a:off x="609600" y="2160495"/>
-            <a:ext cx="8128000" cy="3965670"/>
-          </a:xfrm>
-        </p:spPr>
-        <p:txBody>
-          <a:bodyPr/>
-          <a:lstStyle/>
-          <a:p>
-            <a:r>
-              <a:rPr lang="en-US" sz="2000" dirty="0"/>
-              <a:t>The corrosive environment, represented by a sufficient inventory of chemically active fission gases in the gap, not only depends on burnup, but the ability of these gases to chemically attack the cladding</a:t>
-            </a:r>
-          </a:p>
-          <a:p>
-            <a:r>
-              <a:rPr lang="en-US" sz="2000" dirty="0"/>
-              <a:t>This environment requires that the normally protective oxide coating on the inner surface of the cladding is breached, thus permitting corrosive species to chemically react with the bare cladding</a:t>
-            </a:r>
-          </a:p>
-          <a:p>
-            <a:r>
-              <a:rPr lang="en-US" sz="2000" dirty="0"/>
-              <a:t>The incubation time reflects the time required for a flaw in the protective oxide to be developed and for sufficient ZrI4 to form in the cladding, resulting in the development of cracks</a:t>
-            </a:r>
-          </a:p>
-          <a:p>
-            <a:endParaRPr lang="en-US" sz="2000" dirty="0"/>
-          </a:p>
-          <a:p>
-            <a:endParaRPr lang="en-US" sz="2000" dirty="0"/>
-          </a:p>
-        </p:txBody>
-      </p:sp>
-      <p:sp>
-        <p:nvSpPr>
-          <p:cNvPr id="4" name="Slide Number Placeholder 3">
-            <a:extLst>
-              <a:ext uri="{FF2B5EF4-FFF2-40B4-BE49-F238E27FC236}">
-                <a16:creationId xmlns:a16="http://schemas.microsoft.com/office/drawing/2014/main" id="{475BB7BF-C98F-A743-8620-62B55C634083}"/>
-              </a:ext>
-            </a:extLst>
-          </p:cNvPr>
-          <p:cNvSpPr>
-            <a:spLocks noGrp="1"/>
-          </p:cNvSpPr>
-          <p:nvPr>
-            <p:ph type="sldNum" sz="quarter" idx="12"/>
-          </p:nvPr>
-        </p:nvSpPr>
-        <p:spPr/>
-        <p:txBody>
-          <a:bodyPr/>
-          <a:lstStyle/>
-          <a:p>
-            <a:pPr marL="0" marR="0" lvl="0" indent="0" algn="r" defTabSz="914400" rtl="0" eaLnBrk="1" fontAlgn="auto" latinLnBrk="0" hangingPunct="1">
-              <a:lnSpc>
-                <a:spcPct val="100000"/>
-              </a:lnSpc>
-              <a:spcBef>
-                <a:spcPts val="0"/>
-              </a:spcBef>
-              <a:spcAft>
-                <a:spcPts val="0"/>
-              </a:spcAft>
-              <a:buClrTx/>
-              <a:buSzTx/>
-              <a:buFontTx/>
-              <a:buNone/>
-              <a:tabLst/>
-              <a:defRPr/>
-            </a:pPr>
-            <a:fld id="{3FF2C605-4958-CF43-AA48-80339EFDB0AF}" type="slidenum">
-              <a:rPr kumimoji="0" lang="en-US" sz="1200" b="0" i="0" u="none" strike="noStrike" kern="1200" cap="none" spc="0" normalizeH="0" baseline="0" noProof="0" smtClean="0">
-                <a:ln>
-                  <a:noFill/>
-                </a:ln>
-                <a:solidFill>
-                  <a:prstClr val="black">
-                    <a:tint val="75000"/>
-                  </a:prstClr>
-                </a:solidFill>
-                <a:effectLst/>
-                <a:uLnTx/>
-                <a:uFillTx/>
-                <a:latin typeface="Calibri"/>
-                <a:ea typeface="+mn-ea"/>
-                <a:cs typeface="+mn-cs"/>
-              </a:rPr>
-              <a:pPr marL="0" marR="0" lvl="0" indent="0" algn="r" defTabSz="914400" rtl="0" eaLnBrk="1" fontAlgn="auto" latinLnBrk="0" hangingPunct="1">
-                <a:lnSpc>
-                  <a:spcPct val="100000"/>
-                </a:lnSpc>
-                <a:spcBef>
-                  <a:spcPts val="0"/>
-                </a:spcBef>
-                <a:spcAft>
-                  <a:spcPts val="0"/>
-                </a:spcAft>
-                <a:buClrTx/>
-                <a:buSzTx/>
-                <a:buFontTx/>
-                <a:buNone/>
-                <a:tabLst/>
-                <a:defRPr/>
-              </a:pPr>
-              <a:t>16</a:t>
-            </a:fld>
-            <a:endParaRPr kumimoji="0" lang="en-US" sz="1200" b="0" i="0" u="none" strike="noStrike" kern="1200" cap="none" spc="0" normalizeH="0" baseline="0" noProof="0">
-              <a:ln>
-                <a:noFill/>
-              </a:ln>
-              <a:solidFill>
-                <a:prstClr val="black">
-                  <a:tint val="75000"/>
-                </a:prstClr>
-              </a:solidFill>
-              <a:effectLst/>
-              <a:uLnTx/>
-              <a:uFillTx/>
-              <a:latin typeface="Calibri"/>
-              <a:ea typeface="+mn-ea"/>
-              <a:cs typeface="+mn-cs"/>
-            </a:endParaRPr>
-          </a:p>
-        </p:txBody>
-      </p:sp>
-      <p:pic>
-        <p:nvPicPr>
-          <p:cNvPr id="5" name="Picture 4">
-            <a:extLst>
-              <a:ext uri="{FF2B5EF4-FFF2-40B4-BE49-F238E27FC236}">
-                <a16:creationId xmlns:a16="http://schemas.microsoft.com/office/drawing/2014/main" id="{5861E6A0-13FC-D44B-8134-B0065CA06AB3}"/>
-              </a:ext>
-            </a:extLst>
-          </p:cNvPr>
-          <p:cNvPicPr>
-            <a:picLocks noChangeAspect="1"/>
-          </p:cNvPicPr>
-          <p:nvPr/>
-        </p:nvPicPr>
-        <p:blipFill>
-          <a:blip r:embed="rId2"/>
-          <a:stretch>
-            <a:fillRect/>
-          </a:stretch>
-        </p:blipFill>
-        <p:spPr>
-          <a:xfrm>
-            <a:off x="8895354" y="1643031"/>
-            <a:ext cx="3296646" cy="3965671"/>
-          </a:xfrm>
-          <a:prstGeom prst="rect">
-            <a:avLst/>
-          </a:prstGeom>
-        </p:spPr>
-      </p:pic>
-    </p:spTree>
-    <p:extLst>
-      <p:ext uri="{BB962C8B-B14F-4D97-AF65-F5344CB8AC3E}">
-        <p14:creationId xmlns:p14="http://schemas.microsoft.com/office/powerpoint/2010/main" val="1157490197"/>
-      </p:ext>
-    </p:extLst>
-  </p:cSld>
-  <p:clrMapOvr>
-    <a:masterClrMapping/>
-  </p:clrMapOvr>
-</p:sld>
-</file>
-
-<file path=ppt/slides/slide17.xml><?xml version="1.0" encoding="utf-8"?>
-<p:sld xmlns:a="http://schemas.openxmlformats.org/drawingml/2006/main" xmlns:r="http://schemas.openxmlformats.org/officeDocument/2006/relationships" xmlns:p="http://schemas.openxmlformats.org/presentationml/2006/main">
-  <p:cSld>
-    <p:spTree>
-      <p:nvGrpSpPr>
-        <p:cNvPr id="1" name=""/>
-        <p:cNvGrpSpPr/>
-        <p:nvPr/>
-      </p:nvGrpSpPr>
-      <p:grpSpPr>
-        <a:xfrm>
-          <a:off x="0" y="0"/>
-          <a:ext cx="0" cy="0"/>
-          <a:chOff x="0" y="0"/>
-          <a:chExt cx="0" cy="0"/>
-        </a:xfrm>
-      </p:grpSpPr>
-      <p:sp>
-        <p:nvSpPr>
-          <p:cNvPr id="2" name="Title 1">
-            <a:extLst>
-              <a:ext uri="{FF2B5EF4-FFF2-40B4-BE49-F238E27FC236}">
-                <a16:creationId xmlns:a16="http://schemas.microsoft.com/office/drawing/2014/main" id="{94444BB4-24F5-7949-9004-1EE893D6C526}"/>
-              </a:ext>
-            </a:extLst>
-          </p:cNvPr>
-          <p:cNvSpPr>
-            <a:spLocks noGrp="1"/>
-          </p:cNvSpPr>
-          <p:nvPr>
-            <p:ph type="title"/>
-          </p:nvPr>
-        </p:nvSpPr>
-        <p:spPr/>
-        <p:txBody>
-          <a:bodyPr/>
-          <a:lstStyle/>
-          <a:p>
-            <a:r>
-              <a:rPr lang="en-US" dirty="0"/>
-              <a:t>Crack Propagation</a:t>
-            </a:r>
-          </a:p>
-        </p:txBody>
-      </p:sp>
-      <p:sp>
-        <p:nvSpPr>
-          <p:cNvPr id="3" name="Content Placeholder 2">
-            <a:extLst>
-              <a:ext uri="{FF2B5EF4-FFF2-40B4-BE49-F238E27FC236}">
-                <a16:creationId xmlns:a16="http://schemas.microsoft.com/office/drawing/2014/main" id="{CFD54EE0-E9D0-B84C-BFF4-B784E5135CB2}"/>
-              </a:ext>
-            </a:extLst>
-          </p:cNvPr>
-          <p:cNvSpPr>
-            <a:spLocks noGrp="1"/>
-          </p:cNvSpPr>
-          <p:nvPr>
-            <p:ph idx="1"/>
-          </p:nvPr>
-        </p:nvSpPr>
-        <p:spPr>
-          <a:xfrm>
-            <a:off x="609599" y="2160495"/>
-            <a:ext cx="7152861" cy="3965670"/>
-          </a:xfrm>
-        </p:spPr>
-        <p:txBody>
-          <a:bodyPr/>
-          <a:lstStyle/>
-          <a:p>
-            <a:r>
-              <a:rPr lang="en-US" sz="2000" dirty="0"/>
-              <a:t>Once a crack has initiated, it can propagate through the cladding wall with a sufficiently high applied load</a:t>
-            </a:r>
-          </a:p>
-          <a:p>
-            <a:r>
-              <a:rPr lang="en-US" sz="2000" dirty="0"/>
-              <a:t>Both intergranular and </a:t>
-            </a:r>
-            <a:r>
-              <a:rPr lang="en-US" sz="2000" dirty="0" err="1"/>
-              <a:t>transgranular</a:t>
-            </a:r>
-            <a:r>
-              <a:rPr lang="en-US" sz="2000" dirty="0"/>
-              <a:t> propagation modes are possible</a:t>
-            </a:r>
-          </a:p>
-          <a:p>
-            <a:r>
-              <a:rPr lang="en-US" sz="2000" dirty="0"/>
-              <a:t>The propagation rate is a linear function of the stress intensity factor, K</a:t>
-            </a:r>
-            <a:r>
-              <a:rPr lang="en-US" sz="2000" baseline="-25000" dirty="0"/>
-              <a:t>SCC</a:t>
-            </a:r>
-            <a:r>
-              <a:rPr lang="en-US" sz="2000" dirty="0"/>
-              <a:t>, and is independent on the propagation mode for sufficiently high K</a:t>
-            </a:r>
-            <a:r>
-              <a:rPr lang="en-US" sz="2000" baseline="-25000" dirty="0"/>
-              <a:t>SCC</a:t>
-            </a:r>
-            <a:endParaRPr lang="en-US" sz="2000" dirty="0"/>
-          </a:p>
-          <a:p>
-            <a:r>
-              <a:rPr lang="en-US" sz="2000" dirty="0"/>
-              <a:t>The increase in iodine content generally increases the crack propagation rate</a:t>
-            </a:r>
-          </a:p>
-          <a:p>
-            <a:r>
-              <a:rPr lang="en-US" sz="2000" dirty="0"/>
-              <a:t>Increasing temperature results in decreasing the susceptibility to PCI failure, while neutron irradiation has been found to increase susceptibility</a:t>
-            </a:r>
-          </a:p>
-          <a:p>
-            <a:endParaRPr lang="en-US" sz="2000" dirty="0"/>
-          </a:p>
-          <a:p>
-            <a:endParaRPr lang="en-US" sz="2000" dirty="0"/>
-          </a:p>
-          <a:p>
-            <a:endParaRPr lang="en-US" sz="2000" dirty="0"/>
-          </a:p>
-        </p:txBody>
-      </p:sp>
-      <p:sp>
-        <p:nvSpPr>
-          <p:cNvPr id="4" name="Slide Number Placeholder 3">
-            <a:extLst>
-              <a:ext uri="{FF2B5EF4-FFF2-40B4-BE49-F238E27FC236}">
-                <a16:creationId xmlns:a16="http://schemas.microsoft.com/office/drawing/2014/main" id="{574FE000-83A7-814E-8937-7C6C20C52B13}"/>
-              </a:ext>
-            </a:extLst>
-          </p:cNvPr>
-          <p:cNvSpPr>
-            <a:spLocks noGrp="1"/>
-          </p:cNvSpPr>
-          <p:nvPr>
-            <p:ph type="sldNum" sz="quarter" idx="12"/>
-          </p:nvPr>
-        </p:nvSpPr>
-        <p:spPr/>
-        <p:txBody>
-          <a:bodyPr/>
-          <a:lstStyle/>
-          <a:p>
-            <a:pPr marL="0" marR="0" lvl="0" indent="0" algn="r" defTabSz="914400" rtl="0" eaLnBrk="1" fontAlgn="auto" latinLnBrk="0" hangingPunct="1">
-              <a:lnSpc>
-                <a:spcPct val="100000"/>
-              </a:lnSpc>
-              <a:spcBef>
-                <a:spcPts val="0"/>
-              </a:spcBef>
-              <a:spcAft>
-                <a:spcPts val="0"/>
-              </a:spcAft>
-              <a:buClrTx/>
-              <a:buSzTx/>
-              <a:buFontTx/>
-              <a:buNone/>
-              <a:tabLst/>
-              <a:defRPr/>
-            </a:pPr>
-            <a:fld id="{3FF2C605-4958-CF43-AA48-80339EFDB0AF}" type="slidenum">
-              <a:rPr kumimoji="0" lang="en-US" sz="1200" b="0" i="0" u="none" strike="noStrike" kern="1200" cap="none" spc="0" normalizeH="0" baseline="0" noProof="0" smtClean="0">
-                <a:ln>
-                  <a:noFill/>
-                </a:ln>
-                <a:solidFill>
-                  <a:prstClr val="black">
-                    <a:tint val="75000"/>
-                  </a:prstClr>
-                </a:solidFill>
-                <a:effectLst/>
-                <a:uLnTx/>
-                <a:uFillTx/>
-                <a:latin typeface="Calibri"/>
-                <a:ea typeface="+mn-ea"/>
-                <a:cs typeface="+mn-cs"/>
-              </a:rPr>
-              <a:pPr marL="0" marR="0" lvl="0" indent="0" algn="r" defTabSz="914400" rtl="0" eaLnBrk="1" fontAlgn="auto" latinLnBrk="0" hangingPunct="1">
-                <a:lnSpc>
-                  <a:spcPct val="100000"/>
-                </a:lnSpc>
-                <a:spcBef>
-                  <a:spcPts val="0"/>
-                </a:spcBef>
-                <a:spcAft>
-                  <a:spcPts val="0"/>
-                </a:spcAft>
-                <a:buClrTx/>
-                <a:buSzTx/>
-                <a:buFontTx/>
-                <a:buNone/>
-                <a:tabLst/>
-                <a:defRPr/>
-              </a:pPr>
-              <a:t>17</a:t>
-            </a:fld>
-            <a:endParaRPr kumimoji="0" lang="en-US" sz="1200" b="0" i="0" u="none" strike="noStrike" kern="1200" cap="none" spc="0" normalizeH="0" baseline="0" noProof="0">
-              <a:ln>
-                <a:noFill/>
-              </a:ln>
-              <a:solidFill>
-                <a:prstClr val="black">
-                  <a:tint val="75000"/>
-                </a:prstClr>
-              </a:solidFill>
-              <a:effectLst/>
-              <a:uLnTx/>
-              <a:uFillTx/>
-              <a:latin typeface="Calibri"/>
-              <a:ea typeface="+mn-ea"/>
-              <a:cs typeface="+mn-cs"/>
-            </a:endParaRPr>
-          </a:p>
-        </p:txBody>
-      </p:sp>
-      <p:pic>
-        <p:nvPicPr>
-          <p:cNvPr id="5" name="Picture 4">
-            <a:extLst>
-              <a:ext uri="{FF2B5EF4-FFF2-40B4-BE49-F238E27FC236}">
-                <a16:creationId xmlns:a16="http://schemas.microsoft.com/office/drawing/2014/main" id="{852CF916-F7A8-784A-9DFD-FA3D3F9C07D6}"/>
-              </a:ext>
-            </a:extLst>
-          </p:cNvPr>
-          <p:cNvPicPr>
-            <a:picLocks noChangeAspect="1"/>
-          </p:cNvPicPr>
-          <p:nvPr/>
-        </p:nvPicPr>
-        <p:blipFill>
-          <a:blip r:embed="rId2"/>
-          <a:stretch>
-            <a:fillRect/>
-          </a:stretch>
-        </p:blipFill>
-        <p:spPr>
-          <a:xfrm>
-            <a:off x="8243491" y="1755049"/>
-            <a:ext cx="3246969" cy="2154896"/>
-          </a:xfrm>
-          <a:prstGeom prst="rect">
-            <a:avLst/>
-          </a:prstGeom>
-        </p:spPr>
-      </p:pic>
-      <p:pic>
-        <p:nvPicPr>
-          <p:cNvPr id="6" name="Picture 5">
-            <a:extLst>
-              <a:ext uri="{FF2B5EF4-FFF2-40B4-BE49-F238E27FC236}">
-                <a16:creationId xmlns:a16="http://schemas.microsoft.com/office/drawing/2014/main" id="{A129B5F3-830B-AA4D-B01B-7EA318FE12D8}"/>
-              </a:ext>
-            </a:extLst>
-          </p:cNvPr>
-          <p:cNvPicPr>
-            <a:picLocks noChangeAspect="1"/>
-          </p:cNvPicPr>
-          <p:nvPr/>
-        </p:nvPicPr>
-        <p:blipFill>
-          <a:blip r:embed="rId3"/>
-          <a:stretch>
-            <a:fillRect/>
-          </a:stretch>
-        </p:blipFill>
-        <p:spPr>
-          <a:xfrm>
-            <a:off x="8243491" y="4226247"/>
-            <a:ext cx="3246969" cy="2184147"/>
-          </a:xfrm>
-          <a:prstGeom prst="rect">
-            <a:avLst/>
-          </a:prstGeom>
-        </p:spPr>
-      </p:pic>
-      <p:sp>
-        <p:nvSpPr>
-          <p:cNvPr id="7" name="TextBox 6">
-            <a:extLst>
-              <a:ext uri="{FF2B5EF4-FFF2-40B4-BE49-F238E27FC236}">
-                <a16:creationId xmlns:a16="http://schemas.microsoft.com/office/drawing/2014/main" id="{452F32A7-C558-FD4D-97EB-EA788289C8C5}"/>
-              </a:ext>
-            </a:extLst>
-          </p:cNvPr>
-          <p:cNvSpPr txBox="1"/>
-          <p:nvPr/>
-        </p:nvSpPr>
-        <p:spPr>
-          <a:xfrm>
-            <a:off x="9257887" y="1434307"/>
-            <a:ext cx="1580322" cy="369332"/>
-          </a:xfrm>
-          <a:prstGeom prst="rect">
-            <a:avLst/>
-          </a:prstGeom>
-          <a:noFill/>
-        </p:spPr>
-        <p:txBody>
-          <a:bodyPr wrap="square" rtlCol="0">
-            <a:spAutoFit/>
-          </a:bodyPr>
-          <a:lstStyle/>
-          <a:p>
-            <a:pPr marL="0" marR="0" lvl="0" indent="0" algn="l" defTabSz="914400" rtl="0" eaLnBrk="1" fontAlgn="auto" latinLnBrk="0" hangingPunct="1">
-              <a:lnSpc>
-                <a:spcPct val="100000"/>
-              </a:lnSpc>
-              <a:spcBef>
-                <a:spcPts val="0"/>
-              </a:spcBef>
-              <a:spcAft>
-                <a:spcPts val="0"/>
-              </a:spcAft>
-              <a:buClrTx/>
-              <a:buSzTx/>
-              <a:buFontTx/>
-              <a:buNone/>
-              <a:tabLst/>
-              <a:defRPr/>
-            </a:pPr>
-            <a:r>
-              <a:rPr kumimoji="0" lang="en-US" sz="1800" b="0" i="0" u="none" strike="noStrike" kern="1200" cap="none" spc="0" normalizeH="0" baseline="0" noProof="0" dirty="0" err="1">
-                <a:ln>
-                  <a:noFill/>
-                </a:ln>
-                <a:solidFill>
-                  <a:prstClr val="black"/>
-                </a:solidFill>
-                <a:effectLst/>
-                <a:uLnTx/>
-                <a:uFillTx/>
-                <a:latin typeface="Calibri"/>
-                <a:ea typeface="+mn-ea"/>
-                <a:cs typeface="+mn-cs"/>
-              </a:rPr>
-              <a:t>Transgranular</a:t>
-            </a:r>
-            <a:endParaRPr kumimoji="0" lang="en-US" sz="1800" b="0" i="0" u="none" strike="noStrike" kern="1200" cap="none" spc="0" normalizeH="0" baseline="0" noProof="0" dirty="0">
-              <a:ln>
-                <a:noFill/>
-              </a:ln>
-              <a:solidFill>
-                <a:prstClr val="black"/>
-              </a:solidFill>
-              <a:effectLst/>
-              <a:uLnTx/>
-              <a:uFillTx/>
-              <a:latin typeface="Calibri"/>
-              <a:ea typeface="+mn-ea"/>
-              <a:cs typeface="+mn-cs"/>
-            </a:endParaRPr>
-          </a:p>
-        </p:txBody>
-      </p:sp>
-      <p:sp>
-        <p:nvSpPr>
-          <p:cNvPr id="8" name="TextBox 7">
-            <a:extLst>
-              <a:ext uri="{FF2B5EF4-FFF2-40B4-BE49-F238E27FC236}">
-                <a16:creationId xmlns:a16="http://schemas.microsoft.com/office/drawing/2014/main" id="{D3F0F608-C1C2-B94D-BE74-262B78983CDA}"/>
-              </a:ext>
-            </a:extLst>
-          </p:cNvPr>
-          <p:cNvSpPr txBox="1"/>
-          <p:nvPr/>
-        </p:nvSpPr>
-        <p:spPr>
-          <a:xfrm>
-            <a:off x="9257887" y="3880713"/>
-            <a:ext cx="1580322" cy="369332"/>
-          </a:xfrm>
-          <a:prstGeom prst="rect">
-            <a:avLst/>
-          </a:prstGeom>
-          <a:noFill/>
-        </p:spPr>
-        <p:txBody>
-          <a:bodyPr wrap="square" rtlCol="0">
-            <a:spAutoFit/>
-          </a:bodyPr>
-          <a:lstStyle/>
-          <a:p>
-            <a:pPr marL="0" marR="0" lvl="0" indent="0" algn="l" defTabSz="914400" rtl="0" eaLnBrk="1" fontAlgn="auto" latinLnBrk="0" hangingPunct="1">
-              <a:lnSpc>
-                <a:spcPct val="100000"/>
-              </a:lnSpc>
-              <a:spcBef>
-                <a:spcPts val="0"/>
-              </a:spcBef>
-              <a:spcAft>
-                <a:spcPts val="0"/>
-              </a:spcAft>
-              <a:buClrTx/>
-              <a:buSzTx/>
-              <a:buFontTx/>
-              <a:buNone/>
-              <a:tabLst/>
-              <a:defRPr/>
-            </a:pPr>
-            <a:r>
-              <a:rPr kumimoji="0" lang="en-US" sz="1800" b="0" i="0" u="none" strike="noStrike" kern="1200" cap="none" spc="0" normalizeH="0" baseline="0" noProof="0" dirty="0">
-                <a:ln>
-                  <a:noFill/>
-                </a:ln>
-                <a:solidFill>
-                  <a:prstClr val="black"/>
-                </a:solidFill>
-                <a:effectLst/>
-                <a:uLnTx/>
-                <a:uFillTx/>
-                <a:latin typeface="Calibri"/>
-                <a:ea typeface="+mn-ea"/>
-                <a:cs typeface="+mn-cs"/>
-              </a:rPr>
-              <a:t>Intergranular</a:t>
-            </a:r>
-          </a:p>
-        </p:txBody>
-      </p:sp>
-    </p:spTree>
-    <p:extLst>
-      <p:ext uri="{BB962C8B-B14F-4D97-AF65-F5344CB8AC3E}">
-        <p14:creationId xmlns:p14="http://schemas.microsoft.com/office/powerpoint/2010/main" val="3601032657"/>
-      </p:ext>
-    </p:extLst>
-  </p:cSld>
-  <p:clrMapOvr>
-    <a:masterClrMapping/>
-  </p:clrMapOvr>
-</p:sld>
-</file>
-
 <file path=ppt/slides/slide18.xml><?xml version="1.0" encoding="utf-8"?>
 <p:sld xmlns:a="http://schemas.openxmlformats.org/drawingml/2006/main" xmlns:r="http://schemas.openxmlformats.org/officeDocument/2006/relationships" xmlns:p="http://schemas.openxmlformats.org/presentationml/2006/main">
   <p:cSld>
@@ -5648,7 +5335,7 @@
           <p:cNvPr id="2" name="Title 1">
             <a:extLst>
               <a:ext uri="{FF2B5EF4-FFF2-40B4-BE49-F238E27FC236}">
-                <a16:creationId xmlns:a16="http://schemas.microsoft.com/office/drawing/2014/main" id="{C4F649AA-0316-E54F-A523-93797234130E}"/>
+                <a16:creationId xmlns:a16="http://schemas.microsoft.com/office/drawing/2014/main" id="{DA774063-561C-7B43-A6EC-B0A56677ECFB}"/>
               </a:ext>
             </a:extLst>
           </p:cNvPr>
@@ -5666,7 +5353,7 @@
           <a:p>
             <a:r>
               <a:rPr lang="en-US" dirty="0"/>
-              <a:t>Through-Cracks</a:t>
+              <a:t>Incubation Time</a:t>
             </a:r>
           </a:p>
         </p:txBody>
@@ -5676,7 +5363,7 @@
           <p:cNvPr id="3" name="Content Placeholder 2">
             <a:extLst>
               <a:ext uri="{FF2B5EF4-FFF2-40B4-BE49-F238E27FC236}">
-                <a16:creationId xmlns:a16="http://schemas.microsoft.com/office/drawing/2014/main" id="{74F6013A-8125-5645-8D9E-38FD4740420A}"/>
+                <a16:creationId xmlns:a16="http://schemas.microsoft.com/office/drawing/2014/main" id="{D3CB08B0-934B-B34B-A890-0A932C4E7E43}"/>
               </a:ext>
             </a:extLst>
           </p:cNvPr>
@@ -5687,59 +5374,39 @@
             <p:ph idx="1"/>
           </p:nvPr>
         </p:nvSpPr>
-        <p:spPr/>
+        <p:spPr>
+          <a:xfrm>
+            <a:off x="609600" y="2160495"/>
+            <a:ext cx="8128000" cy="3965670"/>
+          </a:xfrm>
+        </p:spPr>
         <p:txBody>
           <a:bodyPr/>
           <a:lstStyle/>
           <a:p>
             <a:r>
               <a:rPr lang="en-US" sz="2000" dirty="0"/>
-              <a:t>Following the formation of a through-wall crack and the ingress of water into the fuel-clad gap, the cracking process is arrested since the corrosive species (notably I, Cs, and Cd) have been discharged</a:t>
+              <a:t>The corrosive environment, represented by a sufficient inventory of chemically active fission gases in the gap, not only depends on burnup, but the ability of these gases to chemically attack the cladding</a:t>
             </a:r>
           </a:p>
           <a:p>
             <a:r>
               <a:rPr lang="en-US" sz="2000" dirty="0"/>
-              <a:t>The ingress of water in the fuel-clad gap may result in clad </a:t>
-            </a:r>
-            <a:r>
-              <a:rPr lang="en-US" sz="2000" dirty="0" err="1"/>
-              <a:t>hydriding</a:t>
-            </a:r>
+              <a:t>This environment requires that the normally protective oxide coating on the inner surface of the cladding is breached, thus permitting corrosive species to chemically react with the bare cladding</a:t>
+            </a:r>
+          </a:p>
+          <a:p>
             <a:r>
               <a:rPr lang="en-US" sz="2000" dirty="0"/>
-              <a:t> on the inner surface</a:t>
-            </a:r>
-          </a:p>
-          <a:p>
-            <a:r>
-              <a:rPr lang="en-US" sz="2000" dirty="0"/>
-              <a:t>The initial SCC crack can oxidize, and volume expansion may lead to resealing the primary failure</a:t>
-            </a:r>
-          </a:p>
-          <a:p>
-            <a:r>
-              <a:rPr lang="en-US" sz="2000" dirty="0"/>
-              <a:t>All PCI cracks are pin-hole defects, whereas observable cracks are secondary due to clad </a:t>
-            </a:r>
-            <a:r>
-              <a:rPr lang="en-US" sz="2000" dirty="0" err="1"/>
-              <a:t>hydriding</a:t>
-            </a:r>
-            <a:r>
-              <a:rPr lang="en-US" sz="2000" dirty="0"/>
-              <a:t> or ductile tearing</a:t>
-            </a:r>
-          </a:p>
-          <a:p>
-            <a:r>
-              <a:rPr lang="en-US" sz="2000" dirty="0"/>
-              <a:t>The time to failure depends on many parameters, but is generally determined by the local linear power, the change in linear power, and the local burnup</a:t>
+              <a:t>The incubation time reflects the time required for a flaw in the protective oxide to be developed and for sufficient ZrI4 to form in the cladding, resulting in the development of cracks</a:t>
             </a:r>
           </a:p>
           <a:p>
             <a:endParaRPr lang="en-US" sz="2000" dirty="0"/>
           </a:p>
+          <a:p>
+            <a:endParaRPr lang="en-US" sz="2000" dirty="0"/>
+          </a:p>
         </p:txBody>
       </p:sp>
       <p:sp>
@@ -5747,7 +5414,7 @@
           <p:cNvPr id="4" name="Slide Number Placeholder 3">
             <a:extLst>
               <a:ext uri="{FF2B5EF4-FFF2-40B4-BE49-F238E27FC236}">
-                <a16:creationId xmlns:a16="http://schemas.microsoft.com/office/drawing/2014/main" id="{3A9F73AA-344A-7548-A599-C67A90FDCACF}"/>
+                <a16:creationId xmlns:a16="http://schemas.microsoft.com/office/drawing/2014/main" id="{475BB7BF-C98F-A743-8620-62B55C634083}"/>
               </a:ext>
             </a:extLst>
           </p:cNvPr>
@@ -5835,10 +5502,40 @@
           </a:p>
         </p:txBody>
       </p:sp>
+      <p:pic>
+        <p:nvPicPr>
+          <p:cNvPr id="5" name="Picture 4">
+            <a:extLst>
+              <a:ext uri="{FF2B5EF4-FFF2-40B4-BE49-F238E27FC236}">
+                <a16:creationId xmlns:a16="http://schemas.microsoft.com/office/drawing/2014/main" id="{5861E6A0-13FC-D44B-8134-B0065CA06AB3}"/>
+              </a:ext>
+            </a:extLst>
+          </p:cNvPr>
+          <p:cNvPicPr>
+            <a:picLocks noChangeAspect="1"/>
+          </p:cNvPicPr>
+          <p:nvPr/>
+        </p:nvPicPr>
+        <p:blipFill>
+          <a:blip r:embed="rId2"/>
+          <a:stretch>
+            <a:fillRect/>
+          </a:stretch>
+        </p:blipFill>
+        <p:spPr>
+          <a:xfrm>
+            <a:off x="8895354" y="1643031"/>
+            <a:ext cx="3296646" cy="3965671"/>
+          </a:xfrm>
+          <a:prstGeom prst="rect">
+            <a:avLst/>
+          </a:prstGeom>
+        </p:spPr>
+      </p:pic>
     </p:spTree>
     <p:extLst>
       <p:ext uri="{BB962C8B-B14F-4D97-AF65-F5344CB8AC3E}">
-        <p14:creationId xmlns:p14="http://schemas.microsoft.com/office/powerpoint/2010/main" val="1232766779"/>
+        <p14:creationId xmlns:p14="http://schemas.microsoft.com/office/powerpoint/2010/main" val="1157490197"/>
       </p:ext>
     </p:extLst>
   </p:cSld>
@@ -5870,7 +5567,7 @@
           <p:cNvPr id="2" name="Title 1">
             <a:extLst>
               <a:ext uri="{FF2B5EF4-FFF2-40B4-BE49-F238E27FC236}">
-                <a16:creationId xmlns:a16="http://schemas.microsoft.com/office/drawing/2014/main" id="{C41A6137-476A-35F1-5EDC-244711AD6A14}"/>
+                <a16:creationId xmlns:a16="http://schemas.microsoft.com/office/drawing/2014/main" id="{94444BB4-24F5-7949-9004-1EE893D6C526}"/>
               </a:ext>
             </a:extLst>
           </p:cNvPr>
@@ -5879,129 +5576,113 @@
           </p:cNvSpPr>
           <p:nvPr>
             <p:ph type="title"/>
+          </p:nvPr>
+        </p:nvSpPr>
+        <p:spPr/>
+        <p:txBody>
+          <a:bodyPr/>
+          <a:lstStyle/>
+          <a:p>
+            <a:r>
+              <a:rPr lang="en-US" dirty="0"/>
+              <a:t>Crack Propagation</a:t>
+            </a:r>
+          </a:p>
+        </p:txBody>
+      </p:sp>
+      <p:sp>
+        <p:nvSpPr>
+          <p:cNvPr id="3" name="Content Placeholder 2">
+            <a:extLst>
+              <a:ext uri="{FF2B5EF4-FFF2-40B4-BE49-F238E27FC236}">
+                <a16:creationId xmlns:a16="http://schemas.microsoft.com/office/drawing/2014/main" id="{CFD54EE0-E9D0-B84C-BFF4-B784E5135CB2}"/>
+              </a:ext>
+            </a:extLst>
+          </p:cNvPr>
+          <p:cNvSpPr>
+            <a:spLocks noGrp="1"/>
+          </p:cNvSpPr>
+          <p:nvPr>
+            <p:ph idx="1"/>
           </p:nvPr>
         </p:nvSpPr>
         <p:spPr>
           <a:xfrm>
-            <a:off x="609600" y="900114"/>
-            <a:ext cx="10972800" cy="1068387"/>
+            <a:off x="609599" y="2160495"/>
+            <a:ext cx="7152861" cy="3965670"/>
           </a:xfrm>
         </p:spPr>
         <p:txBody>
-          <a:bodyPr wrap="square" anchor="ctr">
-            <a:normAutofit/>
-          </a:bodyPr>
+          <a:bodyPr/>
           <a:lstStyle/>
           <a:p>
             <a:r>
-              <a:rPr lang="en-US" dirty="0"/>
-              <a:t>Reactor Susceptibility</a:t>
-            </a:r>
-          </a:p>
-        </p:txBody>
-      </p:sp>
-      <p:sp>
-        <p:nvSpPr>
-          <p:cNvPr id="3" name="Content Placeholder 2">
-            <a:extLst>
-              <a:ext uri="{FF2B5EF4-FFF2-40B4-BE49-F238E27FC236}">
-                <a16:creationId xmlns:a16="http://schemas.microsoft.com/office/drawing/2014/main" id="{67899FF1-6DC6-F80B-3A91-932C12E560E3}"/>
-              </a:ext>
-            </a:extLst>
-          </p:cNvPr>
-          <p:cNvSpPr>
-            <a:spLocks noGrp="1"/>
-          </p:cNvSpPr>
-          <p:nvPr>
-            <p:ph sz="half" idx="1"/>
-          </p:nvPr>
-        </p:nvSpPr>
-        <p:spPr>
-          <a:xfrm>
-            <a:off x="609600" y="1968501"/>
-            <a:ext cx="5588000" cy="4157663"/>
-          </a:xfrm>
-        </p:spPr>
-        <p:txBody>
-          <a:bodyPr wrap="square" anchor="t">
-            <a:normAutofit lnSpcReduction="10000"/>
-          </a:bodyPr>
-          <a:lstStyle/>
-          <a:p>
-            <a:r>
-              <a:rPr lang="en-US" sz="1800" dirty="0"/>
-              <a:t>All current PWR, BWR and CANDU reactors utilize UO2 fuel, zirconium alloy cladding, and are water cooled</a:t>
-            </a:r>
-          </a:p>
-          <a:p>
-            <a:r>
-              <a:rPr lang="en-US" sz="1800" dirty="0"/>
-              <a:t>The degree of susceptibility of each reactor and fuel design to PCI rests on numerous design specifications</a:t>
-            </a:r>
-          </a:p>
-          <a:p>
-            <a:r>
-              <a:rPr lang="en-US" sz="1800" dirty="0"/>
-              <a:t>PWRs have smaller fuel diameters, BWRs have the thickest cladding</a:t>
-            </a:r>
-          </a:p>
-          <a:p>
-            <a:r>
-              <a:rPr lang="en-US" sz="1800" dirty="0"/>
-              <a:t>The geometric design has an influence on the stresses in the fuel and cladding</a:t>
-            </a:r>
-          </a:p>
-          <a:p>
-            <a:r>
-              <a:rPr lang="en-US" sz="1800" dirty="0"/>
-              <a:t>Linear power affects the temperature, which impacts a variety of other phenomena</a:t>
-            </a:r>
-          </a:p>
-          <a:p>
-            <a:r>
-              <a:rPr lang="en-US" sz="1800" dirty="0"/>
-              <a:t>Discharge burnup influences the inventory of fission products in the fuel/cladding interface</a:t>
-            </a:r>
-          </a:p>
-        </p:txBody>
-      </p:sp>
-      <p:pic>
-        <p:nvPicPr>
-          <p:cNvPr id="5" name="Picture 4">
-            <a:extLst>
-              <a:ext uri="{FF2B5EF4-FFF2-40B4-BE49-F238E27FC236}">
-                <a16:creationId xmlns:a16="http://schemas.microsoft.com/office/drawing/2014/main" id="{31EA8CF3-43C2-874B-9F3E-223061419146}"/>
-              </a:ext>
-            </a:extLst>
-          </p:cNvPr>
-          <p:cNvPicPr>
-            <a:picLocks noChangeAspect="1"/>
-          </p:cNvPicPr>
-          <p:nvPr/>
-        </p:nvPicPr>
-        <p:blipFill>
-          <a:blip r:embed="rId2"/>
-          <a:stretch>
-            <a:fillRect/>
-          </a:stretch>
-        </p:blipFill>
-        <p:spPr>
-          <a:xfrm>
-            <a:off x="6197600" y="2574037"/>
-            <a:ext cx="5987056" cy="2574433"/>
-          </a:xfrm>
-          <a:prstGeom prst="rect">
-            <a:avLst/>
-          </a:prstGeom>
-          <a:noFill/>
-        </p:spPr>
-      </p:pic>
+              <a:rPr lang="en-US" sz="2000" dirty="0"/>
+              <a:t>Once a crack has initiated, it can propagate through the cladding wall with a sufficiently high applied load</a:t>
+            </a:r>
+          </a:p>
+          <a:p>
+            <a:r>
+              <a:rPr lang="en-US" sz="2000" dirty="0"/>
+              <a:t>Both intergranular and </a:t>
+            </a:r>
+            <a:r>
+              <a:rPr lang="en-US" sz="2000" dirty="0" err="1"/>
+              <a:t>transgranular</a:t>
+            </a:r>
+            <a:r>
+              <a:rPr lang="en-US" sz="2000" dirty="0"/>
+              <a:t> propagation modes are possible</a:t>
+            </a:r>
+          </a:p>
+          <a:p>
+            <a:r>
+              <a:rPr lang="en-US" sz="2000" dirty="0"/>
+              <a:t>The propagation rate is a linear function of the stress intensity factor, K</a:t>
+            </a:r>
+            <a:r>
+              <a:rPr lang="en-US" sz="2000" baseline="-25000" dirty="0"/>
+              <a:t>SCC</a:t>
+            </a:r>
+            <a:r>
+              <a:rPr lang="en-US" sz="2000" dirty="0"/>
+              <a:t>, and is independent on the propagation mode for sufficiently high K</a:t>
+            </a:r>
+            <a:r>
+              <a:rPr lang="en-US" sz="2000" baseline="-25000" dirty="0"/>
+              <a:t>SCC</a:t>
+            </a:r>
+            <a:endParaRPr lang="en-US" sz="2000" dirty="0"/>
+          </a:p>
+          <a:p>
+            <a:r>
+              <a:rPr lang="en-US" sz="2000" dirty="0"/>
+              <a:t>The increase in iodine content generally increases the crack propagation rate</a:t>
+            </a:r>
+          </a:p>
+          <a:p>
+            <a:r>
+              <a:rPr lang="en-US" sz="2000" dirty="0"/>
+              <a:t>Increasing temperature results in decreasing the susceptibility to PCI failure, while neutron irradiation has been found to increase susceptibility</a:t>
+            </a:r>
+          </a:p>
+          <a:p>
+            <a:endParaRPr lang="en-US" sz="2000" dirty="0"/>
+          </a:p>
+          <a:p>
+            <a:endParaRPr lang="en-US" sz="2000" dirty="0"/>
+          </a:p>
+          <a:p>
+            <a:endParaRPr lang="en-US" sz="2000" dirty="0"/>
+          </a:p>
+        </p:txBody>
+      </p:sp>
       <p:sp>
         <p:nvSpPr>
           <p:cNvPr id="4" name="Slide Number Placeholder 3">
             <a:extLst>
               <a:ext uri="{FF2B5EF4-FFF2-40B4-BE49-F238E27FC236}">
-                <a16:creationId xmlns:a16="http://schemas.microsoft.com/office/drawing/2014/main" id="{197DE1D3-18CC-90BA-32F2-D50B58B17206}"/>
+                <a16:creationId xmlns:a16="http://schemas.microsoft.com/office/drawing/2014/main" id="{574FE000-83A7-814E-8937-7C6C20C52B13}"/>
               </a:ext>
             </a:extLst>
           </p:cNvPr>
@@ -6012,16 +5693,9 @@
             <p:ph type="sldNum" sz="quarter" idx="12"/>
           </p:nvPr>
         </p:nvSpPr>
-        <p:spPr>
-          <a:xfrm>
-            <a:off x="8737600" y="6356351"/>
-            <a:ext cx="2844800" cy="365125"/>
-          </a:xfrm>
-        </p:spPr>
-        <p:txBody>
-          <a:bodyPr anchor="ctr">
-            <a:normAutofit/>
-          </a:bodyPr>
+        <p:spPr/>
+        <p:txBody>
+          <a:bodyPr/>
           <a:lstStyle/>
           <a:p>
             <a:pPr marL="0" marR="0" lvl="0" indent="0" algn="r" defTabSz="914400" rtl="0" eaLnBrk="1" fontAlgn="auto" latinLnBrk="0" hangingPunct="1">
@@ -6032,7 +5706,7 @@
                 <a:spcPts val="0"/>
               </a:spcBef>
               <a:spcAft>
-                <a:spcPts val="600"/>
+                <a:spcPts val="0"/>
               </a:spcAft>
               <a:buClrTx/>
               <a:buSzTx/>
@@ -6066,7 +5740,7 @@
                   <a:spcPts val="0"/>
                 </a:spcBef>
                 <a:spcAft>
-                  <a:spcPts val="600"/>
+                  <a:spcPts val="0"/>
                 </a:spcAft>
                 <a:buClrTx/>
                 <a:buSzTx/>
@@ -6096,10 +5770,214 @@
           </a:p>
         </p:txBody>
       </p:sp>
+      <p:pic>
+        <p:nvPicPr>
+          <p:cNvPr id="5" name="Picture 4">
+            <a:extLst>
+              <a:ext uri="{FF2B5EF4-FFF2-40B4-BE49-F238E27FC236}">
+                <a16:creationId xmlns:a16="http://schemas.microsoft.com/office/drawing/2014/main" id="{852CF916-F7A8-784A-9DFD-FA3D3F9C07D6}"/>
+              </a:ext>
+            </a:extLst>
+          </p:cNvPr>
+          <p:cNvPicPr>
+            <a:picLocks noChangeAspect="1"/>
+          </p:cNvPicPr>
+          <p:nvPr/>
+        </p:nvPicPr>
+        <p:blipFill>
+          <a:blip r:embed="rId2"/>
+          <a:stretch>
+            <a:fillRect/>
+          </a:stretch>
+        </p:blipFill>
+        <p:spPr>
+          <a:xfrm>
+            <a:off x="8243491" y="1755049"/>
+            <a:ext cx="3246969" cy="2154896"/>
+          </a:xfrm>
+          <a:prstGeom prst="rect">
+            <a:avLst/>
+          </a:prstGeom>
+        </p:spPr>
+      </p:pic>
+      <p:pic>
+        <p:nvPicPr>
+          <p:cNvPr id="6" name="Picture 5">
+            <a:extLst>
+              <a:ext uri="{FF2B5EF4-FFF2-40B4-BE49-F238E27FC236}">
+                <a16:creationId xmlns:a16="http://schemas.microsoft.com/office/drawing/2014/main" id="{A129B5F3-830B-AA4D-B01B-7EA318FE12D8}"/>
+              </a:ext>
+            </a:extLst>
+          </p:cNvPr>
+          <p:cNvPicPr>
+            <a:picLocks noChangeAspect="1"/>
+          </p:cNvPicPr>
+          <p:nvPr/>
+        </p:nvPicPr>
+        <p:blipFill>
+          <a:blip r:embed="rId3"/>
+          <a:stretch>
+            <a:fillRect/>
+          </a:stretch>
+        </p:blipFill>
+        <p:spPr>
+          <a:xfrm>
+            <a:off x="8243491" y="4226247"/>
+            <a:ext cx="3246969" cy="2184147"/>
+          </a:xfrm>
+          <a:prstGeom prst="rect">
+            <a:avLst/>
+          </a:prstGeom>
+        </p:spPr>
+      </p:pic>
+      <p:sp>
+        <p:nvSpPr>
+          <p:cNvPr id="7" name="TextBox 6">
+            <a:extLst>
+              <a:ext uri="{FF2B5EF4-FFF2-40B4-BE49-F238E27FC236}">
+                <a16:creationId xmlns:a16="http://schemas.microsoft.com/office/drawing/2014/main" id="{452F32A7-C558-FD4D-97EB-EA788289C8C5}"/>
+              </a:ext>
+            </a:extLst>
+          </p:cNvPr>
+          <p:cNvSpPr txBox="1"/>
+          <p:nvPr/>
+        </p:nvSpPr>
+        <p:spPr>
+          <a:xfrm>
+            <a:off x="9257887" y="1434307"/>
+            <a:ext cx="1580322" cy="369332"/>
+          </a:xfrm>
+          <a:prstGeom prst="rect">
+            <a:avLst/>
+          </a:prstGeom>
+          <a:noFill/>
+        </p:spPr>
+        <p:txBody>
+          <a:bodyPr wrap="square" rtlCol="0">
+            <a:spAutoFit/>
+          </a:bodyPr>
+          <a:lstStyle/>
+          <a:p>
+            <a:pPr marL="0" marR="0" lvl="0" indent="0" algn="l" defTabSz="914400" rtl="0" eaLnBrk="1" fontAlgn="auto" latinLnBrk="0" hangingPunct="1">
+              <a:lnSpc>
+                <a:spcPct val="100000"/>
+              </a:lnSpc>
+              <a:spcBef>
+                <a:spcPts val="0"/>
+              </a:spcBef>
+              <a:spcAft>
+                <a:spcPts val="0"/>
+              </a:spcAft>
+              <a:buClrTx/>
+              <a:buSzTx/>
+              <a:buFontTx/>
+              <a:buNone/>
+              <a:tabLst/>
+              <a:defRPr/>
+            </a:pPr>
+            <a:r>
+              <a:rPr kumimoji="0" lang="en-US" sz="1800" b="0" i="0" u="none" strike="noStrike" kern="1200" cap="none" spc="0" normalizeH="0" baseline="0" noProof="0" dirty="0" err="1">
+                <a:ln>
+                  <a:noFill/>
+                </a:ln>
+                <a:solidFill>
+                  <a:prstClr val="black"/>
+                </a:solidFill>
+                <a:effectLst/>
+                <a:uLnTx/>
+                <a:uFillTx/>
+                <a:latin typeface="Calibri"/>
+                <a:ea typeface="+mn-ea"/>
+                <a:cs typeface="+mn-cs"/>
+              </a:rPr>
+              <a:t>Transgranular</a:t>
+            </a:r>
+            <a:endParaRPr kumimoji="0" lang="en-US" sz="1800" b="0" i="0" u="none" strike="noStrike" kern="1200" cap="none" spc="0" normalizeH="0" baseline="0" noProof="0" dirty="0">
+              <a:ln>
+                <a:noFill/>
+              </a:ln>
+              <a:solidFill>
+                <a:prstClr val="black"/>
+              </a:solidFill>
+              <a:effectLst/>
+              <a:uLnTx/>
+              <a:uFillTx/>
+              <a:latin typeface="Calibri"/>
+              <a:ea typeface="+mn-ea"/>
+              <a:cs typeface="+mn-cs"/>
+            </a:endParaRPr>
+          </a:p>
+        </p:txBody>
+      </p:sp>
+      <p:sp>
+        <p:nvSpPr>
+          <p:cNvPr id="8" name="TextBox 7">
+            <a:extLst>
+              <a:ext uri="{FF2B5EF4-FFF2-40B4-BE49-F238E27FC236}">
+                <a16:creationId xmlns:a16="http://schemas.microsoft.com/office/drawing/2014/main" id="{D3F0F608-C1C2-B94D-BE74-262B78983CDA}"/>
+              </a:ext>
+            </a:extLst>
+          </p:cNvPr>
+          <p:cNvSpPr txBox="1"/>
+          <p:nvPr/>
+        </p:nvSpPr>
+        <p:spPr>
+          <a:xfrm>
+            <a:off x="9257887" y="3880713"/>
+            <a:ext cx="1580322" cy="369332"/>
+          </a:xfrm>
+          <a:prstGeom prst="rect">
+            <a:avLst/>
+          </a:prstGeom>
+          <a:noFill/>
+        </p:spPr>
+        <p:txBody>
+          <a:bodyPr wrap="square" rtlCol="0">
+            <a:spAutoFit/>
+          </a:bodyPr>
+          <a:lstStyle/>
+          <a:p>
+            <a:pPr marL="0" marR="0" lvl="0" indent="0" algn="l" defTabSz="914400" rtl="0" eaLnBrk="1" fontAlgn="auto" latinLnBrk="0" hangingPunct="1">
+              <a:lnSpc>
+                <a:spcPct val="100000"/>
+              </a:lnSpc>
+              <a:spcBef>
+                <a:spcPts val="0"/>
+              </a:spcBef>
+              <a:spcAft>
+                <a:spcPts val="0"/>
+              </a:spcAft>
+              <a:buClrTx/>
+              <a:buSzTx/>
+              <a:buFontTx/>
+              <a:buNone/>
+              <a:tabLst/>
+              <a:defRPr/>
+            </a:pPr>
+            <a:r>
+              <a:rPr kumimoji="0" lang="en-US" sz="1800" b="0" i="0" u="none" strike="noStrike" kern="1200" cap="none" spc="0" normalizeH="0" baseline="0" noProof="0" dirty="0">
+                <a:ln>
+                  <a:noFill/>
+                </a:ln>
+                <a:solidFill>
+                  <a:prstClr val="black"/>
+                </a:solidFill>
+                <a:effectLst/>
+                <a:uLnTx/>
+                <a:uFillTx/>
+                <a:latin typeface="Calibri"/>
+                <a:ea typeface="+mn-ea"/>
+                <a:cs typeface="+mn-cs"/>
+              </a:rPr>
+              <a:t>Intergranular</a:t>
+            </a:r>
+          </a:p>
+        </p:txBody>
+      </p:sp>
     </p:spTree>
     <p:extLst>
       <p:ext uri="{BB962C8B-B14F-4D97-AF65-F5344CB8AC3E}">
-        <p14:creationId xmlns:p14="http://schemas.microsoft.com/office/powerpoint/2010/main" val="2980613618"/>
+        <p14:creationId xmlns:p14="http://schemas.microsoft.com/office/powerpoint/2010/main" val="3601032657"/>
       </p:ext>
     </p:extLst>
   </p:cSld>
@@ -6131,7 +6009,7 @@
           <p:cNvPr id="2" name="Title 1">
             <a:extLst>
               <a:ext uri="{FF2B5EF4-FFF2-40B4-BE49-F238E27FC236}">
-                <a16:creationId xmlns:a16="http://schemas.microsoft.com/office/drawing/2014/main" id="{91C669C3-7586-8D5D-5213-3EAA1F236DA8}"/>
+                <a16:creationId xmlns:a16="http://schemas.microsoft.com/office/drawing/2014/main" id="{E6A26517-7A8C-6D44-8A80-103F9AD20C90}"/>
               </a:ext>
             </a:extLst>
           </p:cNvPr>
@@ -6147,136 +6025,463 @@
           <a:bodyPr/>
           <a:lstStyle/>
           <a:p>
+            <a:pPr algn="l"/>
             <a:r>
               <a:rPr lang="en-US" dirty="0"/>
-              <a:t>Last Time</a:t>
-            </a:r>
-          </a:p>
-        </p:txBody>
-      </p:sp>
-      <p:sp>
-        <p:nvSpPr>
-          <p:cNvPr id="3" name="Content Placeholder 2">
-            <a:extLst>
-              <a:ext uri="{FF2B5EF4-FFF2-40B4-BE49-F238E27FC236}">
-                <a16:creationId xmlns:a16="http://schemas.microsoft.com/office/drawing/2014/main" id="{89B496EA-2615-5D83-73E6-1093C95A8AF1}"/>
-              </a:ext>
-            </a:extLst>
-          </p:cNvPr>
-          <p:cNvSpPr>
-            <a:spLocks noGrp="1"/>
-          </p:cNvSpPr>
-          <p:nvPr>
-            <p:ph idx="1"/>
-          </p:nvPr>
+              <a:t>MOOSE Project Part 3</a:t>
+            </a:r>
+          </a:p>
+        </p:txBody>
+      </p:sp>
+      <p:sp>
+        <p:nvSpPr>
+          <p:cNvPr id="16" name="TextBox 15">
+            <a:extLst>
+              <a:ext uri="{FF2B5EF4-FFF2-40B4-BE49-F238E27FC236}">
+                <a16:creationId xmlns:a16="http://schemas.microsoft.com/office/drawing/2014/main" id="{7FC4C34D-9F6B-3A44-A4E8-FDD2910214C5}"/>
+              </a:ext>
+            </a:extLst>
+          </p:cNvPr>
+          <p:cNvSpPr txBox="1"/>
+          <p:nvPr/>
         </p:nvSpPr>
         <p:spPr>
           <a:xfrm>
-            <a:off x="609600" y="1868395"/>
-            <a:ext cx="10972800" cy="3965670"/>
+            <a:off x="667873" y="1968501"/>
+            <a:ext cx="7256928" cy="4708981"/>
+          </a:xfrm>
+          <a:prstGeom prst="rect">
+            <a:avLst/>
+          </a:prstGeom>
+          <a:noFill/>
+        </p:spPr>
+        <p:txBody>
+          <a:bodyPr wrap="square" rtlCol="0">
+            <a:spAutoFit/>
+          </a:bodyPr>
+          <a:lstStyle/>
+          <a:p>
+            <a:pPr marL="285750" marR="0" lvl="0" indent="-285750" algn="l" defTabSz="914400" rtl="0" eaLnBrk="1" fontAlgn="auto" latinLnBrk="0" hangingPunct="1">
+              <a:lnSpc>
+                <a:spcPct val="100000"/>
+              </a:lnSpc>
+              <a:spcBef>
+                <a:spcPts val="600"/>
+              </a:spcBef>
+              <a:spcAft>
+                <a:spcPts val="0"/>
+              </a:spcAft>
+              <a:buClrTx/>
+              <a:buSzTx/>
+              <a:buFont typeface="Arial" panose="020B0604020202020204" pitchFamily="34" charset="0"/>
+              <a:buChar char="•"/>
+              <a:tabLst/>
+              <a:defRPr/>
+            </a:pPr>
+            <a:r>
+              <a:rPr kumimoji="0" lang="en-US" sz="2000" b="0" i="0" u="none" strike="noStrike" kern="1200" cap="none" spc="0" normalizeH="0" baseline="0" noProof="0" dirty="0">
+                <a:ln>
+                  <a:noFill/>
+                </a:ln>
+                <a:solidFill>
+                  <a:prstClr val="black"/>
+                </a:solidFill>
+                <a:effectLst/>
+                <a:uLnTx/>
+                <a:uFillTx/>
+                <a:latin typeface="Arial" panose="020B0604020202020204" pitchFamily="34" charset="0"/>
+                <a:ea typeface="+mn-ea"/>
+                <a:cs typeface="Arial" panose="020B0604020202020204" pitchFamily="34" charset="0"/>
+              </a:rPr>
+              <a:t>Same setup as part 1</a:t>
+            </a:r>
+          </a:p>
+          <a:p>
+            <a:pPr marL="285750" marR="0" lvl="0" indent="-285750" algn="l" defTabSz="914400" rtl="0" eaLnBrk="1" fontAlgn="auto" latinLnBrk="0" hangingPunct="1">
+              <a:lnSpc>
+                <a:spcPct val="100000"/>
+              </a:lnSpc>
+              <a:spcBef>
+                <a:spcPts val="600"/>
+              </a:spcBef>
+              <a:spcAft>
+                <a:spcPts val="0"/>
+              </a:spcAft>
+              <a:buClrTx/>
+              <a:buSzTx/>
+              <a:buFont typeface="Arial" panose="020B0604020202020204" pitchFamily="34" charset="0"/>
+              <a:buChar char="•"/>
+              <a:tabLst/>
+              <a:defRPr/>
+            </a:pPr>
+            <a:r>
+              <a:rPr lang="en-US" sz="2000" dirty="0">
+                <a:solidFill>
+                  <a:prstClr val="black"/>
+                </a:solidFill>
+                <a:latin typeface="Arial" panose="020B0604020202020204" pitchFamily="34" charset="0"/>
+                <a:cs typeface="Arial" panose="020B0604020202020204" pitchFamily="34" charset="0"/>
+              </a:rPr>
+              <a:t>Include effects of thermal expansion, densification, and FP-induced swelling</a:t>
+            </a:r>
+          </a:p>
+          <a:p>
+            <a:pPr marL="285750" marR="0" lvl="0" indent="-285750" algn="l" defTabSz="914400" rtl="0" eaLnBrk="1" fontAlgn="auto" latinLnBrk="0" hangingPunct="1">
+              <a:lnSpc>
+                <a:spcPct val="100000"/>
+              </a:lnSpc>
+              <a:spcBef>
+                <a:spcPts val="600"/>
+              </a:spcBef>
+              <a:spcAft>
+                <a:spcPts val="0"/>
+              </a:spcAft>
+              <a:buClrTx/>
+              <a:buSzTx/>
+              <a:buFont typeface="Arial" panose="020B0604020202020204" pitchFamily="34" charset="0"/>
+              <a:buChar char="•"/>
+              <a:tabLst/>
+              <a:defRPr/>
+            </a:pPr>
+            <a:r>
+              <a:rPr lang="en-US" sz="2000" dirty="0">
+                <a:solidFill>
+                  <a:prstClr val="black"/>
+                </a:solidFill>
+                <a:latin typeface="Arial" panose="020B0604020202020204" pitchFamily="34" charset="0"/>
+                <a:cs typeface="Arial" panose="020B0604020202020204" pitchFamily="34" charset="0"/>
+              </a:rPr>
+              <a:t>Simulate until gap closure, but d</a:t>
+            </a:r>
+            <a:r>
+              <a:rPr kumimoji="0" lang="en-US" sz="2000" b="0" i="0" u="none" strike="noStrike" kern="1200" cap="none" spc="0" normalizeH="0" baseline="0" noProof="0" dirty="0">
+                <a:ln>
+                  <a:noFill/>
+                </a:ln>
+                <a:solidFill>
+                  <a:prstClr val="black"/>
+                </a:solidFill>
+                <a:effectLst/>
+                <a:uLnTx/>
+                <a:uFillTx/>
+                <a:latin typeface="Arial" panose="020B0604020202020204" pitchFamily="34" charset="0"/>
+                <a:ea typeface="+mn-ea"/>
+                <a:cs typeface="Arial" panose="020B0604020202020204" pitchFamily="34" charset="0"/>
+              </a:rPr>
+              <a:t>o not need to handle contact</a:t>
+            </a:r>
+          </a:p>
+          <a:p>
+            <a:pPr marL="285750" indent="-285750">
+              <a:spcBef>
+                <a:spcPts val="600"/>
+              </a:spcBef>
+              <a:buFont typeface="Arial" panose="020B0604020202020204" pitchFamily="34" charset="0"/>
+              <a:buChar char="•"/>
+              <a:defRPr/>
+            </a:pPr>
+            <a:r>
+              <a:rPr kumimoji="0" lang="en-US" sz="2000" b="0" i="0" u="none" strike="noStrike" kern="1200" cap="none" spc="0" normalizeH="0" baseline="0" noProof="0" dirty="0">
+                <a:ln>
+                  <a:noFill/>
+                </a:ln>
+                <a:solidFill>
+                  <a:prstClr val="black"/>
+                </a:solidFill>
+                <a:effectLst/>
+                <a:uLnTx/>
+                <a:uFillTx/>
+                <a:latin typeface="Arial" panose="020B0604020202020204" pitchFamily="34" charset="0"/>
+                <a:ea typeface="+mn-ea"/>
+                <a:cs typeface="Arial" panose="020B0604020202020204" pitchFamily="34" charset="0"/>
+              </a:rPr>
+              <a:t>LHR is uniform, constant</a:t>
+            </a:r>
+          </a:p>
+          <a:p>
+            <a:pPr marL="285750" indent="-285750">
+              <a:spcBef>
+                <a:spcPts val="600"/>
+              </a:spcBef>
+              <a:buFont typeface="Arial" panose="020B0604020202020204" pitchFamily="34" charset="0"/>
+              <a:buChar char="•"/>
+              <a:defRPr/>
+            </a:pPr>
+            <a:r>
+              <a:rPr kumimoji="0" lang="en-US" sz="2000" b="0" i="0" u="none" strike="noStrike" kern="1200" cap="none" spc="0" normalizeH="0" baseline="0" noProof="0" dirty="0">
+                <a:ln>
+                  <a:noFill/>
+                </a:ln>
+                <a:solidFill>
+                  <a:prstClr val="black"/>
+                </a:solidFill>
+                <a:effectLst/>
+                <a:uLnTx/>
+                <a:uFillTx/>
+                <a:latin typeface="Arial" panose="020B0604020202020204" pitchFamily="34" charset="0"/>
+                <a:ea typeface="+mn-ea"/>
+                <a:cs typeface="Arial" panose="020B0604020202020204" pitchFamily="34" charset="0"/>
+              </a:rPr>
+              <a:t>T and burnup dependent kth</a:t>
+            </a:r>
+          </a:p>
+          <a:p>
+            <a:pPr marL="285750" marR="0" lvl="0" indent="-285750" algn="l" defTabSz="914400" rtl="0" eaLnBrk="1" fontAlgn="auto" latinLnBrk="0" hangingPunct="1">
+              <a:lnSpc>
+                <a:spcPct val="100000"/>
+              </a:lnSpc>
+              <a:spcBef>
+                <a:spcPts val="600"/>
+              </a:spcBef>
+              <a:spcAft>
+                <a:spcPts val="0"/>
+              </a:spcAft>
+              <a:buClrTx/>
+              <a:buSzTx/>
+              <a:buFont typeface="Arial" panose="020B0604020202020204" pitchFamily="34" charset="0"/>
+              <a:buChar char="•"/>
+              <a:tabLst/>
+              <a:defRPr/>
+            </a:pPr>
+            <a:r>
+              <a:rPr lang="en-US" sz="2000" dirty="0">
+                <a:solidFill>
+                  <a:prstClr val="black"/>
+                </a:solidFill>
+                <a:latin typeface="Arial" panose="020B0604020202020204" pitchFamily="34" charset="0"/>
+                <a:cs typeface="Arial" panose="020B0604020202020204" pitchFamily="34" charset="0"/>
+              </a:rPr>
+              <a:t>Make appropriate assumptions where needed</a:t>
+            </a:r>
+          </a:p>
+          <a:p>
+            <a:pPr marL="285750" indent="-285750">
+              <a:spcBef>
+                <a:spcPts val="600"/>
+              </a:spcBef>
+              <a:buFont typeface="Arial" panose="020B0604020202020204" pitchFamily="34" charset="0"/>
+              <a:buChar char="•"/>
+              <a:defRPr/>
+            </a:pPr>
+            <a:r>
+              <a:rPr kumimoji="0" lang="en-US" sz="2000" b="0" i="0" u="none" strike="noStrike" kern="1200" cap="none" spc="0" normalizeH="0" baseline="0" noProof="0" dirty="0">
+                <a:ln>
+                  <a:noFill/>
+                </a:ln>
+                <a:solidFill>
+                  <a:prstClr val="black"/>
+                </a:solidFill>
+                <a:effectLst/>
+                <a:uLnTx/>
+                <a:uFillTx/>
+                <a:latin typeface="Arial" panose="020B0604020202020204" pitchFamily="34" charset="0"/>
+                <a:ea typeface="+mn-ea"/>
+                <a:cs typeface="Arial" panose="020B0604020202020204" pitchFamily="34" charset="0"/>
+              </a:rPr>
+              <a:t>Determine the displacements and stress state in the fuel as a function of time</a:t>
+            </a:r>
+          </a:p>
+          <a:p>
+            <a:pPr marL="285750" indent="-285750">
+              <a:spcBef>
+                <a:spcPts val="600"/>
+              </a:spcBef>
+              <a:buFont typeface="Arial" panose="020B0604020202020204" pitchFamily="34" charset="0"/>
+              <a:buChar char="•"/>
+              <a:defRPr/>
+            </a:pPr>
+            <a:r>
+              <a:rPr lang="en-US" sz="2000" dirty="0">
+                <a:solidFill>
+                  <a:prstClr val="black"/>
+                </a:solidFill>
+                <a:latin typeface="Arial" panose="020B0604020202020204" pitchFamily="34" charset="0"/>
+                <a:cs typeface="Arial" panose="020B0604020202020204" pitchFamily="34" charset="0"/>
+              </a:rPr>
+              <a:t>Perform appropriate analyses: Thermal stresses cracks in fuel? When do we have gap closure? Etc. </a:t>
+            </a:r>
+            <a:endParaRPr kumimoji="0" lang="en-US" sz="2000" b="0" i="0" u="none" strike="noStrike" kern="1200" cap="none" spc="0" normalizeH="0" baseline="0" noProof="0" dirty="0">
+              <a:ln>
+                <a:noFill/>
+              </a:ln>
+              <a:solidFill>
+                <a:prstClr val="black"/>
+              </a:solidFill>
+              <a:effectLst/>
+              <a:uLnTx/>
+              <a:uFillTx/>
+              <a:latin typeface="Arial" panose="020B0604020202020204" pitchFamily="34" charset="0"/>
+              <a:ea typeface="+mn-ea"/>
+              <a:cs typeface="Arial" panose="020B0604020202020204" pitchFamily="34" charset="0"/>
+            </a:endParaRPr>
+          </a:p>
+          <a:p>
+            <a:pPr marL="285750" marR="0" lvl="0" indent="-285750" algn="l" defTabSz="914400" rtl="0" eaLnBrk="1" fontAlgn="auto" latinLnBrk="0" hangingPunct="1">
+              <a:lnSpc>
+                <a:spcPct val="100000"/>
+              </a:lnSpc>
+              <a:spcBef>
+                <a:spcPts val="600"/>
+              </a:spcBef>
+              <a:spcAft>
+                <a:spcPts val="0"/>
+              </a:spcAft>
+              <a:buClrTx/>
+              <a:buSzTx/>
+              <a:buFont typeface="Arial" panose="020B0604020202020204" pitchFamily="34" charset="0"/>
+              <a:buChar char="•"/>
+              <a:tabLst/>
+              <a:defRPr/>
+            </a:pPr>
+            <a:endParaRPr kumimoji="0" lang="en-US" sz="2000" b="0" i="0" u="none" strike="noStrike" kern="1200" cap="none" spc="0" normalizeH="0" baseline="0" noProof="0" dirty="0">
+              <a:ln>
+                <a:noFill/>
+              </a:ln>
+              <a:solidFill>
+                <a:prstClr val="black"/>
+              </a:solidFill>
+              <a:effectLst/>
+              <a:uLnTx/>
+              <a:uFillTx/>
+              <a:latin typeface="Arial" panose="020B0604020202020204" pitchFamily="34" charset="0"/>
+              <a:ea typeface="+mn-ea"/>
+              <a:cs typeface="Arial" panose="020B0604020202020204" pitchFamily="34" charset="0"/>
+            </a:endParaRPr>
+          </a:p>
+        </p:txBody>
+      </p:sp>
+      <p:sp>
+        <p:nvSpPr>
+          <p:cNvPr id="8" name="Slide Number Placeholder 3">
+            <a:extLst>
+              <a:ext uri="{FF2B5EF4-FFF2-40B4-BE49-F238E27FC236}">
+                <a16:creationId xmlns:a16="http://schemas.microsoft.com/office/drawing/2014/main" id="{C3C64425-8DDE-D258-DCC1-DC3D554C51E6}"/>
+              </a:ext>
+            </a:extLst>
+          </p:cNvPr>
+          <p:cNvSpPr>
+            <a:spLocks noGrp="1"/>
+          </p:cNvSpPr>
+          <p:nvPr>
+            <p:ph type="sldNum" sz="quarter" idx="12"/>
+          </p:nvPr>
+        </p:nvSpPr>
+        <p:spPr>
+          <a:xfrm>
+            <a:off x="8737600" y="6356351"/>
+            <a:ext cx="2844800" cy="365125"/>
           </a:xfrm>
         </p:spPr>
         <p:txBody>
           <a:bodyPr/>
           <a:lstStyle/>
           <a:p>
-            <a:r>
-              <a:rPr lang="en-US" sz="2000" dirty="0"/>
-              <a:t>Zircaloy creep equations</a:t>
-            </a:r>
-          </a:p>
-          <a:p>
-            <a:r>
-              <a:rPr lang="en-US" sz="2000" dirty="0"/>
-              <a:t>Zircaloy cladding creep over time</a:t>
-            </a:r>
-          </a:p>
-          <a:p>
-            <a:pPr lvl="1"/>
-            <a:r>
-              <a:rPr lang="en-US" sz="2000" dirty="0"/>
-              <a:t>creeps down due to water pressure, reduces gap, elongates</a:t>
-            </a:r>
-          </a:p>
-          <a:p>
-            <a:pPr lvl="1"/>
-            <a:r>
-              <a:rPr lang="en-US" sz="2000" dirty="0"/>
-              <a:t>creeps out due to fuel expansion, shortens</a:t>
-            </a:r>
-          </a:p>
-          <a:p>
-            <a:r>
-              <a:rPr lang="en-US" sz="2000" dirty="0"/>
-              <a:t>Zr mechanical properties sensitive to radiation</a:t>
-            </a:r>
-          </a:p>
-          <a:p>
-            <a:r>
-              <a:rPr lang="en-US" sz="2000" dirty="0"/>
-              <a:t>Dislocation channel cleaning leads to plasticity in highly irradiation Zr</a:t>
-            </a:r>
-          </a:p>
-          <a:p>
-            <a:r>
-              <a:rPr lang="en-US" sz="2000" dirty="0"/>
-              <a:t>PCMI can lead to SCC</a:t>
-            </a:r>
-          </a:p>
-          <a:p>
-            <a:pPr lvl="1"/>
-            <a:r>
-              <a:rPr lang="en-US" sz="2000" dirty="0"/>
-              <a:t>A corrosive environment, a susceptible material, sufficient stress, and sufficient time</a:t>
-            </a:r>
-          </a:p>
-          <a:p>
-            <a:r>
-              <a:rPr lang="en-US" sz="2000" dirty="0"/>
-              <a:t>Talked through the basics of the corrosive environment</a:t>
-            </a:r>
-          </a:p>
-        </p:txBody>
-      </p:sp>
-      <p:sp>
-        <p:nvSpPr>
-          <p:cNvPr id="4" name="Slide Number Placeholder 3">
-            <a:extLst>
-              <a:ext uri="{FF2B5EF4-FFF2-40B4-BE49-F238E27FC236}">
-                <a16:creationId xmlns:a16="http://schemas.microsoft.com/office/drawing/2014/main" id="{3B8FB79D-3C0F-B3AC-A960-0918542F0779}"/>
-              </a:ext>
-            </a:extLst>
-          </p:cNvPr>
-          <p:cNvSpPr>
-            <a:spLocks noGrp="1"/>
-          </p:cNvSpPr>
-          <p:nvPr>
-            <p:ph type="sldNum" sz="quarter" idx="12"/>
-          </p:nvPr>
-        </p:nvSpPr>
-        <p:spPr/>
-        <p:txBody>
-          <a:bodyPr/>
-          <a:lstStyle/>
-          <a:p>
-            <a:pPr>
+            <a:pPr marL="0" marR="0" lvl="0" indent="0" algn="r" defTabSz="914400" rtl="0" eaLnBrk="1" fontAlgn="auto" latinLnBrk="0" hangingPunct="1">
+              <a:lnSpc>
+                <a:spcPct val="100000"/>
+              </a:lnSpc>
+              <a:spcBef>
+                <a:spcPts val="0"/>
+              </a:spcBef>
+              <a:spcAft>
+                <a:spcPts val="0"/>
+              </a:spcAft>
+              <a:buClrTx/>
+              <a:buSzTx/>
+              <a:buFontTx/>
+              <a:buNone/>
+              <a:tabLst/>
               <a:defRPr/>
             </a:pPr>
             <a:fld id="{3FF2C605-4958-CF43-AA48-80339EFDB0AF}" type="slidenum">
-              <a:rPr lang="en-US" smtClean="0"/>
-              <a:pPr>
+              <a:rPr kumimoji="0" lang="en-US" sz="1200" b="0" i="0" u="none" strike="noStrike" kern="1200" cap="none" spc="0" normalizeH="0" baseline="0" noProof="0" smtClean="0">
+                <a:ln>
+                  <a:noFill/>
+                </a:ln>
+                <a:solidFill>
+                  <a:prstClr val="black">
+                    <a:tint val="75000"/>
+                  </a:prstClr>
+                </a:solidFill>
+                <a:effectLst/>
+                <a:uLnTx/>
+                <a:uFillTx/>
+                <a:latin typeface="Calibri"/>
+                <a:ea typeface="+mn-ea"/>
+                <a:cs typeface="+mn-cs"/>
+              </a:rPr>
+              <a:pPr marL="0" marR="0" lvl="0" indent="0" algn="r" defTabSz="914400" rtl="0" eaLnBrk="1" fontAlgn="auto" latinLnBrk="0" hangingPunct="1">
+                <a:lnSpc>
+                  <a:spcPct val="100000"/>
+                </a:lnSpc>
+                <a:spcBef>
+                  <a:spcPts val="0"/>
+                </a:spcBef>
+                <a:spcAft>
+                  <a:spcPts val="0"/>
+                </a:spcAft>
+                <a:buClrTx/>
+                <a:buSzTx/>
+                <a:buFontTx/>
+                <a:buNone/>
+                <a:tabLst/>
                 <a:defRPr/>
               </a:pPr>
               <a:t>2</a:t>
             </a:fld>
-            <a:endParaRPr lang="en-US"/>
-          </a:p>
-        </p:txBody>
-      </p:sp>
+            <a:endParaRPr kumimoji="0" lang="en-US" sz="1200" b="0" i="0" u="none" strike="noStrike" kern="1200" cap="none" spc="0" normalizeH="0" baseline="0" noProof="0">
+              <a:ln>
+                <a:noFill/>
+              </a:ln>
+              <a:solidFill>
+                <a:prstClr val="black">
+                  <a:tint val="75000"/>
+                </a:prstClr>
+              </a:solidFill>
+              <a:effectLst/>
+              <a:uLnTx/>
+              <a:uFillTx/>
+              <a:latin typeface="Calibri"/>
+              <a:ea typeface="+mn-ea"/>
+              <a:cs typeface="+mn-cs"/>
+            </a:endParaRPr>
+          </a:p>
+        </p:txBody>
+      </p:sp>
+      <p:pic>
+        <p:nvPicPr>
+          <p:cNvPr id="49" name="Picture 48">
+            <a:extLst>
+              <a:ext uri="{FF2B5EF4-FFF2-40B4-BE49-F238E27FC236}">
+                <a16:creationId xmlns:a16="http://schemas.microsoft.com/office/drawing/2014/main" id="{CBAE0723-C2EC-57A5-A88B-4B0422D94524}"/>
+              </a:ext>
+            </a:extLst>
+          </p:cNvPr>
+          <p:cNvPicPr>
+            <a:picLocks noChangeAspect="1"/>
+          </p:cNvPicPr>
+          <p:nvPr/>
+        </p:nvPicPr>
+        <p:blipFill>
+          <a:blip r:embed="rId2"/>
+          <a:stretch>
+            <a:fillRect/>
+          </a:stretch>
+        </p:blipFill>
+        <p:spPr>
+          <a:xfrm>
+            <a:off x="8205774" y="1560786"/>
+            <a:ext cx="4158551" cy="3589283"/>
+          </a:xfrm>
+          <a:prstGeom prst="rect">
+            <a:avLst/>
+          </a:prstGeom>
+        </p:spPr>
+      </p:pic>
     </p:spTree>
     <p:extLst>
       <p:ext uri="{BB962C8B-B14F-4D97-AF65-F5344CB8AC3E}">
-        <p14:creationId xmlns:p14="http://schemas.microsoft.com/office/powerpoint/2010/main" val="96840934"/>
+        <p14:creationId xmlns:p14="http://schemas.microsoft.com/office/powerpoint/2010/main" val="2003456929"/>
       </p:ext>
     </p:extLst>
   </p:cSld>
@@ -6308,7 +6513,7 @@
           <p:cNvPr id="2" name="Title 1">
             <a:extLst>
               <a:ext uri="{FF2B5EF4-FFF2-40B4-BE49-F238E27FC236}">
-                <a16:creationId xmlns:a16="http://schemas.microsoft.com/office/drawing/2014/main" id="{C1A275EF-D507-1151-E20C-BADE1BA2FEE7}"/>
+                <a16:creationId xmlns:a16="http://schemas.microsoft.com/office/drawing/2014/main" id="{C4F649AA-0316-E54F-A523-93797234130E}"/>
               </a:ext>
             </a:extLst>
           </p:cNvPr>
@@ -6326,7 +6531,7 @@
           <a:p>
             <a:r>
               <a:rPr lang="en-US" dirty="0"/>
-              <a:t>Reactor Susceptibility</a:t>
+              <a:t>Through-Cracks</a:t>
             </a:r>
           </a:p>
         </p:txBody>
@@ -6336,15 +6541,15 @@
           <p:cNvPr id="3" name="Content Placeholder 2">
             <a:extLst>
               <a:ext uri="{FF2B5EF4-FFF2-40B4-BE49-F238E27FC236}">
-                <a16:creationId xmlns:a16="http://schemas.microsoft.com/office/drawing/2014/main" id="{A97AA86B-72D0-F8D0-5D1E-9498576CCAA8}"/>
-              </a:ext>
-            </a:extLst>
-          </p:cNvPr>
-          <p:cNvSpPr>
-            <a:spLocks noGrp="1"/>
-          </p:cNvSpPr>
-          <p:nvPr>
-            <p:ph sz="half" idx="1"/>
+                <a16:creationId xmlns:a16="http://schemas.microsoft.com/office/drawing/2014/main" id="{74F6013A-8125-5645-8D9E-38FD4740420A}"/>
+              </a:ext>
+            </a:extLst>
+          </p:cNvPr>
+          <p:cNvSpPr>
+            <a:spLocks noGrp="1"/>
+          </p:cNvSpPr>
+          <p:nvPr>
+            <p:ph idx="1"/>
           </p:nvPr>
         </p:nvSpPr>
         <p:spPr/>
@@ -6353,70 +6558,61 @@
           <a:lstStyle/>
           <a:p>
             <a:r>
-              <a:rPr lang="en-US" sz="1800" dirty="0"/>
-              <a:t>In general, PCI failures are typically experienced (by any reactor) during a large change in power; thus, the manner in which power changes dictates to a large degree the likelihood of PCI failure</a:t>
-            </a:r>
-          </a:p>
-          <a:p>
-            <a:r>
-              <a:rPr lang="en-US" sz="1800" dirty="0"/>
-              <a:t>Unlike BWRs, the neutron flux in a PWR is not primarily controlled by the insertion and extraction of control rods during operation</a:t>
-            </a:r>
-          </a:p>
-          <a:p>
-            <a:r>
-              <a:rPr lang="en-US" sz="1800" dirty="0"/>
-              <a:t>Due to smoother control of reactivity and a lower linear power, PCI failures are significantly less frequent in PWRs than other major commercial power reactor designs</a:t>
-            </a:r>
-          </a:p>
-          <a:p>
-            <a:r>
-              <a:rPr lang="en-US" sz="1800" dirty="0"/>
-              <a:t>PCI failures are more of a concern in BWRs</a:t>
-            </a:r>
-          </a:p>
-          <a:p>
-            <a:endParaRPr lang="en-US" sz="1800" dirty="0"/>
-          </a:p>
-        </p:txBody>
-      </p:sp>
-      <p:sp>
-        <p:nvSpPr>
-          <p:cNvPr id="4" name="Content Placeholder 3">
-            <a:extLst>
-              <a:ext uri="{FF2B5EF4-FFF2-40B4-BE49-F238E27FC236}">
-                <a16:creationId xmlns:a16="http://schemas.microsoft.com/office/drawing/2014/main" id="{26FF7CCE-0AAC-C3AE-5239-3271E47306F9}"/>
-              </a:ext>
-            </a:extLst>
-          </p:cNvPr>
-          <p:cNvSpPr>
-            <a:spLocks noGrp="1"/>
-          </p:cNvSpPr>
-          <p:nvPr>
-            <p:ph sz="half" idx="2"/>
-          </p:nvPr>
-        </p:nvSpPr>
-        <p:spPr/>
-        <p:txBody>
-          <a:bodyPr/>
-          <a:lstStyle/>
-          <a:p>
-            <a:r>
-              <a:rPr lang="en-US" sz="1800" dirty="0"/>
-              <a:t>Control blade maneuvers in BWRs create local power transients that often lead to PCI failures in fuel rods adjacent to these blades</a:t>
-            </a:r>
-          </a:p>
-          <a:p>
-            <a:endParaRPr lang="en-US" sz="1800" dirty="0"/>
-          </a:p>
-        </p:txBody>
-      </p:sp>
-      <p:sp>
-        <p:nvSpPr>
-          <p:cNvPr id="5" name="Slide Number Placeholder 4">
-            <a:extLst>
-              <a:ext uri="{FF2B5EF4-FFF2-40B4-BE49-F238E27FC236}">
-                <a16:creationId xmlns:a16="http://schemas.microsoft.com/office/drawing/2014/main" id="{17496774-16C2-A1C1-9C78-3D357E8DB988}"/>
+              <a:rPr lang="en-US" sz="2000" dirty="0"/>
+              <a:t>Following the formation of a through-wall crack and the ingress of water into the fuel-clad gap, the cracking process is arrested since the corrosive species (notably I, Cs, and Cd) have been discharged</a:t>
+            </a:r>
+          </a:p>
+          <a:p>
+            <a:r>
+              <a:rPr lang="en-US" sz="2000" dirty="0"/>
+              <a:t>The ingress of water in the fuel-clad gap may result in clad </a:t>
+            </a:r>
+            <a:r>
+              <a:rPr lang="en-US" sz="2000" dirty="0" err="1"/>
+              <a:t>hydriding</a:t>
+            </a:r>
+            <a:r>
+              <a:rPr lang="en-US" sz="2000" dirty="0"/>
+              <a:t> on the inner surface</a:t>
+            </a:r>
+          </a:p>
+          <a:p>
+            <a:r>
+              <a:rPr lang="en-US" sz="2000" dirty="0"/>
+              <a:t>The initial SCC crack can oxidize, and volume expansion may lead to resealing the primary failure</a:t>
+            </a:r>
+          </a:p>
+          <a:p>
+            <a:r>
+              <a:rPr lang="en-US" sz="2000" dirty="0"/>
+              <a:t>All PCI cracks are pin-hole defects, whereas observable cracks are secondary due to clad </a:t>
+            </a:r>
+            <a:r>
+              <a:rPr lang="en-US" sz="2000" dirty="0" err="1"/>
+              <a:t>hydriding</a:t>
+            </a:r>
+            <a:r>
+              <a:rPr lang="en-US" sz="2000" dirty="0"/>
+              <a:t> or ductile tearing</a:t>
+            </a:r>
+          </a:p>
+          <a:p>
+            <a:r>
+              <a:rPr lang="en-US" sz="2000" dirty="0"/>
+              <a:t>The time to failure depends on many parameters, but is generally determined by the local linear power, the change in linear power, and the local burnup</a:t>
+            </a:r>
+          </a:p>
+          <a:p>
+            <a:endParaRPr lang="en-US" sz="2000" dirty="0"/>
+          </a:p>
+        </p:txBody>
+      </p:sp>
+      <p:sp>
+        <p:nvSpPr>
+          <p:cNvPr id="4" name="Slide Number Placeholder 3">
+            <a:extLst>
+              <a:ext uri="{FF2B5EF4-FFF2-40B4-BE49-F238E27FC236}">
+                <a16:creationId xmlns:a16="http://schemas.microsoft.com/office/drawing/2014/main" id="{3A9F73AA-344A-7548-A599-C67A90FDCACF}"/>
               </a:ext>
             </a:extLst>
           </p:cNvPr>
@@ -6449,7 +6645,7 @@
               <a:tabLst/>
               <a:defRPr/>
             </a:pPr>
-            <a:fld id="{EC35E9FC-F6D5-0349-BBED-EA7D7A9BC49B}" type="slidenum">
+            <a:fld id="{3FF2C605-4958-CF43-AA48-80339EFDB0AF}" type="slidenum">
               <a:rPr kumimoji="0" lang="en-US" sz="1200" b="0" i="0" u="none" strike="noStrike" kern="1200" cap="none" spc="0" normalizeH="0" baseline="0" noProof="0" smtClean="0">
                 <a:ln>
                   <a:noFill/>
@@ -6504,105 +6700,10 @@
           </a:p>
         </p:txBody>
       </p:sp>
-      <p:pic>
-        <p:nvPicPr>
-          <p:cNvPr id="6" name="Picture 5">
-            <a:extLst>
-              <a:ext uri="{FF2B5EF4-FFF2-40B4-BE49-F238E27FC236}">
-                <a16:creationId xmlns:a16="http://schemas.microsoft.com/office/drawing/2014/main" id="{237996D1-E163-3BAB-1271-B5D301D0F296}"/>
-              </a:ext>
-            </a:extLst>
-          </p:cNvPr>
-          <p:cNvPicPr>
-            <a:picLocks noChangeAspect="1"/>
-          </p:cNvPicPr>
-          <p:nvPr/>
-        </p:nvPicPr>
-        <p:blipFill>
-          <a:blip r:embed="rId2"/>
-          <a:stretch>
-            <a:fillRect/>
-          </a:stretch>
-        </p:blipFill>
-        <p:spPr>
-          <a:xfrm>
-            <a:off x="6900517" y="3036888"/>
-            <a:ext cx="3978965" cy="2917908"/>
-          </a:xfrm>
-          <a:prstGeom prst="rect">
-            <a:avLst/>
-          </a:prstGeom>
-        </p:spPr>
-      </p:pic>
-      <p:sp>
-        <p:nvSpPr>
-          <p:cNvPr id="8" name="TextBox 7">
-            <a:extLst>
-              <a:ext uri="{FF2B5EF4-FFF2-40B4-BE49-F238E27FC236}">
-                <a16:creationId xmlns:a16="http://schemas.microsoft.com/office/drawing/2014/main" id="{AC01F94F-EE6B-3484-AFC7-243D285E1758}"/>
-              </a:ext>
-            </a:extLst>
-          </p:cNvPr>
-          <p:cNvSpPr txBox="1"/>
-          <p:nvPr/>
-        </p:nvSpPr>
-        <p:spPr>
-          <a:xfrm>
-            <a:off x="6197600" y="5954796"/>
-            <a:ext cx="5588828" cy="261610"/>
-          </a:xfrm>
-          <a:prstGeom prst="rect">
-            <a:avLst/>
-          </a:prstGeom>
-          <a:noFill/>
-        </p:spPr>
-        <p:txBody>
-          <a:bodyPr wrap="square">
-            <a:spAutoFit/>
-          </a:bodyPr>
-          <a:lstStyle/>
-          <a:p>
-            <a:pPr marL="0" marR="0" lvl="0" indent="0" algn="ctr" defTabSz="914400" rtl="0" eaLnBrk="1" fontAlgn="auto" latinLnBrk="0" hangingPunct="1">
-              <a:lnSpc>
-                <a:spcPct val="100000"/>
-              </a:lnSpc>
-              <a:spcBef>
-                <a:spcPts val="0"/>
-              </a:spcBef>
-              <a:spcAft>
-                <a:spcPts val="0"/>
-              </a:spcAft>
-              <a:buClrTx/>
-              <a:buSzTx/>
-              <a:buFontTx/>
-              <a:buNone/>
-              <a:tabLst/>
-              <a:defRPr/>
-            </a:pPr>
-            <a:r>
-              <a:rPr kumimoji="0" lang="en-US" sz="1100" b="0" i="0" u="none" strike="noStrike" kern="1200" cap="none" spc="0" normalizeH="0" baseline="0" noProof="0" dirty="0">
-                <a:ln>
-                  <a:noFill/>
-                </a:ln>
-                <a:solidFill>
-                  <a:prstClr val="black"/>
-                </a:solidFill>
-                <a:effectLst/>
-                <a:uLnTx/>
-                <a:uFillTx/>
-                <a:latin typeface="Helvetica" pitchFamily="2" charset="0"/>
-                <a:ea typeface="+mn-ea"/>
-                <a:cs typeface="+mn-cs"/>
-              </a:rPr>
-              <a:t>The change in LHR resulting from the successive removal of three control rod blades</a:t>
-            </a:r>
-          </a:p>
-        </p:txBody>
-      </p:sp>
     </p:spTree>
     <p:extLst>
       <p:ext uri="{BB962C8B-B14F-4D97-AF65-F5344CB8AC3E}">
-        <p14:creationId xmlns:p14="http://schemas.microsoft.com/office/powerpoint/2010/main" val="510275999"/>
+        <p14:creationId xmlns:p14="http://schemas.microsoft.com/office/powerpoint/2010/main" val="1232766779"/>
       </p:ext>
     </p:extLst>
   </p:cSld>
@@ -6957,7 +7058,7 @@
           <a:p>
             <a:r>
               <a:rPr lang="en-US" sz="2000" dirty="0"/>
-              <a:t>The three variables that are controlled from an operational point of view are the linear power, change in linear power, ramp rate and discharge burnup</a:t>
+              <a:t>The three variables that are controlled from an operational point of view are the linear power, change in linear power, ramp rate, and discharge burnup</a:t>
             </a:r>
           </a:p>
           <a:p>
@@ -7144,40 +7245,43 @@
           <a:p>
             <a:r>
               <a:rPr lang="en-US" sz="2000" dirty="0"/>
-              <a:t>Pellet-clad interaction (PCI) takes two forms</a:t>
+              <a:t>In order for SCC to initiate and propagate in any material, four conditions are simultaneously required:</a:t>
             </a:r>
           </a:p>
           <a:p>
             <a:pPr lvl="1"/>
             <a:r>
               <a:rPr lang="en-US" sz="2000" dirty="0"/>
-              <a:t>Pellet-clad chemical interaction, PCCI (bonding occurs)</a:t>
+              <a:t>corrosive environment (ZrI4 -&gt; ZrO2)</a:t>
             </a:r>
           </a:p>
           <a:p>
             <a:pPr lvl="1"/>
             <a:r>
               <a:rPr lang="en-US" sz="2000" dirty="0"/>
-              <a:t>Pellet-clad mechanical interaction, PCMI (pellet pushes and drags cladding)</a:t>
-            </a:r>
-          </a:p>
-          <a:p>
+              <a:t>susceptible material (all Zr alloys are susceptible, minor additions make small improvements)</a:t>
+            </a:r>
+          </a:p>
+          <a:p>
+            <a:pPr lvl="1"/>
             <a:r>
               <a:rPr lang="en-US" sz="2000" dirty="0"/>
-              <a:t>In order for SCC to initiate and propagate in any material, four conditions are simultaneously required:</a:t>
+              <a:t>sufficient stress (pellet expansion, creep down, </a:t>
+            </a:r>
+            <a:r>
+              <a:rPr lang="en-US" sz="2000" dirty="0" err="1"/>
+              <a:t>etc</a:t>
+            </a:r>
+            <a:r>
+              <a:rPr lang="en-US" sz="2000" dirty="0"/>
+              <a:t>)</a:t>
             </a:r>
           </a:p>
           <a:p>
             <a:pPr lvl="1"/>
             <a:r>
               <a:rPr lang="en-US" sz="2000" dirty="0"/>
-              <a:t>A corrosive environment, a susceptible material, sufficient stress, and sufficient time</a:t>
-            </a:r>
-          </a:p>
-          <a:p>
-            <a:r>
-              <a:rPr lang="en-US" sz="2000" dirty="0"/>
-              <a:t>BWRs more likely to have PCI failures than PWRs</a:t>
+              <a:t>sufficient time (incubation time, steady state crack growth, ductile failure)</a:t>
             </a:r>
           </a:p>
           <a:p>
@@ -7316,7 +7420,7 @@
 </p:sld>
 </file>
 
-<file path=ppt/slides/slide3.xml><?xml version="1.0" encoding="utf-8"?>
+<file path=ppt/slides/slide24.xml><?xml version="1.0" encoding="utf-8"?>
 <p:sld xmlns:a="http://schemas.openxmlformats.org/drawingml/2006/main" xmlns:r="http://schemas.openxmlformats.org/officeDocument/2006/relationships" xmlns:p="http://schemas.openxmlformats.org/presentationml/2006/main">
   <p:cSld>
     <p:spTree>
@@ -7338,6 +7442,1343 @@
           <p:cNvPr id="2" name="Title 1">
             <a:extLst>
               <a:ext uri="{FF2B5EF4-FFF2-40B4-BE49-F238E27FC236}">
+                <a16:creationId xmlns:a16="http://schemas.microsoft.com/office/drawing/2014/main" id="{C41A6137-476A-35F1-5EDC-244711AD6A14}"/>
+              </a:ext>
+            </a:extLst>
+          </p:cNvPr>
+          <p:cNvSpPr>
+            <a:spLocks noGrp="1"/>
+          </p:cNvSpPr>
+          <p:nvPr>
+            <p:ph type="title"/>
+          </p:nvPr>
+        </p:nvSpPr>
+        <p:spPr>
+          <a:xfrm>
+            <a:off x="609600" y="900114"/>
+            <a:ext cx="10972800" cy="1068387"/>
+          </a:xfrm>
+        </p:spPr>
+        <p:txBody>
+          <a:bodyPr wrap="square" anchor="ctr">
+            <a:normAutofit/>
+          </a:bodyPr>
+          <a:lstStyle/>
+          <a:p>
+            <a:r>
+              <a:rPr lang="en-US" dirty="0"/>
+              <a:t>Reactor Susceptibility</a:t>
+            </a:r>
+          </a:p>
+        </p:txBody>
+      </p:sp>
+      <p:sp>
+        <p:nvSpPr>
+          <p:cNvPr id="3" name="Content Placeholder 2">
+            <a:extLst>
+              <a:ext uri="{FF2B5EF4-FFF2-40B4-BE49-F238E27FC236}">
+                <a16:creationId xmlns:a16="http://schemas.microsoft.com/office/drawing/2014/main" id="{67899FF1-6DC6-F80B-3A91-932C12E560E3}"/>
+              </a:ext>
+            </a:extLst>
+          </p:cNvPr>
+          <p:cNvSpPr>
+            <a:spLocks noGrp="1"/>
+          </p:cNvSpPr>
+          <p:nvPr>
+            <p:ph sz="half" idx="1"/>
+          </p:nvPr>
+        </p:nvSpPr>
+        <p:spPr>
+          <a:xfrm>
+            <a:off x="609600" y="1968501"/>
+            <a:ext cx="5588000" cy="4157663"/>
+          </a:xfrm>
+        </p:spPr>
+        <p:txBody>
+          <a:bodyPr wrap="square" anchor="t">
+            <a:normAutofit lnSpcReduction="10000"/>
+          </a:bodyPr>
+          <a:lstStyle/>
+          <a:p>
+            <a:r>
+              <a:rPr lang="en-US" sz="1800" dirty="0"/>
+              <a:t>All current PWR, BWR and CANDU reactors utilize UO2 fuel, zirconium alloy cladding, and are water cooled</a:t>
+            </a:r>
+          </a:p>
+          <a:p>
+            <a:r>
+              <a:rPr lang="en-US" sz="1800" dirty="0"/>
+              <a:t>The degree of susceptibility of each reactor and fuel design to PCI rests on numerous design specifications</a:t>
+            </a:r>
+          </a:p>
+          <a:p>
+            <a:r>
+              <a:rPr lang="en-US" sz="1800" dirty="0"/>
+              <a:t>PWRs have smaller fuel diameters, BWRs have the thickest cladding</a:t>
+            </a:r>
+          </a:p>
+          <a:p>
+            <a:r>
+              <a:rPr lang="en-US" sz="1800" dirty="0"/>
+              <a:t>The geometric design has an influence on the stresses in the fuel and cladding</a:t>
+            </a:r>
+          </a:p>
+          <a:p>
+            <a:r>
+              <a:rPr lang="en-US" sz="1800" dirty="0"/>
+              <a:t>Linear power affects the temperature, which impacts a variety of other phenomena</a:t>
+            </a:r>
+          </a:p>
+          <a:p>
+            <a:r>
+              <a:rPr lang="en-US" sz="1800" dirty="0"/>
+              <a:t>Discharge burnup influences the inventory of fission products in the fuel/cladding interface</a:t>
+            </a:r>
+          </a:p>
+        </p:txBody>
+      </p:sp>
+      <p:pic>
+        <p:nvPicPr>
+          <p:cNvPr id="5" name="Picture 4">
+            <a:extLst>
+              <a:ext uri="{FF2B5EF4-FFF2-40B4-BE49-F238E27FC236}">
+                <a16:creationId xmlns:a16="http://schemas.microsoft.com/office/drawing/2014/main" id="{31EA8CF3-43C2-874B-9F3E-223061419146}"/>
+              </a:ext>
+            </a:extLst>
+          </p:cNvPr>
+          <p:cNvPicPr>
+            <a:picLocks noChangeAspect="1"/>
+          </p:cNvPicPr>
+          <p:nvPr/>
+        </p:nvPicPr>
+        <p:blipFill>
+          <a:blip r:embed="rId2"/>
+          <a:stretch>
+            <a:fillRect/>
+          </a:stretch>
+        </p:blipFill>
+        <p:spPr>
+          <a:xfrm>
+            <a:off x="6197600" y="2574037"/>
+            <a:ext cx="5987056" cy="2574433"/>
+          </a:xfrm>
+          <a:prstGeom prst="rect">
+            <a:avLst/>
+          </a:prstGeom>
+          <a:noFill/>
+        </p:spPr>
+      </p:pic>
+      <p:sp>
+        <p:nvSpPr>
+          <p:cNvPr id="4" name="Slide Number Placeholder 3">
+            <a:extLst>
+              <a:ext uri="{FF2B5EF4-FFF2-40B4-BE49-F238E27FC236}">
+                <a16:creationId xmlns:a16="http://schemas.microsoft.com/office/drawing/2014/main" id="{197DE1D3-18CC-90BA-32F2-D50B58B17206}"/>
+              </a:ext>
+            </a:extLst>
+          </p:cNvPr>
+          <p:cNvSpPr>
+            <a:spLocks noGrp="1"/>
+          </p:cNvSpPr>
+          <p:nvPr>
+            <p:ph type="sldNum" sz="quarter" idx="12"/>
+          </p:nvPr>
+        </p:nvSpPr>
+        <p:spPr>
+          <a:xfrm>
+            <a:off x="8737600" y="6356351"/>
+            <a:ext cx="2844800" cy="365125"/>
+          </a:xfrm>
+        </p:spPr>
+        <p:txBody>
+          <a:bodyPr anchor="ctr">
+            <a:normAutofit/>
+          </a:bodyPr>
+          <a:lstStyle/>
+          <a:p>
+            <a:pPr marL="0" marR="0" lvl="0" indent="0" algn="r" defTabSz="914400" rtl="0" eaLnBrk="1" fontAlgn="auto" latinLnBrk="0" hangingPunct="1">
+              <a:lnSpc>
+                <a:spcPct val="100000"/>
+              </a:lnSpc>
+              <a:spcBef>
+                <a:spcPts val="0"/>
+              </a:spcBef>
+              <a:spcAft>
+                <a:spcPts val="600"/>
+              </a:spcAft>
+              <a:buClrTx/>
+              <a:buSzTx/>
+              <a:buFontTx/>
+              <a:buNone/>
+              <a:tabLst/>
+              <a:defRPr/>
+            </a:pPr>
+            <a:fld id="{3FF2C605-4958-CF43-AA48-80339EFDB0AF}" type="slidenum">
+              <a:rPr kumimoji="0" lang="en-US" sz="1200" b="0" i="0" u="none" strike="noStrike" kern="1200" cap="none" spc="0" normalizeH="0" baseline="0" noProof="0" smtClean="0">
+                <a:ln>
+                  <a:noFill/>
+                </a:ln>
+                <a:solidFill>
+                  <a:prstClr val="black">
+                    <a:tint val="75000"/>
+                  </a:prstClr>
+                </a:solidFill>
+                <a:effectLst/>
+                <a:uLnTx/>
+                <a:uFillTx/>
+                <a:latin typeface="Calibri"/>
+                <a:ea typeface="+mn-ea"/>
+                <a:cs typeface="+mn-cs"/>
+              </a:rPr>
+              <a:pPr marL="0" marR="0" lvl="0" indent="0" algn="r" defTabSz="914400" rtl="0" eaLnBrk="1" fontAlgn="auto" latinLnBrk="0" hangingPunct="1">
+                <a:lnSpc>
+                  <a:spcPct val="100000"/>
+                </a:lnSpc>
+                <a:spcBef>
+                  <a:spcPts val="0"/>
+                </a:spcBef>
+                <a:spcAft>
+                  <a:spcPts val="600"/>
+                </a:spcAft>
+                <a:buClrTx/>
+                <a:buSzTx/>
+                <a:buFontTx/>
+                <a:buNone/>
+                <a:tabLst/>
+                <a:defRPr/>
+              </a:pPr>
+              <a:t>24</a:t>
+            </a:fld>
+            <a:endParaRPr kumimoji="0" lang="en-US" sz="1200" b="0" i="0" u="none" strike="noStrike" kern="1200" cap="none" spc="0" normalizeH="0" baseline="0" noProof="0">
+              <a:ln>
+                <a:noFill/>
+              </a:ln>
+              <a:solidFill>
+                <a:prstClr val="black">
+                  <a:tint val="75000"/>
+                </a:prstClr>
+              </a:solidFill>
+              <a:effectLst/>
+              <a:uLnTx/>
+              <a:uFillTx/>
+              <a:latin typeface="Calibri"/>
+              <a:ea typeface="+mn-ea"/>
+              <a:cs typeface="+mn-cs"/>
+            </a:endParaRPr>
+          </a:p>
+        </p:txBody>
+      </p:sp>
+    </p:spTree>
+    <p:extLst>
+      <p:ext uri="{BB962C8B-B14F-4D97-AF65-F5344CB8AC3E}">
+        <p14:creationId xmlns:p14="http://schemas.microsoft.com/office/powerpoint/2010/main" val="1495660091"/>
+      </p:ext>
+    </p:extLst>
+  </p:cSld>
+  <p:clrMapOvr>
+    <a:masterClrMapping/>
+  </p:clrMapOvr>
+</p:sld>
+</file>
+
+<file path=ppt/slides/slide25.xml><?xml version="1.0" encoding="utf-8"?>
+<p:sld xmlns:a="http://schemas.openxmlformats.org/drawingml/2006/main" xmlns:r="http://schemas.openxmlformats.org/officeDocument/2006/relationships" xmlns:p="http://schemas.openxmlformats.org/presentationml/2006/main">
+  <p:cSld>
+    <p:spTree>
+      <p:nvGrpSpPr>
+        <p:cNvPr id="1" name=""/>
+        <p:cNvGrpSpPr/>
+        <p:nvPr/>
+      </p:nvGrpSpPr>
+      <p:grpSpPr>
+        <a:xfrm>
+          <a:off x="0" y="0"/>
+          <a:ext cx="0" cy="0"/>
+          <a:chOff x="0" y="0"/>
+          <a:chExt cx="0" cy="0"/>
+        </a:xfrm>
+      </p:grpSpPr>
+      <p:sp>
+        <p:nvSpPr>
+          <p:cNvPr id="2" name="Title 1">
+            <a:extLst>
+              <a:ext uri="{FF2B5EF4-FFF2-40B4-BE49-F238E27FC236}">
+                <a16:creationId xmlns:a16="http://schemas.microsoft.com/office/drawing/2014/main" id="{C1A275EF-D507-1151-E20C-BADE1BA2FEE7}"/>
+              </a:ext>
+            </a:extLst>
+          </p:cNvPr>
+          <p:cNvSpPr>
+            <a:spLocks noGrp="1"/>
+          </p:cNvSpPr>
+          <p:nvPr>
+            <p:ph type="title"/>
+          </p:nvPr>
+        </p:nvSpPr>
+        <p:spPr/>
+        <p:txBody>
+          <a:bodyPr/>
+          <a:lstStyle/>
+          <a:p>
+            <a:r>
+              <a:rPr lang="en-US" dirty="0"/>
+              <a:t>Reactor Susceptibility</a:t>
+            </a:r>
+          </a:p>
+        </p:txBody>
+      </p:sp>
+      <p:sp>
+        <p:nvSpPr>
+          <p:cNvPr id="3" name="Content Placeholder 2">
+            <a:extLst>
+              <a:ext uri="{FF2B5EF4-FFF2-40B4-BE49-F238E27FC236}">
+                <a16:creationId xmlns:a16="http://schemas.microsoft.com/office/drawing/2014/main" id="{A97AA86B-72D0-F8D0-5D1E-9498576CCAA8}"/>
+              </a:ext>
+            </a:extLst>
+          </p:cNvPr>
+          <p:cNvSpPr>
+            <a:spLocks noGrp="1"/>
+          </p:cNvSpPr>
+          <p:nvPr>
+            <p:ph sz="half" idx="1"/>
+          </p:nvPr>
+        </p:nvSpPr>
+        <p:spPr/>
+        <p:txBody>
+          <a:bodyPr/>
+          <a:lstStyle/>
+          <a:p>
+            <a:r>
+              <a:rPr lang="en-US" sz="1800" dirty="0"/>
+              <a:t>In general, PCI failures are typically experienced (by any reactor) during a large change in power; thus, the manner in which power changes dictates to a large degree the likelihood of PCI failure</a:t>
+            </a:r>
+          </a:p>
+          <a:p>
+            <a:r>
+              <a:rPr lang="en-US" sz="1800" dirty="0"/>
+              <a:t>Unlike BWRs, the neutron flux in a PWR is not primarily controlled by the insertion and extraction of control rods during operation</a:t>
+            </a:r>
+          </a:p>
+          <a:p>
+            <a:r>
+              <a:rPr lang="en-US" sz="1800" dirty="0"/>
+              <a:t>Due to smoother control of reactivity and a lower linear power, PCI failures are significantly less frequent in PWRs than other major commercial power reactor designs</a:t>
+            </a:r>
+          </a:p>
+          <a:p>
+            <a:r>
+              <a:rPr lang="en-US" sz="1800" dirty="0"/>
+              <a:t>PCI failures are more of a concern in BWRs</a:t>
+            </a:r>
+          </a:p>
+          <a:p>
+            <a:endParaRPr lang="en-US" sz="1800" dirty="0"/>
+          </a:p>
+        </p:txBody>
+      </p:sp>
+      <p:sp>
+        <p:nvSpPr>
+          <p:cNvPr id="4" name="Content Placeholder 3">
+            <a:extLst>
+              <a:ext uri="{FF2B5EF4-FFF2-40B4-BE49-F238E27FC236}">
+                <a16:creationId xmlns:a16="http://schemas.microsoft.com/office/drawing/2014/main" id="{26FF7CCE-0AAC-C3AE-5239-3271E47306F9}"/>
+              </a:ext>
+            </a:extLst>
+          </p:cNvPr>
+          <p:cNvSpPr>
+            <a:spLocks noGrp="1"/>
+          </p:cNvSpPr>
+          <p:nvPr>
+            <p:ph sz="half" idx="2"/>
+          </p:nvPr>
+        </p:nvSpPr>
+        <p:spPr/>
+        <p:txBody>
+          <a:bodyPr/>
+          <a:lstStyle/>
+          <a:p>
+            <a:r>
+              <a:rPr lang="en-US" sz="1800" dirty="0"/>
+              <a:t>Control blade maneuvers in BWRs create local power transients that often lead to PCI failures in fuel rods adjacent to these blades</a:t>
+            </a:r>
+          </a:p>
+          <a:p>
+            <a:endParaRPr lang="en-US" sz="1800" dirty="0"/>
+          </a:p>
+        </p:txBody>
+      </p:sp>
+      <p:sp>
+        <p:nvSpPr>
+          <p:cNvPr id="5" name="Slide Number Placeholder 4">
+            <a:extLst>
+              <a:ext uri="{FF2B5EF4-FFF2-40B4-BE49-F238E27FC236}">
+                <a16:creationId xmlns:a16="http://schemas.microsoft.com/office/drawing/2014/main" id="{17496774-16C2-A1C1-9C78-3D357E8DB988}"/>
+              </a:ext>
+            </a:extLst>
+          </p:cNvPr>
+          <p:cNvSpPr>
+            <a:spLocks noGrp="1"/>
+          </p:cNvSpPr>
+          <p:nvPr>
+            <p:ph type="sldNum" sz="quarter" idx="12"/>
+          </p:nvPr>
+        </p:nvSpPr>
+        <p:spPr/>
+        <p:txBody>
+          <a:bodyPr/>
+          <a:lstStyle/>
+          <a:p>
+            <a:pPr marL="0" marR="0" lvl="0" indent="0" algn="r" defTabSz="914400" rtl="0" eaLnBrk="1" fontAlgn="auto" latinLnBrk="0" hangingPunct="1">
+              <a:lnSpc>
+                <a:spcPct val="100000"/>
+              </a:lnSpc>
+              <a:spcBef>
+                <a:spcPts val="0"/>
+              </a:spcBef>
+              <a:spcAft>
+                <a:spcPts val="0"/>
+              </a:spcAft>
+              <a:buClrTx/>
+              <a:buSzTx/>
+              <a:buFontTx/>
+              <a:buNone/>
+              <a:tabLst/>
+              <a:defRPr/>
+            </a:pPr>
+            <a:fld id="{EC35E9FC-F6D5-0349-BBED-EA7D7A9BC49B}" type="slidenum">
+              <a:rPr kumimoji="0" lang="en-US" sz="1200" b="0" i="0" u="none" strike="noStrike" kern="1200" cap="none" spc="0" normalizeH="0" baseline="0" noProof="0" smtClean="0">
+                <a:ln>
+                  <a:noFill/>
+                </a:ln>
+                <a:solidFill>
+                  <a:prstClr val="black">
+                    <a:tint val="75000"/>
+                  </a:prstClr>
+                </a:solidFill>
+                <a:effectLst/>
+                <a:uLnTx/>
+                <a:uFillTx/>
+                <a:latin typeface="Calibri"/>
+                <a:ea typeface="+mn-ea"/>
+                <a:cs typeface="+mn-cs"/>
+              </a:rPr>
+              <a:pPr marL="0" marR="0" lvl="0" indent="0" algn="r" defTabSz="914400" rtl="0" eaLnBrk="1" fontAlgn="auto" latinLnBrk="0" hangingPunct="1">
+                <a:lnSpc>
+                  <a:spcPct val="100000"/>
+                </a:lnSpc>
+                <a:spcBef>
+                  <a:spcPts val="0"/>
+                </a:spcBef>
+                <a:spcAft>
+                  <a:spcPts val="0"/>
+                </a:spcAft>
+                <a:buClrTx/>
+                <a:buSzTx/>
+                <a:buFontTx/>
+                <a:buNone/>
+                <a:tabLst/>
+                <a:defRPr/>
+              </a:pPr>
+              <a:t>25</a:t>
+            </a:fld>
+            <a:endParaRPr kumimoji="0" lang="en-US" sz="1200" b="0" i="0" u="none" strike="noStrike" kern="1200" cap="none" spc="0" normalizeH="0" baseline="0" noProof="0">
+              <a:ln>
+                <a:noFill/>
+              </a:ln>
+              <a:solidFill>
+                <a:prstClr val="black">
+                  <a:tint val="75000"/>
+                </a:prstClr>
+              </a:solidFill>
+              <a:effectLst/>
+              <a:uLnTx/>
+              <a:uFillTx/>
+              <a:latin typeface="Calibri"/>
+              <a:ea typeface="+mn-ea"/>
+              <a:cs typeface="+mn-cs"/>
+            </a:endParaRPr>
+          </a:p>
+        </p:txBody>
+      </p:sp>
+      <p:pic>
+        <p:nvPicPr>
+          <p:cNvPr id="6" name="Picture 5">
+            <a:extLst>
+              <a:ext uri="{FF2B5EF4-FFF2-40B4-BE49-F238E27FC236}">
+                <a16:creationId xmlns:a16="http://schemas.microsoft.com/office/drawing/2014/main" id="{237996D1-E163-3BAB-1271-B5D301D0F296}"/>
+              </a:ext>
+            </a:extLst>
+          </p:cNvPr>
+          <p:cNvPicPr>
+            <a:picLocks noChangeAspect="1"/>
+          </p:cNvPicPr>
+          <p:nvPr/>
+        </p:nvPicPr>
+        <p:blipFill>
+          <a:blip r:embed="rId2"/>
+          <a:stretch>
+            <a:fillRect/>
+          </a:stretch>
+        </p:blipFill>
+        <p:spPr>
+          <a:xfrm>
+            <a:off x="6900517" y="3036888"/>
+            <a:ext cx="3978965" cy="2917908"/>
+          </a:xfrm>
+          <a:prstGeom prst="rect">
+            <a:avLst/>
+          </a:prstGeom>
+        </p:spPr>
+      </p:pic>
+      <p:sp>
+        <p:nvSpPr>
+          <p:cNvPr id="8" name="TextBox 7">
+            <a:extLst>
+              <a:ext uri="{FF2B5EF4-FFF2-40B4-BE49-F238E27FC236}">
+                <a16:creationId xmlns:a16="http://schemas.microsoft.com/office/drawing/2014/main" id="{AC01F94F-EE6B-3484-AFC7-243D285E1758}"/>
+              </a:ext>
+            </a:extLst>
+          </p:cNvPr>
+          <p:cNvSpPr txBox="1"/>
+          <p:nvPr/>
+        </p:nvSpPr>
+        <p:spPr>
+          <a:xfrm>
+            <a:off x="6197600" y="5954796"/>
+            <a:ext cx="5588828" cy="261610"/>
+          </a:xfrm>
+          <a:prstGeom prst="rect">
+            <a:avLst/>
+          </a:prstGeom>
+          <a:noFill/>
+        </p:spPr>
+        <p:txBody>
+          <a:bodyPr wrap="square">
+            <a:spAutoFit/>
+          </a:bodyPr>
+          <a:lstStyle/>
+          <a:p>
+            <a:pPr marL="0" marR="0" lvl="0" indent="0" algn="ctr" defTabSz="914400" rtl="0" eaLnBrk="1" fontAlgn="auto" latinLnBrk="0" hangingPunct="1">
+              <a:lnSpc>
+                <a:spcPct val="100000"/>
+              </a:lnSpc>
+              <a:spcBef>
+                <a:spcPts val="0"/>
+              </a:spcBef>
+              <a:spcAft>
+                <a:spcPts val="0"/>
+              </a:spcAft>
+              <a:buClrTx/>
+              <a:buSzTx/>
+              <a:buFontTx/>
+              <a:buNone/>
+              <a:tabLst/>
+              <a:defRPr/>
+            </a:pPr>
+            <a:r>
+              <a:rPr kumimoji="0" lang="en-US" sz="1100" b="0" i="0" u="none" strike="noStrike" kern="1200" cap="none" spc="0" normalizeH="0" baseline="0" noProof="0" dirty="0">
+                <a:ln>
+                  <a:noFill/>
+                </a:ln>
+                <a:solidFill>
+                  <a:prstClr val="black"/>
+                </a:solidFill>
+                <a:effectLst/>
+                <a:uLnTx/>
+                <a:uFillTx/>
+                <a:latin typeface="Helvetica" pitchFamily="2" charset="0"/>
+                <a:ea typeface="+mn-ea"/>
+                <a:cs typeface="+mn-cs"/>
+              </a:rPr>
+              <a:t>The change in LHR resulting from the successive removal of three control rod blades</a:t>
+            </a:r>
+          </a:p>
+        </p:txBody>
+      </p:sp>
+    </p:spTree>
+    <p:extLst>
+      <p:ext uri="{BB962C8B-B14F-4D97-AF65-F5344CB8AC3E}">
+        <p14:creationId xmlns:p14="http://schemas.microsoft.com/office/powerpoint/2010/main" val="105253351"/>
+      </p:ext>
+    </p:extLst>
+  </p:cSld>
+  <p:clrMapOvr>
+    <a:masterClrMapping/>
+  </p:clrMapOvr>
+</p:sld>
+</file>
+
+<file path=ppt/slides/slide3.xml><?xml version="1.0" encoding="utf-8"?>
+<p:sld xmlns:a="http://schemas.openxmlformats.org/drawingml/2006/main" xmlns:r="http://schemas.openxmlformats.org/officeDocument/2006/relationships" xmlns:p="http://schemas.openxmlformats.org/presentationml/2006/main">
+  <p:cSld>
+    <p:spTree>
+      <p:nvGrpSpPr>
+        <p:cNvPr id="1" name="">
+          <a:extLst>
+            <a:ext uri="{FF2B5EF4-FFF2-40B4-BE49-F238E27FC236}">
+              <a16:creationId xmlns:a16="http://schemas.microsoft.com/office/drawing/2014/main" id="{84A8B12A-16A3-771C-F41C-DBC0A5159BDB}"/>
+            </a:ext>
+          </a:extLst>
+        </p:cNvPr>
+        <p:cNvGrpSpPr/>
+        <p:nvPr/>
+      </p:nvGrpSpPr>
+      <p:grpSpPr>
+        <a:xfrm>
+          <a:off x="0" y="0"/>
+          <a:ext cx="0" cy="0"/>
+          <a:chOff x="0" y="0"/>
+          <a:chExt cx="0" cy="0"/>
+        </a:xfrm>
+      </p:grpSpPr>
+      <p:sp>
+        <p:nvSpPr>
+          <p:cNvPr id="2" name="Title 1">
+            <a:extLst>
+              <a:ext uri="{FF2B5EF4-FFF2-40B4-BE49-F238E27FC236}">
+                <a16:creationId xmlns:a16="http://schemas.microsoft.com/office/drawing/2014/main" id="{F0EE8955-F140-772A-3299-79D2581D79AD}"/>
+              </a:ext>
+            </a:extLst>
+          </p:cNvPr>
+          <p:cNvSpPr>
+            <a:spLocks noGrp="1"/>
+          </p:cNvSpPr>
+          <p:nvPr>
+            <p:ph type="title"/>
+          </p:nvPr>
+        </p:nvSpPr>
+        <p:spPr/>
+        <p:txBody>
+          <a:bodyPr/>
+          <a:lstStyle/>
+          <a:p>
+            <a:pPr algn="l"/>
+            <a:r>
+              <a:rPr lang="en-US" dirty="0"/>
+              <a:t>MOOSE Part 3 Writeup</a:t>
+            </a:r>
+          </a:p>
+        </p:txBody>
+      </p:sp>
+      <p:sp>
+        <p:nvSpPr>
+          <p:cNvPr id="3" name="Content Placeholder 2">
+            <a:extLst>
+              <a:ext uri="{FF2B5EF4-FFF2-40B4-BE49-F238E27FC236}">
+                <a16:creationId xmlns:a16="http://schemas.microsoft.com/office/drawing/2014/main" id="{F3FB7502-5F80-05D6-0320-653A9DFC19C0}"/>
+              </a:ext>
+            </a:extLst>
+          </p:cNvPr>
+          <p:cNvSpPr>
+            <a:spLocks noGrp="1"/>
+          </p:cNvSpPr>
+          <p:nvPr>
+            <p:ph idx="1"/>
+          </p:nvPr>
+        </p:nvSpPr>
+        <p:spPr/>
+        <p:txBody>
+          <a:bodyPr/>
+          <a:lstStyle/>
+          <a:p>
+            <a:pPr>
+              <a:spcBef>
+                <a:spcPts val="600"/>
+              </a:spcBef>
+            </a:pPr>
+            <a:r>
+              <a:rPr lang="en-US" dirty="0"/>
+              <a:t>Will upload input and output files to Moodle</a:t>
+            </a:r>
+          </a:p>
+          <a:p>
+            <a:r>
+              <a:rPr lang="en-US" dirty="0"/>
+              <a:t>Write up with deliverables from Part 1, 2, 3, choice of materials, mesh, details therein, etc. </a:t>
+            </a:r>
+          </a:p>
+          <a:p>
+            <a:r>
+              <a:rPr lang="en-US" dirty="0"/>
+              <a:t>Expected to have fixed any issues with Part 1/2 </a:t>
+            </a:r>
+          </a:p>
+          <a:p>
+            <a:r>
+              <a:rPr lang="en-US" dirty="0"/>
+              <a:t>Part 3 writeup max of 12 pages</a:t>
+            </a:r>
+          </a:p>
+          <a:p>
+            <a:r>
+              <a:rPr lang="en-US" dirty="0"/>
+              <a:t>Due April 24 at 11:59pm</a:t>
+            </a:r>
+          </a:p>
+          <a:p>
+            <a:endParaRPr lang="en-US" dirty="0"/>
+          </a:p>
+        </p:txBody>
+      </p:sp>
+      <p:sp>
+        <p:nvSpPr>
+          <p:cNvPr id="4" name="Slide Number Placeholder 3">
+            <a:extLst>
+              <a:ext uri="{FF2B5EF4-FFF2-40B4-BE49-F238E27FC236}">
+                <a16:creationId xmlns:a16="http://schemas.microsoft.com/office/drawing/2014/main" id="{BBEC51AF-A167-6717-3A24-771809C695D0}"/>
+              </a:ext>
+            </a:extLst>
+          </p:cNvPr>
+          <p:cNvSpPr>
+            <a:spLocks noGrp="1"/>
+          </p:cNvSpPr>
+          <p:nvPr>
+            <p:ph type="sldNum" sz="quarter" idx="12"/>
+          </p:nvPr>
+        </p:nvSpPr>
+        <p:spPr/>
+        <p:txBody>
+          <a:bodyPr/>
+          <a:lstStyle/>
+          <a:p>
+            <a:pPr marL="0" marR="0" lvl="0" indent="0" algn="r" defTabSz="914400" rtl="0" eaLnBrk="1" fontAlgn="auto" latinLnBrk="0" hangingPunct="1">
+              <a:lnSpc>
+                <a:spcPct val="100000"/>
+              </a:lnSpc>
+              <a:spcBef>
+                <a:spcPts val="0"/>
+              </a:spcBef>
+              <a:spcAft>
+                <a:spcPts val="0"/>
+              </a:spcAft>
+              <a:buClrTx/>
+              <a:buSzTx/>
+              <a:buFontTx/>
+              <a:buNone/>
+              <a:tabLst/>
+              <a:defRPr/>
+            </a:pPr>
+            <a:fld id="{3FF2C605-4958-CF43-AA48-80339EFDB0AF}" type="slidenum">
+              <a:rPr kumimoji="0" lang="en-US" sz="1200" b="0" i="0" u="none" strike="noStrike" kern="1200" cap="none" spc="0" normalizeH="0" baseline="0" noProof="0" smtClean="0">
+                <a:ln>
+                  <a:noFill/>
+                </a:ln>
+                <a:solidFill>
+                  <a:prstClr val="black">
+                    <a:tint val="75000"/>
+                  </a:prstClr>
+                </a:solidFill>
+                <a:effectLst/>
+                <a:uLnTx/>
+                <a:uFillTx/>
+                <a:latin typeface="Calibri"/>
+                <a:ea typeface="+mn-ea"/>
+                <a:cs typeface="+mn-cs"/>
+              </a:rPr>
+              <a:pPr marL="0" marR="0" lvl="0" indent="0" algn="r" defTabSz="914400" rtl="0" eaLnBrk="1" fontAlgn="auto" latinLnBrk="0" hangingPunct="1">
+                <a:lnSpc>
+                  <a:spcPct val="100000"/>
+                </a:lnSpc>
+                <a:spcBef>
+                  <a:spcPts val="0"/>
+                </a:spcBef>
+                <a:spcAft>
+                  <a:spcPts val="0"/>
+                </a:spcAft>
+                <a:buClrTx/>
+                <a:buSzTx/>
+                <a:buFontTx/>
+                <a:buNone/>
+                <a:tabLst/>
+                <a:defRPr/>
+              </a:pPr>
+              <a:t>3</a:t>
+            </a:fld>
+            <a:endParaRPr kumimoji="0" lang="en-US" sz="1200" b="0" i="0" u="none" strike="noStrike" kern="1200" cap="none" spc="0" normalizeH="0" baseline="0" noProof="0">
+              <a:ln>
+                <a:noFill/>
+              </a:ln>
+              <a:solidFill>
+                <a:prstClr val="black">
+                  <a:tint val="75000"/>
+                </a:prstClr>
+              </a:solidFill>
+              <a:effectLst/>
+              <a:uLnTx/>
+              <a:uFillTx/>
+              <a:latin typeface="Calibri"/>
+              <a:ea typeface="+mn-ea"/>
+              <a:cs typeface="+mn-cs"/>
+            </a:endParaRPr>
+          </a:p>
+        </p:txBody>
+      </p:sp>
+    </p:spTree>
+    <p:extLst>
+      <p:ext uri="{BB962C8B-B14F-4D97-AF65-F5344CB8AC3E}">
+        <p14:creationId xmlns:p14="http://schemas.microsoft.com/office/powerpoint/2010/main" val="2452201381"/>
+      </p:ext>
+    </p:extLst>
+  </p:cSld>
+  <p:clrMapOvr>
+    <a:masterClrMapping/>
+  </p:clrMapOvr>
+</p:sld>
+</file>
+
+<file path=ppt/slides/slide4.xml><?xml version="1.0" encoding="utf-8"?>
+<p:sld xmlns:a="http://schemas.openxmlformats.org/drawingml/2006/main" xmlns:r="http://schemas.openxmlformats.org/officeDocument/2006/relationships" xmlns:p="http://schemas.openxmlformats.org/presentationml/2006/main">
+  <p:cSld>
+    <p:spTree>
+      <p:nvGrpSpPr>
+        <p:cNvPr id="1" name=""/>
+        <p:cNvGrpSpPr/>
+        <p:nvPr/>
+      </p:nvGrpSpPr>
+      <p:grpSpPr>
+        <a:xfrm>
+          <a:off x="0" y="0"/>
+          <a:ext cx="0" cy="0"/>
+          <a:chOff x="0" y="0"/>
+          <a:chExt cx="0" cy="0"/>
+        </a:xfrm>
+      </p:grpSpPr>
+      <p:sp>
+        <p:nvSpPr>
+          <p:cNvPr id="2" name="Title 1">
+            <a:extLst>
+              <a:ext uri="{FF2B5EF4-FFF2-40B4-BE49-F238E27FC236}">
+                <a16:creationId xmlns:a16="http://schemas.microsoft.com/office/drawing/2014/main" id="{91C669C3-7586-8D5D-5213-3EAA1F236DA8}"/>
+              </a:ext>
+            </a:extLst>
+          </p:cNvPr>
+          <p:cNvSpPr>
+            <a:spLocks noGrp="1"/>
+          </p:cNvSpPr>
+          <p:nvPr>
+            <p:ph type="title"/>
+          </p:nvPr>
+        </p:nvSpPr>
+        <p:spPr/>
+        <p:txBody>
+          <a:bodyPr/>
+          <a:lstStyle/>
+          <a:p>
+            <a:r>
+              <a:rPr lang="en-US" dirty="0"/>
+              <a:t>Last Time</a:t>
+            </a:r>
+          </a:p>
+        </p:txBody>
+      </p:sp>
+      <p:sp>
+        <p:nvSpPr>
+          <p:cNvPr id="3" name="Content Placeholder 2">
+            <a:extLst>
+              <a:ext uri="{FF2B5EF4-FFF2-40B4-BE49-F238E27FC236}">
+                <a16:creationId xmlns:a16="http://schemas.microsoft.com/office/drawing/2014/main" id="{89B496EA-2615-5D83-73E6-1093C95A8AF1}"/>
+              </a:ext>
+            </a:extLst>
+          </p:cNvPr>
+          <p:cNvSpPr>
+            <a:spLocks noGrp="1"/>
+          </p:cNvSpPr>
+          <p:nvPr>
+            <p:ph idx="1"/>
+          </p:nvPr>
+        </p:nvSpPr>
+        <p:spPr>
+          <a:xfrm>
+            <a:off x="609600" y="1868395"/>
+            <a:ext cx="10972800" cy="3965670"/>
+          </a:xfrm>
+        </p:spPr>
+        <p:txBody>
+          <a:bodyPr/>
+          <a:lstStyle/>
+          <a:p>
+            <a:r>
+              <a:rPr lang="en-US" sz="2000" dirty="0"/>
+              <a:t>Zircaloy creep equations</a:t>
+            </a:r>
+          </a:p>
+          <a:p>
+            <a:r>
+              <a:rPr lang="en-US" sz="2000" dirty="0"/>
+              <a:t>Zircaloy cladding creep over time</a:t>
+            </a:r>
+          </a:p>
+          <a:p>
+            <a:pPr lvl="1"/>
+            <a:r>
+              <a:rPr lang="en-US" sz="2000" dirty="0"/>
+              <a:t>creeps down due to water pressure, reduces gap, elongates</a:t>
+            </a:r>
+          </a:p>
+          <a:p>
+            <a:pPr lvl="1"/>
+            <a:r>
+              <a:rPr lang="en-US" sz="2000" dirty="0"/>
+              <a:t>creeps out due to fuel expansion, shortens</a:t>
+            </a:r>
+          </a:p>
+          <a:p>
+            <a:r>
+              <a:rPr lang="en-US" sz="2000" dirty="0"/>
+              <a:t>Zr mechanical properties sensitive to radiation</a:t>
+            </a:r>
+          </a:p>
+          <a:p>
+            <a:r>
+              <a:rPr lang="en-US" sz="2000" dirty="0"/>
+              <a:t>Dislocation channel cleaning leads to plasticity in highly irradiation Zr</a:t>
+            </a:r>
+          </a:p>
+          <a:p>
+            <a:r>
+              <a:rPr lang="en-US" sz="2000" dirty="0"/>
+              <a:t>PCMI can lead to SCC</a:t>
+            </a:r>
+          </a:p>
+          <a:p>
+            <a:pPr lvl="1"/>
+            <a:r>
+              <a:rPr lang="en-US" sz="2000" dirty="0"/>
+              <a:t>A corrosive environment, a susceptible material, sufficient stress, and sufficient time</a:t>
+            </a:r>
+          </a:p>
+          <a:p>
+            <a:r>
+              <a:rPr lang="en-US" sz="2000" dirty="0"/>
+              <a:t>Talked through the basics of the corrosive environment</a:t>
+            </a:r>
+          </a:p>
+        </p:txBody>
+      </p:sp>
+      <p:sp>
+        <p:nvSpPr>
+          <p:cNvPr id="4" name="Slide Number Placeholder 3">
+            <a:extLst>
+              <a:ext uri="{FF2B5EF4-FFF2-40B4-BE49-F238E27FC236}">
+                <a16:creationId xmlns:a16="http://schemas.microsoft.com/office/drawing/2014/main" id="{3B8FB79D-3C0F-B3AC-A960-0918542F0779}"/>
+              </a:ext>
+            </a:extLst>
+          </p:cNvPr>
+          <p:cNvSpPr>
+            <a:spLocks noGrp="1"/>
+          </p:cNvSpPr>
+          <p:nvPr>
+            <p:ph type="sldNum" sz="quarter" idx="12"/>
+          </p:nvPr>
+        </p:nvSpPr>
+        <p:spPr/>
+        <p:txBody>
+          <a:bodyPr/>
+          <a:lstStyle/>
+          <a:p>
+            <a:pPr>
+              <a:defRPr/>
+            </a:pPr>
+            <a:fld id="{3FF2C605-4958-CF43-AA48-80339EFDB0AF}" type="slidenum">
+              <a:rPr lang="en-US" smtClean="0"/>
+              <a:pPr>
+                <a:defRPr/>
+              </a:pPr>
+              <a:t>4</a:t>
+            </a:fld>
+            <a:endParaRPr lang="en-US"/>
+          </a:p>
+        </p:txBody>
+      </p:sp>
+    </p:spTree>
+    <p:extLst>
+      <p:ext uri="{BB962C8B-B14F-4D97-AF65-F5344CB8AC3E}">
+        <p14:creationId xmlns:p14="http://schemas.microsoft.com/office/powerpoint/2010/main" val="96840934"/>
+      </p:ext>
+    </p:extLst>
+  </p:cSld>
+  <p:clrMapOvr>
+    <a:masterClrMapping/>
+  </p:clrMapOvr>
+  <p:timing>
+    <p:tnLst>
+      <p:par>
+        <p:cTn id="1" dur="indefinite" restart="never" nodeType="tmRoot">
+          <p:childTnLst>
+            <p:seq concurrent="1" nextAc="seek">
+              <p:cTn id="2" dur="indefinite" nodeType="mainSeq">
+                <p:childTnLst>
+                  <p:par>
+                    <p:cTn id="3" fill="hold">
+                      <p:stCondLst>
+                        <p:cond delay="indefinite"/>
+                      </p:stCondLst>
+                      <p:childTnLst>
+                        <p:par>
+                          <p:cTn id="4" fill="hold">
+                            <p:stCondLst>
+                              <p:cond delay="0"/>
+                            </p:stCondLst>
+                            <p:childTnLst>
+                              <p:par>
+                                <p:cTn id="5" presetID="1" presetClass="entr" presetSubtype="0" fill="hold" nodeType="clickEffect">
+                                  <p:stCondLst>
+                                    <p:cond delay="0"/>
+                                  </p:stCondLst>
+                                  <p:childTnLst>
+                                    <p:set>
+                                      <p:cBhvr>
+                                        <p:cTn id="6" dur="1" fill="hold">
+                                          <p:stCondLst>
+                                            <p:cond delay="0"/>
+                                          </p:stCondLst>
+                                        </p:cTn>
+                                        <p:tgtEl>
+                                          <p:spTgt spid="3">
+                                            <p:txEl>
+                                              <p:pRg st="2" end="2"/>
+                                            </p:txEl>
+                                          </p:spTgt>
+                                        </p:tgtEl>
+                                        <p:attrNameLst>
+                                          <p:attrName>style.visibility</p:attrName>
+                                        </p:attrNameLst>
+                                      </p:cBhvr>
+                                      <p:to>
+                                        <p:strVal val="visible"/>
+                                      </p:to>
+                                    </p:set>
+                                  </p:childTnLst>
+                                </p:cTn>
+                              </p:par>
+                              <p:par>
+                                <p:cTn id="7" presetID="1" presetClass="entr" presetSubtype="0" fill="hold" nodeType="withEffect">
+                                  <p:stCondLst>
+                                    <p:cond delay="0"/>
+                                  </p:stCondLst>
+                                  <p:childTnLst>
+                                    <p:set>
+                                      <p:cBhvr>
+                                        <p:cTn id="8" dur="1" fill="hold">
+                                          <p:stCondLst>
+                                            <p:cond delay="0"/>
+                                          </p:stCondLst>
+                                        </p:cTn>
+                                        <p:tgtEl>
+                                          <p:spTgt spid="3">
+                                            <p:txEl>
+                                              <p:pRg st="3" end="3"/>
+                                            </p:txEl>
+                                          </p:spTgt>
+                                        </p:tgtEl>
+                                        <p:attrNameLst>
+                                          <p:attrName>style.visibility</p:attrName>
+                                        </p:attrNameLst>
+                                      </p:cBhvr>
+                                      <p:to>
+                                        <p:strVal val="visible"/>
+                                      </p:to>
+                                    </p:set>
+                                  </p:childTnLst>
+                                </p:cTn>
+                              </p:par>
+                            </p:childTnLst>
+                          </p:cTn>
+                        </p:par>
+                      </p:childTnLst>
+                    </p:cTn>
+                  </p:par>
+                  <p:par>
+                    <p:cTn id="9" fill="hold">
+                      <p:stCondLst>
+                        <p:cond delay="indefinite"/>
+                      </p:stCondLst>
+                      <p:childTnLst>
+                        <p:par>
+                          <p:cTn id="10" fill="hold">
+                            <p:stCondLst>
+                              <p:cond delay="0"/>
+                            </p:stCondLst>
+                            <p:childTnLst>
+                              <p:par>
+                                <p:cTn id="11" presetID="1" presetClass="entr" presetSubtype="0" fill="hold" nodeType="clickEffect">
+                                  <p:stCondLst>
+                                    <p:cond delay="0"/>
+                                  </p:stCondLst>
+                                  <p:childTnLst>
+                                    <p:set>
+                                      <p:cBhvr>
+                                        <p:cTn id="12" dur="1" fill="hold">
+                                          <p:stCondLst>
+                                            <p:cond delay="0"/>
+                                          </p:stCondLst>
+                                        </p:cTn>
+                                        <p:tgtEl>
+                                          <p:spTgt spid="3">
+                                            <p:txEl>
+                                              <p:pRg st="4" end="4"/>
+                                            </p:txEl>
+                                          </p:spTgt>
+                                        </p:tgtEl>
+                                        <p:attrNameLst>
+                                          <p:attrName>style.visibility</p:attrName>
+                                        </p:attrNameLst>
+                                      </p:cBhvr>
+                                      <p:to>
+                                        <p:strVal val="visible"/>
+                                      </p:to>
+                                    </p:set>
+                                  </p:childTnLst>
+                                </p:cTn>
+                              </p:par>
+                            </p:childTnLst>
+                          </p:cTn>
+                        </p:par>
+                      </p:childTnLst>
+                    </p:cTn>
+                  </p:par>
+                  <p:par>
+                    <p:cTn id="13" fill="hold">
+                      <p:stCondLst>
+                        <p:cond delay="indefinite"/>
+                      </p:stCondLst>
+                      <p:childTnLst>
+                        <p:par>
+                          <p:cTn id="14" fill="hold">
+                            <p:stCondLst>
+                              <p:cond delay="0"/>
+                            </p:stCondLst>
+                            <p:childTnLst>
+                              <p:par>
+                                <p:cTn id="15" presetID="1" presetClass="entr" presetSubtype="0" fill="hold" nodeType="clickEffect">
+                                  <p:stCondLst>
+                                    <p:cond delay="0"/>
+                                  </p:stCondLst>
+                                  <p:childTnLst>
+                                    <p:set>
+                                      <p:cBhvr>
+                                        <p:cTn id="16" dur="1" fill="hold">
+                                          <p:stCondLst>
+                                            <p:cond delay="0"/>
+                                          </p:stCondLst>
+                                        </p:cTn>
+                                        <p:tgtEl>
+                                          <p:spTgt spid="3">
+                                            <p:txEl>
+                                              <p:pRg st="5" end="5"/>
+                                            </p:txEl>
+                                          </p:spTgt>
+                                        </p:tgtEl>
+                                        <p:attrNameLst>
+                                          <p:attrName>style.visibility</p:attrName>
+                                        </p:attrNameLst>
+                                      </p:cBhvr>
+                                      <p:to>
+                                        <p:strVal val="visible"/>
+                                      </p:to>
+                                    </p:set>
+                                  </p:childTnLst>
+                                </p:cTn>
+                              </p:par>
+                            </p:childTnLst>
+                          </p:cTn>
+                        </p:par>
+                      </p:childTnLst>
+                    </p:cTn>
+                  </p:par>
+                  <p:par>
+                    <p:cTn id="17" fill="hold">
+                      <p:stCondLst>
+                        <p:cond delay="indefinite"/>
+                      </p:stCondLst>
+                      <p:childTnLst>
+                        <p:par>
+                          <p:cTn id="18" fill="hold">
+                            <p:stCondLst>
+                              <p:cond delay="0"/>
+                            </p:stCondLst>
+                            <p:childTnLst>
+                              <p:par>
+                                <p:cTn id="19" presetID="1" presetClass="entr" presetSubtype="0" fill="hold" nodeType="clickEffect">
+                                  <p:stCondLst>
+                                    <p:cond delay="0"/>
+                                  </p:stCondLst>
+                                  <p:childTnLst>
+                                    <p:set>
+                                      <p:cBhvr>
+                                        <p:cTn id="20" dur="1" fill="hold">
+                                          <p:stCondLst>
+                                            <p:cond delay="0"/>
+                                          </p:stCondLst>
+                                        </p:cTn>
+                                        <p:tgtEl>
+                                          <p:spTgt spid="3">
+                                            <p:txEl>
+                                              <p:pRg st="6" end="6"/>
+                                            </p:txEl>
+                                          </p:spTgt>
+                                        </p:tgtEl>
+                                        <p:attrNameLst>
+                                          <p:attrName>style.visibility</p:attrName>
+                                        </p:attrNameLst>
+                                      </p:cBhvr>
+                                      <p:to>
+                                        <p:strVal val="visible"/>
+                                      </p:to>
+                                    </p:set>
+                                  </p:childTnLst>
+                                </p:cTn>
+                              </p:par>
+                            </p:childTnLst>
+                          </p:cTn>
+                        </p:par>
+                      </p:childTnLst>
+                    </p:cTn>
+                  </p:par>
+                  <p:par>
+                    <p:cTn id="21" fill="hold">
+                      <p:stCondLst>
+                        <p:cond delay="indefinite"/>
+                      </p:stCondLst>
+                      <p:childTnLst>
+                        <p:par>
+                          <p:cTn id="22" fill="hold">
+                            <p:stCondLst>
+                              <p:cond delay="0"/>
+                            </p:stCondLst>
+                            <p:childTnLst>
+                              <p:par>
+                                <p:cTn id="23" presetID="1" presetClass="entr" presetSubtype="0" fill="hold" nodeType="clickEffect">
+                                  <p:stCondLst>
+                                    <p:cond delay="0"/>
+                                  </p:stCondLst>
+                                  <p:childTnLst>
+                                    <p:set>
+                                      <p:cBhvr>
+                                        <p:cTn id="24" dur="1" fill="hold">
+                                          <p:stCondLst>
+                                            <p:cond delay="0"/>
+                                          </p:stCondLst>
+                                        </p:cTn>
+                                        <p:tgtEl>
+                                          <p:spTgt spid="3">
+                                            <p:txEl>
+                                              <p:pRg st="7" end="7"/>
+                                            </p:txEl>
+                                          </p:spTgt>
+                                        </p:tgtEl>
+                                        <p:attrNameLst>
+                                          <p:attrName>style.visibility</p:attrName>
+                                        </p:attrNameLst>
+                                      </p:cBhvr>
+                                      <p:to>
+                                        <p:strVal val="visible"/>
+                                      </p:to>
+                                    </p:set>
+                                  </p:childTnLst>
+                                </p:cTn>
+                              </p:par>
+                            </p:childTnLst>
+                          </p:cTn>
+                        </p:par>
+                      </p:childTnLst>
+                    </p:cTn>
+                  </p:par>
+                  <p:par>
+                    <p:cTn id="25" fill="hold">
+                      <p:stCondLst>
+                        <p:cond delay="indefinite"/>
+                      </p:stCondLst>
+                      <p:childTnLst>
+                        <p:par>
+                          <p:cTn id="26" fill="hold">
+                            <p:stCondLst>
+                              <p:cond delay="0"/>
+                            </p:stCondLst>
+                            <p:childTnLst>
+                              <p:par>
+                                <p:cTn id="27" presetID="1" presetClass="entr" presetSubtype="0" fill="hold" nodeType="clickEffect">
+                                  <p:stCondLst>
+                                    <p:cond delay="0"/>
+                                  </p:stCondLst>
+                                  <p:childTnLst>
+                                    <p:set>
+                                      <p:cBhvr>
+                                        <p:cTn id="28" dur="1" fill="hold">
+                                          <p:stCondLst>
+                                            <p:cond delay="0"/>
+                                          </p:stCondLst>
+                                        </p:cTn>
+                                        <p:tgtEl>
+                                          <p:spTgt spid="3">
+                                            <p:txEl>
+                                              <p:pRg st="8" end="8"/>
+                                            </p:txEl>
+                                          </p:spTgt>
+                                        </p:tgtEl>
+                                        <p:attrNameLst>
+                                          <p:attrName>style.visibility</p:attrName>
+                                        </p:attrNameLst>
+                                      </p:cBhvr>
+                                      <p:to>
+                                        <p:strVal val="visible"/>
+                                      </p:to>
+                                    </p:set>
+                                  </p:childTnLst>
+                                </p:cTn>
+                              </p:par>
+                            </p:childTnLst>
+                          </p:cTn>
+                        </p:par>
+                      </p:childTnLst>
+                    </p:cTn>
+                  </p:par>
+                </p:childTnLst>
+              </p:cTn>
+              <p:prevCondLst>
+                <p:cond evt="onPrev" delay="0">
+                  <p:tgtEl>
+                    <p:sldTgt/>
+                  </p:tgtEl>
+                </p:cond>
+              </p:prevCondLst>
+              <p:nextCondLst>
+                <p:cond evt="onNext" delay="0">
+                  <p:tgtEl>
+                    <p:sldTgt/>
+                  </p:tgtEl>
+                </p:cond>
+              </p:nextCondLst>
+            </p:seq>
+          </p:childTnLst>
+        </p:cTn>
+      </p:par>
+    </p:tnLst>
+  </p:timing>
+</p:sld>
+</file>
+
+<file path=ppt/slides/slide5.xml><?xml version="1.0" encoding="utf-8"?>
+<p:sld xmlns:a="http://schemas.openxmlformats.org/drawingml/2006/main" xmlns:r="http://schemas.openxmlformats.org/officeDocument/2006/relationships" xmlns:p="http://schemas.openxmlformats.org/presentationml/2006/main">
+  <p:cSld>
+    <p:spTree>
+      <p:nvGrpSpPr>
+        <p:cNvPr id="1" name=""/>
+        <p:cNvGrpSpPr/>
+        <p:nvPr/>
+      </p:nvGrpSpPr>
+      <p:grpSpPr>
+        <a:xfrm>
+          <a:off x="0" y="0"/>
+          <a:ext cx="0" cy="0"/>
+          <a:chOff x="0" y="0"/>
+          <a:chExt cx="0" cy="0"/>
+        </a:xfrm>
+      </p:grpSpPr>
+      <p:sp>
+        <p:nvSpPr>
+          <p:cNvPr id="2" name="Title 1">
+            <a:extLst>
+              <a:ext uri="{FF2B5EF4-FFF2-40B4-BE49-F238E27FC236}">
                 <a16:creationId xmlns:a16="http://schemas.microsoft.com/office/drawing/2014/main" id="{DB5A6184-2104-7145-B18B-4F65BAC72215}"/>
               </a:ext>
             </a:extLst>
@@ -7435,7 +8876,7 @@
               <a:pPr>
                 <a:defRPr/>
               </a:pPr>
-              <a:t>3</a:t>
+              <a:t>5</a:t>
             </a:fld>
             <a:endParaRPr lang="en-US"/>
           </a:p>
@@ -7484,7 +8925,7 @@
 </p:sld>
 </file>
 
-<file path=ppt/slides/slide4.xml><?xml version="1.0" encoding="utf-8"?>
+<file path=ppt/slides/slide6.xml><?xml version="1.0" encoding="utf-8"?>
 <p:sld xmlns:a="http://schemas.openxmlformats.org/drawingml/2006/main" xmlns:r="http://schemas.openxmlformats.org/officeDocument/2006/relationships" xmlns:p="http://schemas.openxmlformats.org/presentationml/2006/main">
   <p:cSld>
     <p:spTree>
@@ -7601,7 +9042,7 @@
               <a:pPr>
                 <a:defRPr/>
               </a:pPr>
-              <a:t>4</a:t>
+              <a:t>6</a:t>
             </a:fld>
             <a:endParaRPr lang="en-US"/>
           </a:p>
@@ -7650,308 +9091,6 @@
 </p:sld>
 </file>
 
-<file path=ppt/slides/slide5.xml><?xml version="1.0" encoding="utf-8"?>
-<p:sld xmlns:a="http://schemas.openxmlformats.org/drawingml/2006/main" xmlns:r="http://schemas.openxmlformats.org/officeDocument/2006/relationships" xmlns:p="http://schemas.openxmlformats.org/presentationml/2006/main">
-  <p:cSld>
-    <p:spTree>
-      <p:nvGrpSpPr>
-        <p:cNvPr id="1" name=""/>
-        <p:cNvGrpSpPr/>
-        <p:nvPr/>
-      </p:nvGrpSpPr>
-      <p:grpSpPr>
-        <a:xfrm>
-          <a:off x="0" y="0"/>
-          <a:ext cx="0" cy="0"/>
-          <a:chOff x="0" y="0"/>
-          <a:chExt cx="0" cy="0"/>
-        </a:xfrm>
-      </p:grpSpPr>
-      <p:sp>
-        <p:nvSpPr>
-          <p:cNvPr id="2" name="Title 1">
-            <a:extLst>
-              <a:ext uri="{FF2B5EF4-FFF2-40B4-BE49-F238E27FC236}">
-                <a16:creationId xmlns:a16="http://schemas.microsoft.com/office/drawing/2014/main" id="{46B9C7F1-3F12-494A-B78B-3800878E66B7}"/>
-              </a:ext>
-            </a:extLst>
-          </p:cNvPr>
-          <p:cNvSpPr>
-            <a:spLocks noGrp="1"/>
-          </p:cNvSpPr>
-          <p:nvPr>
-            <p:ph type="title"/>
-          </p:nvPr>
-        </p:nvSpPr>
-        <p:spPr/>
-        <p:txBody>
-          <a:bodyPr/>
-          <a:lstStyle/>
-          <a:p>
-            <a:r>
-              <a:rPr lang="en-US" dirty="0"/>
-              <a:t>Susceptible Material</a:t>
-            </a:r>
-          </a:p>
-        </p:txBody>
-      </p:sp>
-      <p:sp>
-        <p:nvSpPr>
-          <p:cNvPr id="3" name="Content Placeholder 2">
-            <a:extLst>
-              <a:ext uri="{FF2B5EF4-FFF2-40B4-BE49-F238E27FC236}">
-                <a16:creationId xmlns:a16="http://schemas.microsoft.com/office/drawing/2014/main" id="{E2A68BBD-3E65-0D4B-A9AD-46E95A91D2E5}"/>
-              </a:ext>
-            </a:extLst>
-          </p:cNvPr>
-          <p:cNvSpPr>
-            <a:spLocks noGrp="1"/>
-          </p:cNvSpPr>
-          <p:nvPr>
-            <p:ph idx="1"/>
-          </p:nvPr>
-        </p:nvSpPr>
-        <p:spPr/>
-        <p:txBody>
-          <a:bodyPr/>
-          <a:lstStyle/>
-          <a:p>
-            <a:r>
-              <a:rPr lang="en-US" sz="2000" dirty="0"/>
-              <a:t>The initial motivation of alloying zirconium with small amounts of tin was to offset the loss of corrosion resistance resulting from the introduction of nitrogen impurities during fabrication</a:t>
-            </a:r>
-          </a:p>
-          <a:p>
-            <a:r>
-              <a:rPr lang="en-US" sz="2000" dirty="0"/>
-              <a:t>The control of impurities during manufacturing have significantly improved since the introduction of these alloys, making the addition of unnecessary</a:t>
-            </a:r>
-          </a:p>
-          <a:p>
-            <a:r>
-              <a:rPr lang="en-US" sz="2000" dirty="0"/>
-              <a:t>The addition of niobium to these zirconium alloys increases the strength of the cladding while providing higher irradiation creep resistance and has exhibited elevated corrosion resistance, which is desirable for higher burnup fuel</a:t>
-            </a:r>
-          </a:p>
-          <a:p>
-            <a:r>
-              <a:rPr lang="en-US" sz="2000" dirty="0"/>
-              <a:t>All Zr alloys are somewhat equally susceptible to SCC cracking following prolonged irradiation</a:t>
-            </a:r>
-          </a:p>
-          <a:p>
-            <a:endParaRPr lang="en-US" sz="2000" dirty="0"/>
-          </a:p>
-          <a:p>
-            <a:endParaRPr lang="en-US" sz="2000" dirty="0"/>
-          </a:p>
-        </p:txBody>
-      </p:sp>
-      <p:sp>
-        <p:nvSpPr>
-          <p:cNvPr id="4" name="Slide Number Placeholder 3">
-            <a:extLst>
-              <a:ext uri="{FF2B5EF4-FFF2-40B4-BE49-F238E27FC236}">
-                <a16:creationId xmlns:a16="http://schemas.microsoft.com/office/drawing/2014/main" id="{1604284E-C393-8E4E-9E37-5CDE1FA02460}"/>
-              </a:ext>
-            </a:extLst>
-          </p:cNvPr>
-          <p:cNvSpPr>
-            <a:spLocks noGrp="1"/>
-          </p:cNvSpPr>
-          <p:nvPr>
-            <p:ph type="sldNum" sz="quarter" idx="12"/>
-          </p:nvPr>
-        </p:nvSpPr>
-        <p:spPr/>
-        <p:txBody>
-          <a:bodyPr/>
-          <a:lstStyle/>
-          <a:p>
-            <a:pPr>
-              <a:defRPr/>
-            </a:pPr>
-            <a:fld id="{3FF2C605-4958-CF43-AA48-80339EFDB0AF}" type="slidenum">
-              <a:rPr lang="en-US" smtClean="0"/>
-              <a:pPr>
-                <a:defRPr/>
-              </a:pPr>
-              <a:t>5</a:t>
-            </a:fld>
-            <a:endParaRPr lang="en-US"/>
-          </a:p>
-        </p:txBody>
-      </p:sp>
-    </p:spTree>
-    <p:extLst>
-      <p:ext uri="{BB962C8B-B14F-4D97-AF65-F5344CB8AC3E}">
-        <p14:creationId xmlns:p14="http://schemas.microsoft.com/office/powerpoint/2010/main" val="1378059254"/>
-      </p:ext>
-    </p:extLst>
-  </p:cSld>
-  <p:clrMapOvr>
-    <a:masterClrMapping/>
-  </p:clrMapOvr>
-</p:sld>
-</file>
-
-<file path=ppt/slides/slide6.xml><?xml version="1.0" encoding="utf-8"?>
-<p:sld xmlns:a="http://schemas.openxmlformats.org/drawingml/2006/main" xmlns:r="http://schemas.openxmlformats.org/officeDocument/2006/relationships" xmlns:p="http://schemas.openxmlformats.org/presentationml/2006/main">
-  <p:cSld>
-    <p:spTree>
-      <p:nvGrpSpPr>
-        <p:cNvPr id="1" name=""/>
-        <p:cNvGrpSpPr/>
-        <p:nvPr/>
-      </p:nvGrpSpPr>
-      <p:grpSpPr>
-        <a:xfrm>
-          <a:off x="0" y="0"/>
-          <a:ext cx="0" cy="0"/>
-          <a:chOff x="0" y="0"/>
-          <a:chExt cx="0" cy="0"/>
-        </a:xfrm>
-      </p:grpSpPr>
-      <p:sp>
-        <p:nvSpPr>
-          <p:cNvPr id="2" name="Title 1">
-            <a:extLst>
-              <a:ext uri="{FF2B5EF4-FFF2-40B4-BE49-F238E27FC236}">
-                <a16:creationId xmlns:a16="http://schemas.microsoft.com/office/drawing/2014/main" id="{270E3787-0DE8-F149-A324-6F4969BA90FE}"/>
-              </a:ext>
-            </a:extLst>
-          </p:cNvPr>
-          <p:cNvSpPr>
-            <a:spLocks noGrp="1"/>
-          </p:cNvSpPr>
-          <p:nvPr>
-            <p:ph type="title"/>
-          </p:nvPr>
-        </p:nvSpPr>
-        <p:spPr/>
-        <p:txBody>
-          <a:bodyPr/>
-          <a:lstStyle/>
-          <a:p>
-            <a:r>
-              <a:rPr lang="en-US" dirty="0"/>
-              <a:t>Sufficient Stress</a:t>
-            </a:r>
-          </a:p>
-        </p:txBody>
-      </p:sp>
-      <p:sp>
-        <p:nvSpPr>
-          <p:cNvPr id="3" name="Content Placeholder 2">
-            <a:extLst>
-              <a:ext uri="{FF2B5EF4-FFF2-40B4-BE49-F238E27FC236}">
-                <a16:creationId xmlns:a16="http://schemas.microsoft.com/office/drawing/2014/main" id="{48555B14-B891-0145-BCD0-6F1C0A82B4E1}"/>
-              </a:ext>
-            </a:extLst>
-          </p:cNvPr>
-          <p:cNvSpPr>
-            <a:spLocks noGrp="1"/>
-          </p:cNvSpPr>
-          <p:nvPr>
-            <p:ph idx="1"/>
-          </p:nvPr>
-        </p:nvSpPr>
-        <p:spPr/>
-        <p:txBody>
-          <a:bodyPr/>
-          <a:lstStyle/>
-          <a:p>
-            <a:r>
-              <a:rPr lang="en-US" sz="2000" dirty="0"/>
-              <a:t>The stress on the cladding depends on the external coolant pressure and creep, in addition to the stress imposed internally by the fuel</a:t>
-            </a:r>
-          </a:p>
-          <a:p>
-            <a:r>
-              <a:rPr lang="en-US" sz="2000" dirty="0"/>
-              <a:t>The fuel pellet structurally deforms as a result of the following mechanisms: thermal expansion, solid and gaseous fission product swelling, thermal and irradiation-induced creep, irradiation-induced densification and cracking</a:t>
-            </a:r>
-          </a:p>
-          <a:p>
-            <a:r>
-              <a:rPr lang="en-US" sz="2000" dirty="0"/>
-              <a:t>The fuel thermally expands almost immediately in response to an increase in temperature, whereas the contributions of creep and fission product swelling are longer term and depend on burnup</a:t>
-            </a:r>
-          </a:p>
-          <a:p>
-            <a:r>
-              <a:rPr lang="en-US" sz="2000" dirty="0"/>
-              <a:t>UO2 fuel is typically fabricated with an initial porosity of 3%–5% to  accommodate fission products</a:t>
-            </a:r>
-          </a:p>
-          <a:p>
-            <a:r>
-              <a:rPr lang="en-US" sz="2000" dirty="0"/>
-              <a:t>The benefits of this with respect to minimizing SCC are twofold: first, the effect of swelling is diminished by solid fission products filling internal voids; second, initial pores provide sinks for fission gases, thus impeding their release to the fuel-clad gap</a:t>
-            </a:r>
-          </a:p>
-          <a:p>
-            <a:endParaRPr lang="en-US" sz="2000" dirty="0"/>
-          </a:p>
-          <a:p>
-            <a:endParaRPr lang="en-US" sz="2000" dirty="0"/>
-          </a:p>
-          <a:p>
-            <a:endParaRPr lang="en-US" sz="2000" dirty="0"/>
-          </a:p>
-          <a:p>
-            <a:endParaRPr lang="en-US" sz="2000" dirty="0"/>
-          </a:p>
-        </p:txBody>
-      </p:sp>
-      <p:sp>
-        <p:nvSpPr>
-          <p:cNvPr id="4" name="Slide Number Placeholder 3">
-            <a:extLst>
-              <a:ext uri="{FF2B5EF4-FFF2-40B4-BE49-F238E27FC236}">
-                <a16:creationId xmlns:a16="http://schemas.microsoft.com/office/drawing/2014/main" id="{85997AC4-5C28-1F4C-8856-475E43A4CBBF}"/>
-              </a:ext>
-            </a:extLst>
-          </p:cNvPr>
-          <p:cNvSpPr>
-            <a:spLocks noGrp="1"/>
-          </p:cNvSpPr>
-          <p:nvPr>
-            <p:ph type="sldNum" sz="quarter" idx="12"/>
-          </p:nvPr>
-        </p:nvSpPr>
-        <p:spPr/>
-        <p:txBody>
-          <a:bodyPr/>
-          <a:lstStyle/>
-          <a:p>
-            <a:pPr>
-              <a:defRPr/>
-            </a:pPr>
-            <a:fld id="{3FF2C605-4958-CF43-AA48-80339EFDB0AF}" type="slidenum">
-              <a:rPr lang="en-US" smtClean="0"/>
-              <a:pPr>
-                <a:defRPr/>
-              </a:pPr>
-              <a:t>6</a:t>
-            </a:fld>
-            <a:endParaRPr lang="en-US"/>
-          </a:p>
-        </p:txBody>
-      </p:sp>
-    </p:spTree>
-    <p:extLst>
-      <p:ext uri="{BB962C8B-B14F-4D97-AF65-F5344CB8AC3E}">
-        <p14:creationId xmlns:p14="http://schemas.microsoft.com/office/powerpoint/2010/main" val="3729790101"/>
-      </p:ext>
-    </p:extLst>
-  </p:cSld>
-  <p:clrMapOvr>
-    <a:masterClrMapping/>
-  </p:clrMapOvr>
-</p:sld>
-</file>
-
 <file path=ppt/slides/slide7.xml><?xml version="1.0" encoding="utf-8"?>
 <p:sld xmlns:a="http://schemas.openxmlformats.org/drawingml/2006/main" xmlns:r="http://schemas.openxmlformats.org/officeDocument/2006/relationships" xmlns:p="http://schemas.openxmlformats.org/presentationml/2006/main">
   <p:cSld>
@@ -7974,7 +9113,7 @@
           <p:cNvPr id="2" name="Title 1">
             <a:extLst>
               <a:ext uri="{FF2B5EF4-FFF2-40B4-BE49-F238E27FC236}">
-                <a16:creationId xmlns:a16="http://schemas.microsoft.com/office/drawing/2014/main" id="{8643C4AC-BD55-1843-A432-788589280BCF}"/>
+                <a16:creationId xmlns:a16="http://schemas.microsoft.com/office/drawing/2014/main" id="{46B9C7F1-3F12-494A-B78B-3800878E66B7}"/>
               </a:ext>
             </a:extLst>
           </p:cNvPr>
@@ -7992,7 +9131,7 @@
           <a:p>
             <a:r>
               <a:rPr lang="en-US" dirty="0"/>
-              <a:t>Reducing Internal Pressure</a:t>
+              <a:t>Susceptible Material</a:t>
             </a:r>
           </a:p>
         </p:txBody>
@@ -8002,7 +9141,7 @@
           <p:cNvPr id="3" name="Content Placeholder 2">
             <a:extLst>
               <a:ext uri="{FF2B5EF4-FFF2-40B4-BE49-F238E27FC236}">
-                <a16:creationId xmlns:a16="http://schemas.microsoft.com/office/drawing/2014/main" id="{69D1B448-D551-F440-84B2-F0541CE49F20}"/>
+                <a16:creationId xmlns:a16="http://schemas.microsoft.com/office/drawing/2014/main" id="{E2A68BBD-3E65-0D4B-A9AD-46E95A91D2E5}"/>
               </a:ext>
             </a:extLst>
           </p:cNvPr>
@@ -8020,25 +9159,25 @@
           <a:p>
             <a:r>
               <a:rPr lang="en-US" sz="2000" dirty="0"/>
-              <a:t>The initial grain size of the fuel, which evolves with burnup, affects fission gas release, among other factors</a:t>
+              <a:t>The initial motivation of alloying zirconium with small amounts of tin was to offset the loss of corrosion resistance resulting from the introduction of nitrogen impurities during fabrication</a:t>
             </a:r>
           </a:p>
           <a:p>
             <a:r>
               <a:rPr lang="en-US" sz="2000" dirty="0"/>
-              <a:t>Since intragranular fission gas diffusion occurs at a much slower rate than intergranular diffusion, larger grain sizes impede the overall release of fission gases to the fuel surface</a:t>
+              <a:t>The control of impurities during manufacturing have significantly improved since the introduction of these alloys, making the addition of unnecessary</a:t>
             </a:r>
           </a:p>
           <a:p>
             <a:r>
               <a:rPr lang="en-US" sz="2000" dirty="0"/>
-              <a:t>Reducing fission gas release with large grained fuel is less effective with increasing linear powers from 50-65 kW/m</a:t>
+              <a:t>The addition of niobium to these zirconium alloys increases the strength of the cladding while providing higher irradiation creep resistance and has exhibited elevated corrosion resistance, which is desirable for higher burnup fuel</a:t>
             </a:r>
           </a:p>
           <a:p>
             <a:r>
               <a:rPr lang="en-US" sz="2000" dirty="0"/>
-              <a:t>As an undesired consequence to improved fission gas retention with large grained fuel, fission product swelling can be more pronounced</a:t>
+              <a:t>All Zr alloys are somewhat equally susceptible to SCC cracking following prolonged irradiation</a:t>
             </a:r>
           </a:p>
           <a:p>
@@ -8054,7 +9193,7 @@
           <p:cNvPr id="4" name="Slide Number Placeholder 3">
             <a:extLst>
               <a:ext uri="{FF2B5EF4-FFF2-40B4-BE49-F238E27FC236}">
-                <a16:creationId xmlns:a16="http://schemas.microsoft.com/office/drawing/2014/main" id="{C94F6377-1AAD-6943-ABCA-96AC451534C5}"/>
+                <a16:creationId xmlns:a16="http://schemas.microsoft.com/office/drawing/2014/main" id="{1604284E-C393-8E4E-9E37-5CDE1FA02460}"/>
               </a:ext>
             </a:extLst>
           </p:cNvPr>
@@ -8087,7 +9226,7 @@
     </p:spTree>
     <p:extLst>
       <p:ext uri="{BB962C8B-B14F-4D97-AF65-F5344CB8AC3E}">
-        <p14:creationId xmlns:p14="http://schemas.microsoft.com/office/powerpoint/2010/main" val="3578866111"/>
+        <p14:creationId xmlns:p14="http://schemas.microsoft.com/office/powerpoint/2010/main" val="1378059254"/>
       </p:ext>
     </p:extLst>
   </p:cSld>
@@ -8119,7 +9258,7 @@
           <p:cNvPr id="2" name="Title 1">
             <a:extLst>
               <a:ext uri="{FF2B5EF4-FFF2-40B4-BE49-F238E27FC236}">
-                <a16:creationId xmlns:a16="http://schemas.microsoft.com/office/drawing/2014/main" id="{A4BEE184-821E-A447-870D-9DF2A30482D5}"/>
+                <a16:creationId xmlns:a16="http://schemas.microsoft.com/office/drawing/2014/main" id="{270E3787-0DE8-F149-A324-6F4969BA90FE}"/>
               </a:ext>
             </a:extLst>
           </p:cNvPr>
@@ -8137,7 +9276,7 @@
           <a:p>
             <a:r>
               <a:rPr lang="en-US" dirty="0"/>
-              <a:t>Pellet Deformation</a:t>
+              <a:t>Sufficient Stress</a:t>
             </a:r>
           </a:p>
         </p:txBody>
@@ -8147,7 +9286,7 @@
           <p:cNvPr id="3" name="Content Placeholder 2">
             <a:extLst>
               <a:ext uri="{FF2B5EF4-FFF2-40B4-BE49-F238E27FC236}">
-                <a16:creationId xmlns:a16="http://schemas.microsoft.com/office/drawing/2014/main" id="{694A868B-4CD2-2946-8ECF-2646D5B9B02F}"/>
+                <a16:creationId xmlns:a16="http://schemas.microsoft.com/office/drawing/2014/main" id="{48555B14-B891-0145-BCD0-6F1C0A82B4E1}"/>
               </a:ext>
             </a:extLst>
           </p:cNvPr>
@@ -8158,39 +9297,38 @@
             <p:ph idx="1"/>
           </p:nvPr>
         </p:nvSpPr>
-        <p:spPr>
-          <a:xfrm>
-            <a:off x="609600" y="2160495"/>
-            <a:ext cx="7252252" cy="3965670"/>
-          </a:xfrm>
-        </p:spPr>
+        <p:spPr/>
         <p:txBody>
           <a:bodyPr/>
           <a:lstStyle/>
           <a:p>
             <a:r>
               <a:rPr lang="en-US" sz="2000" dirty="0"/>
-              <a:t>The large thermal gradients in the radial direction, and a lesser extent in the axial direction, contribute to non-uniform thermal expansion, which results in a shape that resembles an hourglass</a:t>
+              <a:t>The stress on the cladding depends on the external coolant pressure and creep, in addition to the stress imposed internally by the fuel</a:t>
             </a:r>
           </a:p>
           <a:p>
             <a:r>
               <a:rPr lang="en-US" sz="2000" dirty="0"/>
-              <a:t>Pellet cracking due to thermal stresses further contributes to the </a:t>
-            </a:r>
-            <a:r>
-              <a:rPr lang="en-US" sz="2000" dirty="0" err="1"/>
-              <a:t>hourglassing</a:t>
-            </a:r>
+              <a:t>The fuel pellet structurally deforms as a result of the following mechanisms: thermal expansion, solid and gaseous fission product swelling, thermal and irradiation-induced creep, irradiation-induced densification and cracking</a:t>
+            </a:r>
+          </a:p>
+          <a:p>
             <a:r>
               <a:rPr lang="en-US" sz="2000" dirty="0"/>
-              <a:t> effect</a:t>
+              <a:t>The fuel thermally expands almost immediately in response to an increase in temperature, whereas the contributions of creep and fission product swelling are longer term and depend on burnup</a:t>
             </a:r>
           </a:p>
           <a:p>
             <a:r>
               <a:rPr lang="en-US" sz="2000" dirty="0"/>
-              <a:t>The edges of cylindrical pellets induce large local stress concentrations in the cladding when the pellet-clad gap closes with the enhanced risk of perforation</a:t>
+              <a:t>UO2 fuel is typically fabricated with an initial porosity of 3%–5% to accommodate fission products</a:t>
+            </a:r>
+          </a:p>
+          <a:p>
+            <a:r>
+              <a:rPr lang="en-US" sz="2000" dirty="0"/>
+              <a:t>The benefits of this with respect to minimizing SCC are twofold: first, the effect of swelling is diminished by solid fission products filling internal voids; second, initial pores provide sinks for fission gases, thus impeding their release to the fuel-clad gap</a:t>
             </a:r>
           </a:p>
           <a:p>
@@ -8202,6 +9340,9 @@
           <a:p>
             <a:endParaRPr lang="en-US" sz="2000" dirty="0"/>
           </a:p>
+          <a:p>
+            <a:endParaRPr lang="en-US" sz="2000" dirty="0"/>
+          </a:p>
         </p:txBody>
       </p:sp>
       <p:sp>
@@ -8209,7 +9350,7 @@
           <p:cNvPr id="4" name="Slide Number Placeholder 3">
             <a:extLst>
               <a:ext uri="{FF2B5EF4-FFF2-40B4-BE49-F238E27FC236}">
-                <a16:creationId xmlns:a16="http://schemas.microsoft.com/office/drawing/2014/main" id="{1FC349F8-C0D3-FD4D-9EA4-98CFD5016C8E}"/>
+                <a16:creationId xmlns:a16="http://schemas.microsoft.com/office/drawing/2014/main" id="{85997AC4-5C28-1F4C-8856-475E43A4CBBF}"/>
               </a:ext>
             </a:extLst>
           </p:cNvPr>
@@ -8239,40 +9380,10 @@
           </a:p>
         </p:txBody>
       </p:sp>
-      <p:pic>
-        <p:nvPicPr>
-          <p:cNvPr id="5" name="Picture 4">
-            <a:extLst>
-              <a:ext uri="{FF2B5EF4-FFF2-40B4-BE49-F238E27FC236}">
-                <a16:creationId xmlns:a16="http://schemas.microsoft.com/office/drawing/2014/main" id="{EC2346A4-55DC-004A-AD2E-A8F77E8BD434}"/>
-              </a:ext>
-            </a:extLst>
-          </p:cNvPr>
-          <p:cNvPicPr>
-            <a:picLocks noChangeAspect="1"/>
-          </p:cNvPicPr>
-          <p:nvPr/>
-        </p:nvPicPr>
-        <p:blipFill>
-          <a:blip r:embed="rId2"/>
-          <a:stretch>
-            <a:fillRect/>
-          </a:stretch>
-        </p:blipFill>
-        <p:spPr>
-          <a:xfrm>
-            <a:off x="8010939" y="2549480"/>
-            <a:ext cx="4092438" cy="2463314"/>
-          </a:xfrm>
-          <a:prstGeom prst="rect">
-            <a:avLst/>
-          </a:prstGeom>
-        </p:spPr>
-      </p:pic>
     </p:spTree>
     <p:extLst>
       <p:ext uri="{BB962C8B-B14F-4D97-AF65-F5344CB8AC3E}">
-        <p14:creationId xmlns:p14="http://schemas.microsoft.com/office/powerpoint/2010/main" val="1904569693"/>
+        <p14:creationId xmlns:p14="http://schemas.microsoft.com/office/powerpoint/2010/main" val="3729790101"/>
       </p:ext>
     </p:extLst>
   </p:cSld>
@@ -8304,7 +9415,7 @@
           <p:cNvPr id="2" name="Title 1">
             <a:extLst>
               <a:ext uri="{FF2B5EF4-FFF2-40B4-BE49-F238E27FC236}">
-                <a16:creationId xmlns:a16="http://schemas.microsoft.com/office/drawing/2014/main" id="{8A42F25B-C8A4-F641-A634-875FBE6E01A6}"/>
+                <a16:creationId xmlns:a16="http://schemas.microsoft.com/office/drawing/2014/main" id="{8643C4AC-BD55-1843-A432-788589280BCF}"/>
               </a:ext>
             </a:extLst>
           </p:cNvPr>
@@ -8322,7 +9433,7 @@
           <a:p>
             <a:r>
               <a:rPr lang="en-US" dirty="0"/>
-              <a:t>Fuel Cracking</a:t>
+              <a:t>Reducing Internal Pressure</a:t>
             </a:r>
           </a:p>
         </p:txBody>
@@ -8332,7 +9443,7 @@
           <p:cNvPr id="3" name="Content Placeholder 2">
             <a:extLst>
               <a:ext uri="{FF2B5EF4-FFF2-40B4-BE49-F238E27FC236}">
-                <a16:creationId xmlns:a16="http://schemas.microsoft.com/office/drawing/2014/main" id="{97747485-D423-B94B-B6F5-C61417765EBA}"/>
+                <a16:creationId xmlns:a16="http://schemas.microsoft.com/office/drawing/2014/main" id="{69D1B448-D551-F440-84B2-F0541CE49F20}"/>
               </a:ext>
             </a:extLst>
           </p:cNvPr>
@@ -8343,31 +9454,32 @@
             <p:ph idx="1"/>
           </p:nvPr>
         </p:nvSpPr>
-        <p:spPr>
-          <a:xfrm>
-            <a:off x="609600" y="2160495"/>
-            <a:ext cx="6496878" cy="3965670"/>
-          </a:xfrm>
-        </p:spPr>
+        <p:spPr/>
         <p:txBody>
           <a:bodyPr/>
           <a:lstStyle/>
           <a:p>
             <a:r>
               <a:rPr lang="en-US" sz="2000" dirty="0"/>
-              <a:t>Fuel pellets experience varying degrees of fracture due to large internal stresses induced by thermal expansion that exceed the fracture strength of UO2</a:t>
+              <a:t>The initial grain size of the fuel, which evolves with burnup, affects fission gas release, among other factors</a:t>
             </a:r>
           </a:p>
           <a:p>
             <a:r>
               <a:rPr lang="en-US" sz="2000" dirty="0"/>
-              <a:t>The fracture strength varies from 80 to 150 MPa and is strongly influenced by pellet microstructure, which decreases with respect to porosity, pore size, and grain size</a:t>
+              <a:t>Since intragranular fission gas diffusion occurs at a much slower rate than intergranular diffusion, larger grain sizes impede the overall release of fission gases to the fuel surface</a:t>
             </a:r>
           </a:p>
           <a:p>
             <a:r>
               <a:rPr lang="en-US" sz="2000" dirty="0"/>
-              <a:t>The number of fuel cracks generally increases with larger thermal gradients, thus the number of cracks in the fuel increases with respect to linear power</a:t>
+              <a:t>Reducing fission gas release with large grained fuel is less effective with increasing linear powers from 50-65 kW/m</a:t>
+            </a:r>
+          </a:p>
+          <a:p>
+            <a:r>
+              <a:rPr lang="en-US" sz="2000" dirty="0"/>
+              <a:t>As an undesired consequence to improved fission gas retention with large grained fuel, fission product swelling can be more pronounced</a:t>
             </a:r>
           </a:p>
           <a:p>
@@ -8383,7 +9495,7 @@
           <p:cNvPr id="4" name="Slide Number Placeholder 3">
             <a:extLst>
               <a:ext uri="{FF2B5EF4-FFF2-40B4-BE49-F238E27FC236}">
-                <a16:creationId xmlns:a16="http://schemas.microsoft.com/office/drawing/2014/main" id="{B58601DF-55A3-C14C-AE85-F5A5C4F23FDF}"/>
+                <a16:creationId xmlns:a16="http://schemas.microsoft.com/office/drawing/2014/main" id="{C94F6377-1AAD-6943-ABCA-96AC451534C5}"/>
               </a:ext>
             </a:extLst>
           </p:cNvPr>
@@ -8413,40 +9525,10 @@
           </a:p>
         </p:txBody>
       </p:sp>
-      <p:pic>
-        <p:nvPicPr>
-          <p:cNvPr id="5" name="Picture 4">
-            <a:extLst>
-              <a:ext uri="{FF2B5EF4-FFF2-40B4-BE49-F238E27FC236}">
-                <a16:creationId xmlns:a16="http://schemas.microsoft.com/office/drawing/2014/main" id="{DAF5BD17-C14B-EA43-8F32-8978059CBE8C}"/>
-              </a:ext>
-            </a:extLst>
-          </p:cNvPr>
-          <p:cNvPicPr>
-            <a:picLocks noChangeAspect="1"/>
-          </p:cNvPicPr>
-          <p:nvPr/>
-        </p:nvPicPr>
-        <p:blipFill>
-          <a:blip r:embed="rId2"/>
-          <a:stretch>
-            <a:fillRect/>
-          </a:stretch>
-        </p:blipFill>
-        <p:spPr>
-          <a:xfrm>
-            <a:off x="6963465" y="2567608"/>
-            <a:ext cx="5003800" cy="2895600"/>
-          </a:xfrm>
-          <a:prstGeom prst="rect">
-            <a:avLst/>
-          </a:prstGeom>
-        </p:spPr>
-      </p:pic>
     </p:spTree>
     <p:extLst>
       <p:ext uri="{BB962C8B-B14F-4D97-AF65-F5344CB8AC3E}">
-        <p14:creationId xmlns:p14="http://schemas.microsoft.com/office/powerpoint/2010/main" val="4198640679"/>
+        <p14:creationId xmlns:p14="http://schemas.microsoft.com/office/powerpoint/2010/main" val="3578866111"/>
       </p:ext>
     </p:extLst>
   </p:cSld>
